--- a/translations/en-us/RobotGame/Shielding.pptx
+++ b/translations/en-us/RobotGame/Shielding.pptx
@@ -8,22 +8,23 @@
     <p:sldMasterId id="2147483871" r:id="rId4"/>
     <p:sldMasterId id="2147483883" r:id="rId5"/>
     <p:sldMasterId id="2147483895" r:id="rId6"/>
+    <p:sldMasterId id="2147483907" r:id="rId7"/>
   </p:sldMasterIdLst>
   <p:notesMasterIdLst>
-    <p:notesMasterId r:id="rId15"/>
+    <p:notesMasterId r:id="rId16"/>
   </p:notesMasterIdLst>
   <p:handoutMasterIdLst>
-    <p:handoutMasterId r:id="rId16"/>
+    <p:handoutMasterId r:id="rId17"/>
   </p:handoutMasterIdLst>
   <p:sldIdLst>
-    <p:sldId id="289" r:id="rId7"/>
-    <p:sldId id="301" r:id="rId8"/>
-    <p:sldId id="290" r:id="rId9"/>
-    <p:sldId id="302" r:id="rId10"/>
-    <p:sldId id="276" r:id="rId11"/>
-    <p:sldId id="298" r:id="rId12"/>
-    <p:sldId id="299" r:id="rId13"/>
-    <p:sldId id="274" r:id="rId14"/>
+    <p:sldId id="289" r:id="rId8"/>
+    <p:sldId id="301" r:id="rId9"/>
+    <p:sldId id="290" r:id="rId10"/>
+    <p:sldId id="302" r:id="rId11"/>
+    <p:sldId id="276" r:id="rId12"/>
+    <p:sldId id="298" r:id="rId13"/>
+    <p:sldId id="299" r:id="rId14"/>
+    <p:sldId id="274" r:id="rId15"/>
   </p:sldIdLst>
   <p:sldSz cx="9144000" cy="6858000" type="screen4x3"/>
   <p:notesSz cx="6858000" cy="9144000"/>
@@ -223,7 +224,7 @@
           <a:p>
             <a:fld id="{E354B44E-40A3-0E46-B16A-9BF1250A248B}" type="datetimeFigureOut">
               <a:rPr lang="en-US" smtClean="0"/>
-              <a:t>6/7/18</a:t>
+              <a:t>6/11/18</a:t>
             </a:fld>
             <a:endParaRPr lang="en-US"/>
           </a:p>
@@ -389,7 +390,7 @@
           <a:p>
             <a:fld id="{C86AD16C-2DB4-6642-BAD4-9ED973A087A0}" type="datetimeFigureOut">
               <a:rPr lang="en-US" smtClean="0"/>
-              <a:t>6/7/18</a:t>
+              <a:t>6/11/18</a:t>
             </a:fld>
             <a:endParaRPr lang="en-US"/>
           </a:p>
@@ -1016,9 +1017,9 @@
           <a:bodyPr/>
           <a:lstStyle/>
           <a:p>
-            <a:fld id="{3BD8E1B9-8C8B-47DE-9221-B17F25FBD07D}" type="datetime1">
+            <a:fld id="{562BF0C2-983C-4B29-9F14-B14567104B77}" type="datetime1">
               <a:rPr lang="en-US" smtClean="0"/>
-              <a:t>6/7/18</a:t>
+              <a:t>6/11/18</a:t>
             </a:fld>
             <a:endParaRPr lang="en-US"/>
           </a:p>
@@ -1041,7 +1042,7 @@
           <a:p>
             <a:r>
               <a:rPr lang="en-US"/>
-              <a:t>© 2018, FLL Tutorials, Last Edit 7/13/2016</a:t>
+              <a:t>© 2018, FLL Tutorials, Last Edit 6/11/2018</a:t>
             </a:r>
           </a:p>
         </p:txBody>
@@ -1612,9 +1613,9 @@
           <a:bodyPr/>
           <a:lstStyle/>
           <a:p>
-            <a:fld id="{6A574BFA-353F-43E0-8824-BE1B7CC63AB3}" type="datetime1">
+            <a:fld id="{66E345DB-01B3-49FB-862D-AEA4AAC0F187}" type="datetime1">
               <a:rPr lang="en-US" smtClean="0"/>
-              <a:t>6/7/18</a:t>
+              <a:t>6/11/18</a:t>
             </a:fld>
             <a:endParaRPr lang="en-US"/>
           </a:p>
@@ -1637,7 +1638,7 @@
           <a:p>
             <a:r>
               <a:rPr lang="en-US"/>
-              <a:t>© 2018, FLL Tutorials, Last Edit 7/13/2016</a:t>
+              <a:t>© 2018, FLL Tutorials, Last Edit 6/11/2018</a:t>
             </a:r>
           </a:p>
         </p:txBody>
@@ -1793,9 +1794,9 @@
           <a:bodyPr/>
           <a:lstStyle/>
           <a:p>
-            <a:fld id="{5465DC69-3507-43D5-B11E-147009A82767}" type="datetime1">
+            <a:fld id="{EEAD0E95-A77C-40D7-8086-B7186A8818F9}" type="datetime1">
               <a:rPr lang="en-US" smtClean="0"/>
-              <a:t>6/7/18</a:t>
+              <a:t>6/11/18</a:t>
             </a:fld>
             <a:endParaRPr lang="en-US"/>
           </a:p>
@@ -1818,7 +1819,7 @@
           <a:p>
             <a:r>
               <a:rPr lang="en-US"/>
-              <a:t>© 2018, FLL Tutorials, Last Edit 7/13/2016</a:t>
+              <a:t>© 2018, FLL Tutorials, Last Edit 6/11/2018</a:t>
             </a:r>
           </a:p>
         </p:txBody>
@@ -2009,9 +2010,9 @@
           <a:bodyPr/>
           <a:lstStyle/>
           <a:p>
-            <a:fld id="{A6659D14-4CE0-4D77-BF5E-E5E94A8FFFE5}" type="datetime1">
+            <a:fld id="{06C023DF-A295-4037-B609-1BC6C0AD82F0}" type="datetime1">
               <a:rPr lang="en-US" smtClean="0"/>
-              <a:t>6/7/18</a:t>
+              <a:t>6/11/18</a:t>
             </a:fld>
             <a:endParaRPr lang="en-US"/>
           </a:p>
@@ -2039,7 +2040,7 @@
           <a:p>
             <a:r>
               <a:rPr lang="en-US"/>
-              <a:t>© 2018, FLL Tutorials, Last Edit 7/13/2016</a:t>
+              <a:t>© 2018, FLL Tutorials, Last Edit 6/11/2018</a:t>
             </a:r>
           </a:p>
         </p:txBody>
@@ -2229,7 +2230,7 @@
           <a:noFill/>
           <a:extLst>
             <a:ext uri="{909E8E84-426E-40dd-AFC4-6F175D3DCCD1}">
-              <a14:hiddenFill xmlns:a14="http://schemas.microsoft.com/office/drawing/2010/main" xmlns="">
+              <a14:hiddenFill xmlns="" xmlns:a14="http://schemas.microsoft.com/office/drawing/2010/main">
                 <a:solidFill>
                   <a:srgbClr val="FFFFFF"/>
                 </a:solidFill>
@@ -2853,9 +2854,9 @@
           <a:bodyPr/>
           <a:lstStyle/>
           <a:p>
-            <a:fld id="{7D455789-4AB3-4204-8916-0A2D5F9FC937}" type="datetime1">
+            <a:fld id="{7E0037DF-EA4D-49E6-985A-E3F1F6B158A4}" type="datetime1">
               <a:rPr lang="en-US" smtClean="0"/>
-              <a:t>6/7/18</a:t>
+              <a:t>6/11/18</a:t>
             </a:fld>
             <a:endParaRPr lang="en-US"/>
           </a:p>
@@ -2878,7 +2879,7 @@
           <a:p>
             <a:r>
               <a:rPr lang="en-US"/>
-              <a:t>© 2018, FLL Tutorials, Last Edit 7/13/2016</a:t>
+              <a:t>© 2018, FLL Tutorials, Last Edit 6/11/2018</a:t>
             </a:r>
           </a:p>
         </p:txBody>
@@ -3118,9 +3119,9 @@
           <a:bodyPr/>
           <a:lstStyle/>
           <a:p>
-            <a:fld id="{A0113A9E-0783-4406-80BB-F4AFE3BEC63F}" type="datetime1">
+            <a:fld id="{D554E7F5-27B0-4452-93DA-83F10E39F965}" type="datetime1">
               <a:rPr lang="en-US" smtClean="0"/>
-              <a:t>6/7/18</a:t>
+              <a:t>6/11/18</a:t>
             </a:fld>
             <a:endParaRPr lang="en-US"/>
           </a:p>
@@ -3174,7 +3175,7 @@
           <a:p>
             <a:r>
               <a:rPr lang="en-US"/>
-              <a:t>© 2018, FLL Tutorials, Last Edit 7/13/2016</a:t>
+              <a:t>© 2018, FLL Tutorials, Last Edit 6/11/2018</a:t>
             </a:r>
           </a:p>
         </p:txBody>
@@ -3421,9 +3422,9 @@
           <a:bodyPr/>
           <a:lstStyle/>
           <a:p>
-            <a:fld id="{8B47A9B8-4300-45BE-832A-1205B7F6A8E3}" type="datetime1">
+            <a:fld id="{95EB25CB-3B10-49F4-BCA7-D76ED3EA59C5}" type="datetime1">
               <a:rPr lang="en-US" smtClean="0"/>
-              <a:t>6/7/18</a:t>
+              <a:t>6/11/18</a:t>
             </a:fld>
             <a:endParaRPr lang="en-US"/>
           </a:p>
@@ -3446,7 +3447,7 @@
           <a:p>
             <a:r>
               <a:rPr lang="en-US"/>
-              <a:t>© 2018, FLL Tutorials, Last Edit 7/13/2016</a:t>
+              <a:t>© 2018, FLL Tutorials, Last Edit 6/11/2018</a:t>
             </a:r>
           </a:p>
         </p:txBody>
@@ -3875,9 +3876,9 @@
           <a:bodyPr/>
           <a:lstStyle/>
           <a:p>
-            <a:fld id="{166796F9-0AE8-4E2E-9813-14F4668DFDCF}" type="datetime1">
+            <a:fld id="{2B0320B9-6645-40BB-A1A4-8F89005E7686}" type="datetime1">
               <a:rPr lang="en-US" smtClean="0"/>
-              <a:t>6/7/18</a:t>
+              <a:t>6/11/18</a:t>
             </a:fld>
             <a:endParaRPr lang="en-US"/>
           </a:p>
@@ -3900,7 +3901,7 @@
           <a:p>
             <a:r>
               <a:rPr lang="en-US"/>
-              <a:t>© 2018, FLL Tutorials, Last Edit 7/13/2016</a:t>
+              <a:t>© 2018, FLL Tutorials, Last Edit 6/11/2018</a:t>
             </a:r>
           </a:p>
         </p:txBody>
@@ -4003,9 +4004,9 @@
           <a:bodyPr/>
           <a:lstStyle/>
           <a:p>
-            <a:fld id="{B208DFCB-EF23-4EDA-B22F-EEE5F7786225}" type="datetime1">
+            <a:fld id="{AD6904DB-AC8E-4E1D-994A-CE8E5497BA00}" type="datetime1">
               <a:rPr lang="en-US" smtClean="0"/>
-              <a:t>6/7/18</a:t>
+              <a:t>6/11/18</a:t>
             </a:fld>
             <a:endParaRPr lang="en-US"/>
           </a:p>
@@ -4028,7 +4029,7 @@
           <a:p>
             <a:r>
               <a:rPr lang="en-US"/>
-              <a:t>© 2018, FLL Tutorials, Last Edit 7/13/2016</a:t>
+              <a:t>© 2018, FLL Tutorials, Last Edit 6/11/2018</a:t>
             </a:r>
           </a:p>
         </p:txBody>
@@ -4109,9 +4110,9 @@
           <a:bodyPr/>
           <a:lstStyle/>
           <a:p>
-            <a:fld id="{6A3BC505-2DAC-43DC-BF68-613A4A9D16E4}" type="datetime1">
+            <a:fld id="{A4A84CB4-DB8D-4F2D-82D8-299D4386CAE2}" type="datetime1">
               <a:rPr lang="en-US" smtClean="0"/>
-              <a:t>6/7/18</a:t>
+              <a:t>6/11/18</a:t>
             </a:fld>
             <a:endParaRPr lang="en-US"/>
           </a:p>
@@ -4134,7 +4135,7 @@
           <a:p>
             <a:r>
               <a:rPr lang="en-US"/>
-              <a:t>© 2018, FLL Tutorials, Last Edit 7/13/2016</a:t>
+              <a:t>© 2018, FLL Tutorials, Last Edit 6/11/2018</a:t>
             </a:r>
           </a:p>
         </p:txBody>
@@ -4367,9 +4368,9 @@
           <a:bodyPr/>
           <a:lstStyle/>
           <a:p>
-            <a:fld id="{D85ACCE5-387C-48FE-8E0A-E017F336E63E}" type="datetime1">
+            <a:fld id="{A690F5C5-5EAF-4D3B-950A-29D65837796C}" type="datetime1">
               <a:rPr lang="en-US" smtClean="0"/>
-              <a:t>6/7/18</a:t>
+              <a:t>6/11/18</a:t>
             </a:fld>
             <a:endParaRPr lang="en-US"/>
           </a:p>
@@ -4392,7 +4393,7 @@
           <a:p>
             <a:r>
               <a:rPr lang="en-US"/>
-              <a:t>© 2018, FLL Tutorials, Last Edit 7/13/2016</a:t>
+              <a:t>© 2018, FLL Tutorials, Last Edit 6/11/2018</a:t>
             </a:r>
           </a:p>
         </p:txBody>
@@ -4579,9 +4580,9 @@
           <a:bodyPr/>
           <a:lstStyle/>
           <a:p>
-            <a:fld id="{467D79E7-8BB2-4A47-B5CD-C475333CAC40}" type="datetime1">
+            <a:fld id="{616B0D67-DC75-4B23-A065-3094BAFB5709}" type="datetime1">
               <a:rPr lang="en-US" smtClean="0"/>
-              <a:t>6/7/18</a:t>
+              <a:t>6/11/18</a:t>
             </a:fld>
             <a:endParaRPr lang="en-US"/>
           </a:p>
@@ -4604,7 +4605,7 @@
           <a:p>
             <a:r>
               <a:rPr lang="en-US"/>
-              <a:t>© 2018, FLL Tutorials, Last Edit 7/13/2016</a:t>
+              <a:t>© 2018, FLL Tutorials, Last Edit 6/11/2018</a:t>
             </a:r>
           </a:p>
         </p:txBody>
@@ -4862,9 +4863,9 @@
           <a:bodyPr/>
           <a:lstStyle/>
           <a:p>
-            <a:fld id="{5DAB8E55-7DE1-420E-A3F3-E0AA01D0581B}" type="datetime1">
+            <a:fld id="{A3E2CE31-CB6A-4A4B-9D86-B10299DCA848}" type="datetime1">
               <a:rPr lang="en-US" smtClean="0"/>
-              <a:t>6/7/18</a:t>
+              <a:t>6/11/18</a:t>
             </a:fld>
             <a:endParaRPr lang="en-US"/>
           </a:p>
@@ -4887,7 +4888,7 @@
           <a:p>
             <a:r>
               <a:rPr lang="en-US"/>
-              <a:t>© 2018, FLL Tutorials, Last Edit 7/13/2016</a:t>
+              <a:t>© 2018, FLL Tutorials, Last Edit 6/11/2018</a:t>
             </a:r>
           </a:p>
         </p:txBody>
@@ -5129,9 +5130,9 @@
           <a:bodyPr/>
           <a:lstStyle/>
           <a:p>
-            <a:fld id="{E9B933F2-0ECD-4113-9911-16D911B80E25}" type="datetime1">
+            <a:fld id="{52F7DAB0-487A-4CAE-A12F-3163D1FED300}" type="datetime1">
               <a:rPr lang="en-US" smtClean="0"/>
-              <a:t>6/7/18</a:t>
+              <a:t>6/11/18</a:t>
             </a:fld>
             <a:endParaRPr lang="en-US"/>
           </a:p>
@@ -5154,7 +5155,7 @@
           <a:p>
             <a:r>
               <a:rPr lang="en-US"/>
-              <a:t>© 2018, FLL Tutorials, Last Edit 7/13/2016</a:t>
+              <a:t>© 2018, FLL Tutorials, Last Edit 6/11/2018</a:t>
             </a:r>
           </a:p>
         </p:txBody>
@@ -5318,9 +5319,9 @@
           <a:bodyPr/>
           <a:lstStyle/>
           <a:p>
-            <a:fld id="{2DFF8C31-7ED0-4CC8-87BE-C76C59F4FE9B}" type="datetime1">
+            <a:fld id="{C554BF36-D16A-407A-8069-85BDF536F791}" type="datetime1">
               <a:rPr lang="en-US" smtClean="0"/>
-              <a:t>6/7/18</a:t>
+              <a:t>6/11/18</a:t>
             </a:fld>
             <a:endParaRPr lang="en-US"/>
           </a:p>
@@ -5343,7 +5344,7 @@
           <a:p>
             <a:r>
               <a:rPr lang="en-US"/>
-              <a:t>© 2018, FLL Tutorials, Last Edit 7/13/2016</a:t>
+              <a:t>© 2018, FLL Tutorials, Last Edit 6/11/2018</a:t>
             </a:r>
           </a:p>
         </p:txBody>
@@ -5519,9 +5520,9 @@
           <a:bodyPr/>
           <a:lstStyle/>
           <a:p>
-            <a:fld id="{981C75D5-A23D-458D-AC2A-560824186CAB}" type="datetime1">
+            <a:fld id="{A50247C2-445A-4066-9D57-522480AB5D2F}" type="datetime1">
               <a:rPr lang="en-US" smtClean="0"/>
-              <a:t>6/7/18</a:t>
+              <a:t>6/11/18</a:t>
             </a:fld>
             <a:endParaRPr lang="en-US"/>
           </a:p>
@@ -5544,7 +5545,7 @@
           <a:p>
             <a:r>
               <a:rPr lang="en-US"/>
-              <a:t>© 2018, FLL Tutorials, Last Edit 7/13/2016</a:t>
+              <a:t>© 2018, FLL Tutorials, Last Edit 6/11/2018</a:t>
             </a:r>
           </a:p>
         </p:txBody>
@@ -5690,9 +5691,9 @@
           <a:bodyPr/>
           <a:lstStyle/>
           <a:p>
-            <a:fld id="{EB433385-4F4A-444D-8ED3-06A1C7AE4572}" type="datetime1">
+            <a:fld id="{CA01C903-FFD1-4595-883B-CFE19B916F1A}" type="datetime1">
               <a:rPr lang="en-US" smtClean="0"/>
-              <a:t>6/7/18</a:t>
+              <a:t>6/11/18</a:t>
             </a:fld>
             <a:endParaRPr lang="en-US"/>
           </a:p>
@@ -5715,7 +5716,7 @@
           <a:p>
             <a:r>
               <a:rPr lang="en-US"/>
-              <a:t>© 2018, FLL Tutorials, Last Edit 7/13/2016</a:t>
+              <a:t>© 2018, FLL Tutorials, Last Edit 6/11/2018</a:t>
             </a:r>
           </a:p>
         </p:txBody>
@@ -5938,9 +5939,9 @@
           <a:bodyPr/>
           <a:lstStyle/>
           <a:p>
-            <a:fld id="{B5D41F25-D535-4403-A94F-BC7DA174DA20}" type="datetime1">
+            <a:fld id="{972AAF73-4577-4F7E-9FC7-2BE5506C8047}" type="datetime1">
               <a:rPr lang="en-US" smtClean="0"/>
-              <a:t>6/7/18</a:t>
+              <a:t>6/11/18</a:t>
             </a:fld>
             <a:endParaRPr lang="en-US"/>
           </a:p>
@@ -5963,7 +5964,7 @@
           <a:p>
             <a:r>
               <a:rPr lang="en-US"/>
-              <a:t>© 2018, FLL Tutorials, Last Edit 7/13/2016</a:t>
+              <a:t>© 2018, FLL Tutorials, Last Edit 6/11/2018</a:t>
             </a:r>
           </a:p>
         </p:txBody>
@@ -6170,9 +6171,9 @@
           <a:bodyPr/>
           <a:lstStyle/>
           <a:p>
-            <a:fld id="{F04D34EA-E3A6-465C-AD15-B58E61570FB1}" type="datetime1">
+            <a:fld id="{C27679E5-0220-4418-A24A-DA2729154679}" type="datetime1">
               <a:rPr lang="en-US" smtClean="0"/>
-              <a:t>6/7/18</a:t>
+              <a:t>6/11/18</a:t>
             </a:fld>
             <a:endParaRPr lang="en-US"/>
           </a:p>
@@ -6195,7 +6196,7 @@
           <a:p>
             <a:r>
               <a:rPr lang="en-US"/>
-              <a:t>© 2018, FLL Tutorials, Last Edit 7/13/2016</a:t>
+              <a:t>© 2018, FLL Tutorials, Last Edit 6/11/2018</a:t>
             </a:r>
           </a:p>
         </p:txBody>
@@ -6537,9 +6538,9 @@
           <a:bodyPr/>
           <a:lstStyle/>
           <a:p>
-            <a:fld id="{FDDFDD64-ED31-49B3-BFE1-7CB66DE436E6}" type="datetime1">
+            <a:fld id="{D980F1CB-1F32-438A-BD7A-4D61AB6D7D9A}" type="datetime1">
               <a:rPr lang="en-US" smtClean="0"/>
-              <a:t>6/7/18</a:t>
+              <a:t>6/11/18</a:t>
             </a:fld>
             <a:endParaRPr lang="en-US"/>
           </a:p>
@@ -6562,7 +6563,7 @@
           <a:p>
             <a:r>
               <a:rPr lang="en-US"/>
-              <a:t>© 2018, FLL Tutorials, Last Edit 7/13/2016</a:t>
+              <a:t>© 2018, FLL Tutorials, Last Edit 6/11/2018</a:t>
             </a:r>
           </a:p>
         </p:txBody>
@@ -6657,9 +6658,9 @@
           <a:bodyPr/>
           <a:lstStyle/>
           <a:p>
-            <a:fld id="{66C32062-39D3-4847-9039-D288224C2E56}" type="datetime1">
+            <a:fld id="{7E6496A6-CAF1-4914-8FBF-1A0296C1862A}" type="datetime1">
               <a:rPr lang="en-US" smtClean="0"/>
-              <a:t>6/7/18</a:t>
+              <a:t>6/11/18</a:t>
             </a:fld>
             <a:endParaRPr lang="en-US"/>
           </a:p>
@@ -6682,7 +6683,7 @@
           <a:p>
             <a:r>
               <a:rPr lang="en-US"/>
-              <a:t>© 2018, FLL Tutorials, Last Edit 7/13/2016</a:t>
+              <a:t>© 2018, FLL Tutorials, Last Edit 6/11/2018</a:t>
             </a:r>
           </a:p>
         </p:txBody>
@@ -6755,9 +6756,9 @@
           <a:bodyPr/>
           <a:lstStyle/>
           <a:p>
-            <a:fld id="{91044828-14BC-460D-B138-E5443513432A}" type="datetime1">
+            <a:fld id="{CE9B05A1-C7DD-4116-BF47-D22B46A17FB1}" type="datetime1">
               <a:rPr lang="en-US" smtClean="0"/>
-              <a:t>6/7/18</a:t>
+              <a:t>6/11/18</a:t>
             </a:fld>
             <a:endParaRPr lang="en-US"/>
           </a:p>
@@ -6780,7 +6781,7 @@
           <a:p>
             <a:r>
               <a:rPr lang="en-US"/>
-              <a:t>© 2018, FLL Tutorials, Last Edit 7/13/2016</a:t>
+              <a:t>© 2018, FLL Tutorials, Last Edit 6/11/2018</a:t>
             </a:r>
           </a:p>
         </p:txBody>
@@ -7012,9 +7013,9 @@
           <a:bodyPr/>
           <a:lstStyle/>
           <a:p>
-            <a:fld id="{7BCBC718-FF76-43C5-99B3-1094AB2D3B9C}" type="datetime1">
+            <a:fld id="{327E20DE-955C-4579-8CE5-2F40D555C1A0}" type="datetime1">
               <a:rPr lang="en-US" smtClean="0"/>
-              <a:t>6/7/18</a:t>
+              <a:t>6/11/18</a:t>
             </a:fld>
             <a:endParaRPr lang="en-US"/>
           </a:p>
@@ -7060,7 +7061,7 @@
           <a:p>
             <a:r>
               <a:rPr lang="en-US"/>
-              <a:t>© 2018, FLL Tutorials, Last Edit 7/13/2016</a:t>
+              <a:t>© 2018, FLL Tutorials, Last Edit 6/11/2018</a:t>
             </a:r>
           </a:p>
         </p:txBody>
@@ -7290,9 +7291,9 @@
           <a:bodyPr/>
           <a:lstStyle/>
           <a:p>
-            <a:fld id="{BB64FED2-DF61-4549-AFBD-EA36F619943C}" type="datetime1">
+            <a:fld id="{B846A3BC-694D-4801-A24D-A477BEC39FFA}" type="datetime1">
               <a:rPr lang="en-US" smtClean="0"/>
-              <a:t>6/7/18</a:t>
+              <a:t>6/11/18</a:t>
             </a:fld>
             <a:endParaRPr lang="en-US"/>
           </a:p>
@@ -7315,7 +7316,7 @@
           <a:p>
             <a:r>
               <a:rPr lang="en-US"/>
-              <a:t>© 2018, FLL Tutorials, Last Edit 7/13/2016</a:t>
+              <a:t>© 2018, FLL Tutorials, Last Edit 6/11/2018</a:t>
             </a:r>
           </a:p>
         </p:txBody>
@@ -7548,9 +7549,9 @@
           <a:bodyPr/>
           <a:lstStyle/>
           <a:p>
-            <a:fld id="{1E66127C-40E3-4452-B256-196F9529C1B2}" type="datetime1">
+            <a:fld id="{18EE95F5-5F0B-4712-B0B4-7F655EA033C5}" type="datetime1">
               <a:rPr lang="en-US" smtClean="0"/>
-              <a:t>6/7/18</a:t>
+              <a:t>6/11/18</a:t>
             </a:fld>
             <a:endParaRPr lang="en-US"/>
           </a:p>
@@ -7573,7 +7574,7 @@
           <a:p>
             <a:r>
               <a:rPr lang="en-US"/>
-              <a:t>© 2018, FLL Tutorials, Last Edit 7/13/2016</a:t>
+              <a:t>© 2018, FLL Tutorials, Last Edit 6/11/2018</a:t>
             </a:r>
           </a:p>
         </p:txBody>
@@ -7719,9 +7720,9 @@
           <a:bodyPr/>
           <a:lstStyle/>
           <a:p>
-            <a:fld id="{F4118E92-ED48-47FC-A4E3-9268470E1A64}" type="datetime1">
+            <a:fld id="{6AFBA00A-85A5-463E-A4E5-F224C223B26C}" type="datetime1">
               <a:rPr lang="en-US" smtClean="0"/>
-              <a:t>6/7/18</a:t>
+              <a:t>6/11/18</a:t>
             </a:fld>
             <a:endParaRPr lang="en-US"/>
           </a:p>
@@ -7744,7 +7745,7 @@
           <a:p>
             <a:r>
               <a:rPr lang="en-US"/>
-              <a:t>© 2018, FLL Tutorials, Last Edit 7/13/2016</a:t>
+              <a:t>© 2018, FLL Tutorials, Last Edit 6/11/2018</a:t>
             </a:r>
           </a:p>
         </p:txBody>
@@ -7900,9 +7901,9 @@
           <a:bodyPr/>
           <a:lstStyle/>
           <a:p>
-            <a:fld id="{5467A715-AE64-428C-B012-DD33BC0F7FA0}" type="datetime1">
+            <a:fld id="{4CC2CD51-FB81-453D-B543-EBE52BADFCAF}" type="datetime1">
               <a:rPr lang="en-US" smtClean="0"/>
-              <a:t>6/7/18</a:t>
+              <a:t>6/11/18</a:t>
             </a:fld>
             <a:endParaRPr lang="en-US"/>
           </a:p>
@@ -7925,7 +7926,7 @@
           <a:p>
             <a:r>
               <a:rPr lang="en-US"/>
-              <a:t>© 2018, FLL Tutorials, Last Edit 7/13/2016</a:t>
+              <a:t>© 2018, FLL Tutorials, Last Edit 6/11/2018</a:t>
             </a:r>
           </a:p>
         </p:txBody>
@@ -8157,9 +8158,9 @@
           <a:bodyPr/>
           <a:lstStyle/>
           <a:p>
-            <a:fld id="{D1EA0FDE-42EE-48CD-8466-0775C4FA1BF1}" type="datetime1">
+            <a:fld id="{CCC195DC-3CC5-4F9A-9755-028E6F3C8F6E}" type="datetime1">
               <a:rPr lang="en-US" smtClean="0"/>
-              <a:t>6/7/18</a:t>
+              <a:t>6/11/18</a:t>
             </a:fld>
             <a:endParaRPr lang="en-US"/>
           </a:p>
@@ -8182,7 +8183,7 @@
           <a:p>
             <a:r>
               <a:rPr lang="en-US"/>
-              <a:t>© 2018, FLL Tutorials, Last Edit 7/13/2016</a:t>
+              <a:t>© 2018, FLL Tutorials, Last Edit 6/11/2018</a:t>
             </a:r>
           </a:p>
         </p:txBody>
@@ -9181,9 +9182,9 @@
           <a:bodyPr/>
           <a:lstStyle/>
           <a:p>
-            <a:fld id="{26A354B9-BDD2-4F55-B047-EC883DBD0498}" type="datetime1">
+            <a:fld id="{542E4CB0-7CF5-4C42-82C7-01F486A302D4}" type="datetime1">
               <a:rPr lang="en-US" smtClean="0"/>
-              <a:t>6/7/18</a:t>
+              <a:t>6/11/18</a:t>
             </a:fld>
             <a:endParaRPr lang="en-US"/>
           </a:p>
@@ -9206,7 +9207,7 @@
           <a:p>
             <a:r>
               <a:rPr lang="en-US"/>
-              <a:t>© 2018, FLL Tutorials, Last Edit 7/13/2016</a:t>
+              <a:t>© 2018, FLL Tutorials, Last Edit 6/11/2018</a:t>
             </a:r>
           </a:p>
         </p:txBody>
@@ -9443,9 +9444,9 @@
           <a:bodyPr/>
           <a:lstStyle/>
           <a:p>
-            <a:fld id="{E2E74167-D9E3-4A64-AD47-D69B617023AF}" type="datetime1">
+            <a:fld id="{44ABA092-D8E5-4075-B6DF-F9B628E66904}" type="datetime1">
               <a:rPr lang="en-US" smtClean="0"/>
-              <a:t>6/7/18</a:t>
+              <a:t>6/11/18</a:t>
             </a:fld>
             <a:endParaRPr lang="en-US"/>
           </a:p>
@@ -9491,7 +9492,7 @@
           <a:p>
             <a:r>
               <a:rPr lang="en-US"/>
-              <a:t>© 2018, FLL Tutorials, Last Edit 7/13/2016</a:t>
+              <a:t>© 2018, FLL Tutorials, Last Edit 6/11/2018</a:t>
             </a:r>
           </a:p>
         </p:txBody>
@@ -9738,9 +9739,9 @@
           <a:bodyPr/>
           <a:lstStyle/>
           <a:p>
-            <a:fld id="{D2CA1E0D-911E-4302-B481-26156267E578}" type="datetime1">
+            <a:fld id="{E158D6DE-3F66-4E03-8A9D-23E09DAA05BC}" type="datetime1">
               <a:rPr lang="en-US" smtClean="0"/>
-              <a:t>6/7/18</a:t>
+              <a:t>6/11/18</a:t>
             </a:fld>
             <a:endParaRPr lang="en-US"/>
           </a:p>
@@ -9763,7 +9764,7 @@
           <a:p>
             <a:r>
               <a:rPr lang="en-US"/>
-              <a:t>© 2018, FLL Tutorials, Last Edit 7/13/2016</a:t>
+              <a:t>© 2018, FLL Tutorials, Last Edit 6/11/2018</a:t>
             </a:r>
           </a:p>
         </p:txBody>
@@ -10184,9 +10185,9 @@
           <a:bodyPr/>
           <a:lstStyle/>
           <a:p>
-            <a:fld id="{1DE782A8-D2B3-49B0-893C-412251AFA1D5}" type="datetime1">
+            <a:fld id="{F4D5272B-61CA-49DD-8798-C7D0AC5036FB}" type="datetime1">
               <a:rPr lang="en-US" smtClean="0"/>
-              <a:t>6/7/18</a:t>
+              <a:t>6/11/18</a:t>
             </a:fld>
             <a:endParaRPr lang="en-US"/>
           </a:p>
@@ -10209,7 +10210,7 @@
           <a:p>
             <a:r>
               <a:rPr lang="en-US"/>
-              <a:t>© 2018, FLL Tutorials, Last Edit 7/13/2016</a:t>
+              <a:t>© 2018, FLL Tutorials, Last Edit 6/11/2018</a:t>
             </a:r>
           </a:p>
         </p:txBody>
@@ -10304,9 +10305,9 @@
           <a:bodyPr/>
           <a:lstStyle/>
           <a:p>
-            <a:fld id="{DF583D4A-832F-4D8E-919A-12662C1A6F1E}" type="datetime1">
+            <a:fld id="{258CE989-0CA9-4C29-99FC-2D16E135FBB6}" type="datetime1">
               <a:rPr lang="en-US" smtClean="0"/>
-              <a:t>6/7/18</a:t>
+              <a:t>6/11/18</a:t>
             </a:fld>
             <a:endParaRPr lang="en-US"/>
           </a:p>
@@ -10329,7 +10330,7 @@
           <a:p>
             <a:r>
               <a:rPr lang="en-US"/>
-              <a:t>© 2018, FLL Tutorials, Last Edit 7/13/2016</a:t>
+              <a:t>© 2018, FLL Tutorials, Last Edit 6/11/2018</a:t>
             </a:r>
           </a:p>
         </p:txBody>
@@ -10598,9 +10599,9 @@
           <a:bodyPr/>
           <a:lstStyle/>
           <a:p>
-            <a:fld id="{1CB8CF0F-5FBE-4244-8BF9-755E0D0051B5}" type="datetime1">
+            <a:fld id="{4EE74478-E715-4C6D-A689-D5E6B157804B}" type="datetime1">
               <a:rPr lang="en-US" smtClean="0"/>
-              <a:t>6/7/18</a:t>
+              <a:t>6/11/18</a:t>
             </a:fld>
             <a:endParaRPr lang="en-US"/>
           </a:p>
@@ -10623,7 +10624,7 @@
           <a:p>
             <a:r>
               <a:rPr lang="en-US"/>
-              <a:t>© 2018, FLL Tutorials, Last Edit 7/13/2016</a:t>
+              <a:t>© 2018, FLL Tutorials, Last Edit 6/11/2018</a:t>
             </a:r>
           </a:p>
         </p:txBody>
@@ -10696,9 +10697,9 @@
           <a:bodyPr/>
           <a:lstStyle/>
           <a:p>
-            <a:fld id="{B016E191-58BB-42BB-9330-68BB6F740A02}" type="datetime1">
+            <a:fld id="{15275327-D51C-416D-8364-B1E80C6D73B1}" type="datetime1">
               <a:rPr lang="en-US" smtClean="0"/>
-              <a:t>6/7/18</a:t>
+              <a:t>6/11/18</a:t>
             </a:fld>
             <a:endParaRPr lang="en-US"/>
           </a:p>
@@ -10721,7 +10722,7 @@
           <a:p>
             <a:r>
               <a:rPr lang="en-US"/>
-              <a:t>© 2018, FLL Tutorials, Last Edit 7/13/2016</a:t>
+              <a:t>© 2018, FLL Tutorials, Last Edit 6/11/2018</a:t>
             </a:r>
           </a:p>
         </p:txBody>
@@ -10946,9 +10947,9 @@
           <a:bodyPr/>
           <a:lstStyle/>
           <a:p>
-            <a:fld id="{B24496CC-6D10-4F62-8447-D28D10AF7B9A}" type="datetime1">
+            <a:fld id="{FB028DEC-B996-4C63-95C9-6C10C0A356B9}" type="datetime1">
               <a:rPr lang="en-US" smtClean="0"/>
-              <a:t>6/7/18</a:t>
+              <a:t>6/11/18</a:t>
             </a:fld>
             <a:endParaRPr lang="en-US"/>
           </a:p>
@@ -10971,7 +10972,7 @@
           <a:p>
             <a:r>
               <a:rPr lang="en-US"/>
-              <a:t>© 2018, FLL Tutorials, Last Edit 7/13/2016</a:t>
+              <a:t>© 2018, FLL Tutorials, Last Edit 6/11/2018</a:t>
             </a:r>
           </a:p>
         </p:txBody>
@@ -11246,9 +11247,9 @@
           <a:bodyPr/>
           <a:lstStyle/>
           <a:p>
-            <a:fld id="{D6BD4067-8CC0-40DA-BA7D-EB779AEC49C0}" type="datetime1">
+            <a:fld id="{2D96BF22-91DE-4C95-8221-6E629596F66D}" type="datetime1">
               <a:rPr lang="en-US" smtClean="0"/>
-              <a:t>6/7/18</a:t>
+              <a:t>6/11/18</a:t>
             </a:fld>
             <a:endParaRPr lang="en-US"/>
           </a:p>
@@ -11271,7 +11272,7 @@
           <a:p>
             <a:r>
               <a:rPr lang="en-US"/>
-              <a:t>© 2018, FLL Tutorials, Last Edit 7/13/2016</a:t>
+              <a:t>© 2018, FLL Tutorials, Last Edit 6/11/2018</a:t>
             </a:r>
           </a:p>
         </p:txBody>
@@ -11505,9 +11506,9 @@
           <a:bodyPr/>
           <a:lstStyle/>
           <a:p>
-            <a:fld id="{742CE8ED-8F43-468D-8666-27FFFE0648DE}" type="datetime1">
+            <a:fld id="{87DEE378-869D-43CD-814B-722D09B2B12D}" type="datetime1">
               <a:rPr lang="en-US" smtClean="0"/>
-              <a:t>6/7/18</a:t>
+              <a:t>6/11/18</a:t>
             </a:fld>
             <a:endParaRPr lang="en-US"/>
           </a:p>
@@ -11530,7 +11531,7 @@
           <a:p>
             <a:r>
               <a:rPr lang="en-US"/>
-              <a:t>© 2018, FLL Tutorials, Last Edit 7/13/2016</a:t>
+              <a:t>© 2018, FLL Tutorials, Last Edit 6/11/2018</a:t>
             </a:r>
           </a:p>
         </p:txBody>
@@ -11686,9 +11687,9 @@
           <a:bodyPr/>
           <a:lstStyle/>
           <a:p>
-            <a:fld id="{773A7572-F0B0-46AD-9F7B-00D8A00D1567}" type="datetime1">
+            <a:fld id="{9215B4C0-86BB-4254-B025-01BC11DCFE8A}" type="datetime1">
               <a:rPr lang="en-US" smtClean="0"/>
-              <a:t>6/7/18</a:t>
+              <a:t>6/11/18</a:t>
             </a:fld>
             <a:endParaRPr lang="en-US"/>
           </a:p>
@@ -11711,7 +11712,7 @@
           <a:p>
             <a:r>
               <a:rPr lang="en-US"/>
-              <a:t>© 2018, FLL Tutorials, Last Edit 7/13/2016</a:t>
+              <a:t>© 2018, FLL Tutorials, Last Edit 6/11/2018</a:t>
             </a:r>
           </a:p>
         </p:txBody>
@@ -11902,9 +11903,9 @@
           <a:bodyPr/>
           <a:lstStyle/>
           <a:p>
-            <a:fld id="{9CAE083B-8A19-4DE9-BEEA-FEDDD774346E}" type="datetime1">
+            <a:fld id="{E7643207-7CF7-4147-9876-9C093BEC3E11}" type="datetime1">
               <a:rPr lang="en-US" smtClean="0"/>
-              <a:t>6/7/18</a:t>
+              <a:t>6/11/18</a:t>
             </a:fld>
             <a:endParaRPr lang="en-US"/>
           </a:p>
@@ -11932,7 +11933,7 @@
           <a:p>
             <a:r>
               <a:rPr lang="en-US"/>
-              <a:t>© 2018, FLL Tutorials, Last Edit 7/13/2016</a:t>
+              <a:t>© 2018, FLL Tutorials, Last Edit 6/11/2018</a:t>
             </a:r>
           </a:p>
         </p:txBody>
@@ -13158,9 +13159,9 @@
           <a:bodyPr/>
           <a:lstStyle/>
           <a:p>
-            <a:fld id="{6E67CC7C-BF42-498D-9D48-D255C37FDC6C}" type="datetime1">
+            <a:fld id="{63E0A53D-298F-4AA6-8E13-F9DF1003C6C4}" type="datetime1">
               <a:rPr lang="en-US" smtClean="0"/>
-              <a:t>6/7/18</a:t>
+              <a:t>6/11/18</a:t>
             </a:fld>
             <a:endParaRPr lang="en-US"/>
           </a:p>
@@ -13183,7 +13184,7 @@
           <a:p>
             <a:r>
               <a:rPr lang="en-US"/>
-              <a:t>© 2018, FLL Tutorials, Last Edit 7/13/2016</a:t>
+              <a:t>© 2018, FLL Tutorials, Last Edit 6/11/2018</a:t>
             </a:r>
           </a:p>
         </p:txBody>
@@ -13423,9 +13424,9 @@
           <a:bodyPr/>
           <a:lstStyle/>
           <a:p>
-            <a:fld id="{37BBA373-906B-4643-96CE-EEE9E90216DD}" type="datetime1">
+            <a:fld id="{0381FAA4-B525-4C13-9ADC-F2F35A9F6937}" type="datetime1">
               <a:rPr lang="en-US" smtClean="0"/>
-              <a:t>6/7/18</a:t>
+              <a:t>6/11/18</a:t>
             </a:fld>
             <a:endParaRPr lang="en-US"/>
           </a:p>
@@ -13479,7 +13480,7 @@
           <a:p>
             <a:r>
               <a:rPr lang="en-US"/>
-              <a:t>© 2018, FLL Tutorials, Last Edit 7/13/2016</a:t>
+              <a:t>© 2018, FLL Tutorials, Last Edit 6/11/2018</a:t>
             </a:r>
           </a:p>
         </p:txBody>
@@ -13726,9 +13727,9 @@
           <a:bodyPr/>
           <a:lstStyle/>
           <a:p>
-            <a:fld id="{3B05AA4C-1934-4741-8910-4B09D4524713}" type="datetime1">
+            <a:fld id="{3540E135-3737-404D-9015-72C85F03CA09}" type="datetime1">
               <a:rPr lang="en-US" smtClean="0"/>
-              <a:t>6/7/18</a:t>
+              <a:t>6/11/18</a:t>
             </a:fld>
             <a:endParaRPr lang="en-US"/>
           </a:p>
@@ -13751,7 +13752,7 @@
           <a:p>
             <a:r>
               <a:rPr lang="en-US"/>
-              <a:t>© 2018, FLL Tutorials, Last Edit 7/13/2016</a:t>
+              <a:t>© 2018, FLL Tutorials, Last Edit 6/11/2018</a:t>
             </a:r>
           </a:p>
         </p:txBody>
@@ -14180,9 +14181,9 @@
           <a:bodyPr/>
           <a:lstStyle/>
           <a:p>
-            <a:fld id="{12068AE6-648C-4270-90F9-FE062E43F731}" type="datetime1">
+            <a:fld id="{91052528-7FF0-49C8-B22C-2C88C330E8BC}" type="datetime1">
               <a:rPr lang="en-US" smtClean="0"/>
-              <a:t>6/7/18</a:t>
+              <a:t>6/11/18</a:t>
             </a:fld>
             <a:endParaRPr lang="en-US"/>
           </a:p>
@@ -14205,7 +14206,7 @@
           <a:p>
             <a:r>
               <a:rPr lang="en-US"/>
-              <a:t>© 2018, FLL Tutorials, Last Edit 7/13/2016</a:t>
+              <a:t>© 2018, FLL Tutorials, Last Edit 6/11/2018</a:t>
             </a:r>
           </a:p>
         </p:txBody>
@@ -14634,9 +14635,9 @@
           <a:bodyPr/>
           <a:lstStyle/>
           <a:p>
-            <a:fld id="{F647BA81-47DE-43B0-AEA5-7216432379BC}" type="datetime1">
+            <a:fld id="{028B7E9C-FE61-401E-ADF1-E437BDD7A5FB}" type="datetime1">
               <a:rPr lang="en-US" smtClean="0"/>
-              <a:t>6/7/18</a:t>
+              <a:t>6/11/18</a:t>
             </a:fld>
             <a:endParaRPr lang="en-US"/>
           </a:p>
@@ -14659,7 +14660,7 @@
           <a:p>
             <a:r>
               <a:rPr lang="en-US"/>
-              <a:t>© 2018, FLL Tutorials, Last Edit 7/13/2016</a:t>
+              <a:t>© 2018, FLL Tutorials, Last Edit 6/11/2018</a:t>
             </a:r>
           </a:p>
         </p:txBody>
@@ -14754,9 +14755,9 @@
           <a:bodyPr/>
           <a:lstStyle/>
           <a:p>
-            <a:fld id="{26978D81-3D25-4E31-8D55-9B54347334C4}" type="datetime1">
+            <a:fld id="{86306EF7-0AE3-4F54-ADD0-6196865E8B35}" type="datetime1">
               <a:rPr lang="en-US" smtClean="0"/>
-              <a:t>6/7/18</a:t>
+              <a:t>6/11/18</a:t>
             </a:fld>
             <a:endParaRPr lang="en-US"/>
           </a:p>
@@ -14779,7 +14780,7 @@
           <a:p>
             <a:r>
               <a:rPr lang="en-US"/>
-              <a:t>© 2018, FLL Tutorials, Last Edit 7/13/2016</a:t>
+              <a:t>© 2018, FLL Tutorials, Last Edit 6/11/2018</a:t>
             </a:r>
           </a:p>
         </p:txBody>
@@ -14860,9 +14861,9 @@
           <a:bodyPr/>
           <a:lstStyle/>
           <a:p>
-            <a:fld id="{53C734FA-EA05-4FB5-B3FA-ABCB64D40440}" type="datetime1">
+            <a:fld id="{1C1C59ED-C8F0-4771-924D-03FBD29510A5}" type="datetime1">
               <a:rPr lang="en-US" smtClean="0"/>
-              <a:t>6/7/18</a:t>
+              <a:t>6/11/18</a:t>
             </a:fld>
             <a:endParaRPr lang="en-US"/>
           </a:p>
@@ -14885,7 +14886,7 @@
           <a:p>
             <a:r>
               <a:rPr lang="en-US"/>
-              <a:t>© 2018, FLL Tutorials, Last Edit 7/13/2016</a:t>
+              <a:t>© 2018, FLL Tutorials, Last Edit 6/11/2018</a:t>
             </a:r>
           </a:p>
         </p:txBody>
@@ -15118,9 +15119,9 @@
           <a:bodyPr/>
           <a:lstStyle/>
           <a:p>
-            <a:fld id="{2656127C-7E32-49C6-B826-CBE00353D462}" type="datetime1">
+            <a:fld id="{B04F4604-7033-4677-BB91-CF66BFAEB38E}" type="datetime1">
               <a:rPr lang="en-US" smtClean="0"/>
-              <a:t>6/7/18</a:t>
+              <a:t>6/11/18</a:t>
             </a:fld>
             <a:endParaRPr lang="en-US"/>
           </a:p>
@@ -15143,7 +15144,7 @@
           <a:p>
             <a:r>
               <a:rPr lang="en-US"/>
-              <a:t>© 2018, FLL Tutorials, Last Edit 7/13/2016</a:t>
+              <a:t>© 2018, FLL Tutorials, Last Edit 6/11/2018</a:t>
             </a:r>
           </a:p>
         </p:txBody>
@@ -15426,9 +15427,9 @@
           <a:bodyPr/>
           <a:lstStyle/>
           <a:p>
-            <a:fld id="{9F236092-8892-4DAE-8AC0-0C218BB1FD3B}" type="datetime1">
+            <a:fld id="{FF122D46-83CB-4FB8-B2F5-C4F7DEA85956}" type="datetime1">
               <a:rPr lang="en-US" smtClean="0"/>
-              <a:t>6/7/18</a:t>
+              <a:t>6/11/18</a:t>
             </a:fld>
             <a:endParaRPr lang="en-US"/>
           </a:p>
@@ -15451,7 +15452,7 @@
           <a:p>
             <a:r>
               <a:rPr lang="en-US"/>
-              <a:t>© 2018, FLL Tutorials, Last Edit 7/13/2016</a:t>
+              <a:t>© 2018, FLL Tutorials, Last Edit 6/11/2018</a:t>
             </a:r>
           </a:p>
         </p:txBody>
@@ -15693,9 +15694,9 @@
           <a:bodyPr/>
           <a:lstStyle/>
           <a:p>
-            <a:fld id="{BCEADAE8-63DB-4CEE-98F0-445A1995A074}" type="datetime1">
+            <a:fld id="{4A91ED1B-73F7-4D63-BDAE-5A2C3A784198}" type="datetime1">
               <a:rPr lang="en-US" smtClean="0"/>
-              <a:t>6/7/18</a:t>
+              <a:t>6/11/18</a:t>
             </a:fld>
             <a:endParaRPr lang="en-US"/>
           </a:p>
@@ -15718,7 +15719,7 @@
           <a:p>
             <a:r>
               <a:rPr lang="en-US"/>
-              <a:t>© 2018, FLL Tutorials, Last Edit 7/13/2016</a:t>
+              <a:t>© 2018, FLL Tutorials, Last Edit 6/11/2018</a:t>
             </a:r>
           </a:p>
         </p:txBody>
@@ -15882,9 +15883,9 @@
           <a:bodyPr/>
           <a:lstStyle/>
           <a:p>
-            <a:fld id="{812A7FE3-3284-49D8-92E8-B098EFBF9702}" type="datetime1">
+            <a:fld id="{27D7011D-52F7-4023-8B6B-5220E4BAD453}" type="datetime1">
               <a:rPr lang="en-US" smtClean="0"/>
-              <a:t>6/7/18</a:t>
+              <a:t>6/11/18</a:t>
             </a:fld>
             <a:endParaRPr lang="en-US"/>
           </a:p>
@@ -15907,7 +15908,7 @@
           <a:p>
             <a:r>
               <a:rPr lang="en-US"/>
-              <a:t>© 2018, FLL Tutorials, Last Edit 7/13/2016</a:t>
+              <a:t>© 2018, FLL Tutorials, Last Edit 6/11/2018</a:t>
             </a:r>
           </a:p>
         </p:txBody>
@@ -16083,9 +16084,9 @@
           <a:bodyPr/>
           <a:lstStyle/>
           <a:p>
-            <a:fld id="{0FC4E612-136A-4BE1-9D9F-3CA03F8EDC69}" type="datetime1">
+            <a:fld id="{EAD1064B-6A18-4238-B4B0-BA82E95B3CAD}" type="datetime1">
               <a:rPr lang="en-US" smtClean="0"/>
-              <a:t>6/7/18</a:t>
+              <a:t>6/11/18</a:t>
             </a:fld>
             <a:endParaRPr lang="en-US"/>
           </a:p>
@@ -16108,7 +16109,7 @@
           <a:p>
             <a:r>
               <a:rPr lang="en-US"/>
-              <a:t>© 2018, FLL Tutorials, Last Edit 7/13/2016</a:t>
+              <a:t>© 2018, FLL Tutorials, Last Edit 6/11/2018</a:t>
             </a:r>
           </a:p>
         </p:txBody>
@@ -16254,9 +16255,9 @@
           <a:bodyPr/>
           <a:lstStyle/>
           <a:p>
-            <a:fld id="{D611376D-B6F5-4D37-A3D3-4450B0C35D91}" type="datetime1">
+            <a:fld id="{81C2F5C8-6977-4DEC-8ABC-52534AAA8E80}" type="datetime1">
               <a:rPr lang="en-US" smtClean="0"/>
-              <a:t>6/7/18</a:t>
+              <a:t>6/11/18</a:t>
             </a:fld>
             <a:endParaRPr lang="en-US"/>
           </a:p>
@@ -16279,7 +16280,7 @@
           <a:p>
             <a:r>
               <a:rPr lang="en-US"/>
-              <a:t>© 2018, FLL Tutorials, Last Edit 7/13/2016</a:t>
+              <a:t>© 2018, FLL Tutorials, Last Edit 6/11/2018</a:t>
             </a:r>
           </a:p>
         </p:txBody>
@@ -16502,9 +16503,9 @@
           <a:bodyPr/>
           <a:lstStyle/>
           <a:p>
-            <a:fld id="{6D874001-B618-4594-B729-AB7143370127}" type="datetime1">
+            <a:fld id="{96E58375-74EA-4E61-ACDB-8097A4E3EBB3}" type="datetime1">
               <a:rPr lang="en-US" smtClean="0"/>
-              <a:t>6/7/18</a:t>
+              <a:t>6/11/18</a:t>
             </a:fld>
             <a:endParaRPr lang="en-US"/>
           </a:p>
@@ -16527,7 +16528,7 @@
           <a:p>
             <a:r>
               <a:rPr lang="en-US"/>
-              <a:t>© 2018, FLL Tutorials, Last Edit 7/13/2016</a:t>
+              <a:t>© 2018, FLL Tutorials, Last Edit 6/11/2018</a:t>
             </a:r>
           </a:p>
         </p:txBody>
@@ -16734,9 +16735,9 @@
           <a:bodyPr/>
           <a:lstStyle/>
           <a:p>
-            <a:fld id="{82747C12-6AE4-4B6F-8EF2-49A8A00B64DB}" type="datetime1">
+            <a:fld id="{EDC983D1-BF86-449C-B7F9-32FE70B4DEE4}" type="datetime1">
               <a:rPr lang="en-US" smtClean="0"/>
-              <a:t>6/7/18</a:t>
+              <a:t>6/11/18</a:t>
             </a:fld>
             <a:endParaRPr lang="en-US"/>
           </a:p>
@@ -16759,7 +16760,7 @@
           <a:p>
             <a:r>
               <a:rPr lang="en-US"/>
-              <a:t>© 2018, FLL Tutorials, Last Edit 7/13/2016</a:t>
+              <a:t>© 2018, FLL Tutorials, Last Edit 6/11/2018</a:t>
             </a:r>
           </a:p>
         </p:txBody>
@@ -16854,9 +16855,9 @@
           <a:bodyPr/>
           <a:lstStyle/>
           <a:p>
-            <a:fld id="{59FB4B47-B095-47DC-A6F9-4827E597A101}" type="datetime1">
+            <a:fld id="{27707D7E-0512-471B-B6E2-D935BABC110B}" type="datetime1">
               <a:rPr lang="en-US" smtClean="0"/>
-              <a:t>6/7/18</a:t>
+              <a:t>6/11/18</a:t>
             </a:fld>
             <a:endParaRPr lang="en-US"/>
           </a:p>
@@ -16879,7 +16880,7 @@
           <a:p>
             <a:r>
               <a:rPr lang="en-US"/>
-              <a:t>© 2018, FLL Tutorials, Last Edit 7/13/2016</a:t>
+              <a:t>© 2018, FLL Tutorials, Last Edit 6/11/2018</a:t>
             </a:r>
           </a:p>
         </p:txBody>
@@ -17221,9 +17222,9 @@
           <a:bodyPr/>
           <a:lstStyle/>
           <a:p>
-            <a:fld id="{0CB57FB4-5D80-4F01-A328-8F31D8669E78}" type="datetime1">
+            <a:fld id="{610E180F-0B9E-4C37-BC53-19DB9A38B958}" type="datetime1">
               <a:rPr lang="en-US" smtClean="0"/>
-              <a:t>6/7/18</a:t>
+              <a:t>6/11/18</a:t>
             </a:fld>
             <a:endParaRPr lang="en-US"/>
           </a:p>
@@ -17246,7 +17247,7 @@
           <a:p>
             <a:r>
               <a:rPr lang="en-US"/>
-              <a:t>© 2018, FLL Tutorials, Last Edit 7/13/2016</a:t>
+              <a:t>© 2018, FLL Tutorials, Last Edit 6/11/2018</a:t>
             </a:r>
           </a:p>
         </p:txBody>
@@ -17341,9 +17342,9 @@
           <a:bodyPr/>
           <a:lstStyle/>
           <a:p>
-            <a:fld id="{42687BA4-A6F6-42DA-A2DE-2C42703DAC41}" type="datetime1">
+            <a:fld id="{8F8A3990-AF00-437A-94FF-AB10702B56E8}" type="datetime1">
               <a:rPr lang="en-US" smtClean="0"/>
-              <a:t>6/7/18</a:t>
+              <a:t>6/11/18</a:t>
             </a:fld>
             <a:endParaRPr lang="en-US"/>
           </a:p>
@@ -17366,7 +17367,7 @@
           <a:p>
             <a:r>
               <a:rPr lang="en-US"/>
-              <a:t>© 2018, FLL Tutorials, Last Edit 7/13/2016</a:t>
+              <a:t>© 2018, FLL Tutorials, Last Edit 6/11/2018</a:t>
             </a:r>
           </a:p>
         </p:txBody>
@@ -17439,9 +17440,9 @@
           <a:bodyPr/>
           <a:lstStyle/>
           <a:p>
-            <a:fld id="{34E1AC49-1C9E-4888-BEE9-4F092BD93E1A}" type="datetime1">
+            <a:fld id="{FB806595-58D7-440E-885A-36BCD998784A}" type="datetime1">
               <a:rPr lang="en-US" smtClean="0"/>
-              <a:t>6/7/18</a:t>
+              <a:t>6/11/18</a:t>
             </a:fld>
             <a:endParaRPr lang="en-US"/>
           </a:p>
@@ -17464,7 +17465,7 @@
           <a:p>
             <a:r>
               <a:rPr lang="en-US"/>
-              <a:t>© 2018, FLL Tutorials, Last Edit 7/13/2016</a:t>
+              <a:t>© 2018, FLL Tutorials, Last Edit 6/11/2018</a:t>
             </a:r>
           </a:p>
         </p:txBody>
@@ -17717,9 +17718,9 @@
           <a:bodyPr/>
           <a:lstStyle/>
           <a:p>
-            <a:fld id="{655B84CF-67CE-4EA2-A7B8-D3AA71ED070F}" type="datetime1">
+            <a:fld id="{B3A33BED-A313-4842-A3CA-8B763C82A939}" type="datetime1">
               <a:rPr lang="en-US" smtClean="0"/>
-              <a:t>6/7/18</a:t>
+              <a:t>6/11/18</a:t>
             </a:fld>
             <a:endParaRPr lang="en-US"/>
           </a:p>
@@ -17742,7 +17743,7 @@
           <a:p>
             <a:r>
               <a:rPr lang="en-US"/>
-              <a:t>© 2018, FLL Tutorials, Last Edit 7/13/2016</a:t>
+              <a:t>© 2018, FLL Tutorials, Last Edit 6/11/2018</a:t>
             </a:r>
           </a:p>
         </p:txBody>
@@ -17975,9 +17976,9 @@
           <a:bodyPr/>
           <a:lstStyle/>
           <a:p>
-            <a:fld id="{09E55142-DDA6-4F5A-A652-C39515129FA0}" type="datetime1">
+            <a:fld id="{82B9242C-D018-4738-968E-B85653D145B3}" type="datetime1">
               <a:rPr lang="en-US" smtClean="0"/>
-              <a:t>6/7/18</a:t>
+              <a:t>6/11/18</a:t>
             </a:fld>
             <a:endParaRPr lang="en-US"/>
           </a:p>
@@ -18000,7 +18001,7 @@
           <a:p>
             <a:r>
               <a:rPr lang="en-US"/>
-              <a:t>© 2018, FLL Tutorials, Last Edit 7/13/2016</a:t>
+              <a:t>© 2018, FLL Tutorials, Last Edit 6/11/2018</a:t>
             </a:r>
           </a:p>
         </p:txBody>
@@ -18146,9 +18147,9 @@
           <a:bodyPr/>
           <a:lstStyle/>
           <a:p>
-            <a:fld id="{64875C70-DFD3-4191-8DC1-1E72C870531C}" type="datetime1">
+            <a:fld id="{07C6AA1E-6DEF-42F4-A93B-C6C8C47ADE91}" type="datetime1">
               <a:rPr lang="en-US" smtClean="0"/>
-              <a:t>6/7/18</a:t>
+              <a:t>6/11/18</a:t>
             </a:fld>
             <a:endParaRPr lang="en-US"/>
           </a:p>
@@ -18171,7 +18172,7 @@
           <a:p>
             <a:r>
               <a:rPr lang="en-US"/>
-              <a:t>© 2018, FLL Tutorials, Last Edit 7/13/2016</a:t>
+              <a:t>© 2018, FLL Tutorials, Last Edit 6/11/2018</a:t>
             </a:r>
           </a:p>
         </p:txBody>
@@ -18327,9 +18328,9 @@
           <a:bodyPr/>
           <a:lstStyle/>
           <a:p>
-            <a:fld id="{EA9C879E-735F-489F-902E-7BC236DADD41}" type="datetime1">
+            <a:fld id="{053784B8-7530-41F7-8ACD-FB8C09F03DAF}" type="datetime1">
               <a:rPr lang="en-US" smtClean="0"/>
-              <a:t>6/7/18</a:t>
+              <a:t>6/11/18</a:t>
             </a:fld>
             <a:endParaRPr lang="en-US"/>
           </a:p>
@@ -18352,7 +18353,7 @@
           <a:p>
             <a:r>
               <a:rPr lang="en-US"/>
-              <a:t>© 2018, FLL Tutorials, Last Edit 7/13/2016</a:t>
+              <a:t>© 2018, FLL Tutorials, Last Edit 6/11/2018</a:t>
             </a:r>
           </a:p>
         </p:txBody>
@@ -18384,6 +18385,1328 @@
     <p:extLst>
       <p:ext uri="{BB962C8B-B14F-4D97-AF65-F5344CB8AC3E}">
         <p14:creationId xmlns:p14="http://schemas.microsoft.com/office/powerpoint/2010/main" val="5720026"/>
+      </p:ext>
+    </p:extLst>
+  </p:cSld>
+  <p:clrMapOvr>
+    <a:masterClrMapping/>
+  </p:clrMapOvr>
+</p:sldLayout>
+</file>
+
+<file path=ppt/slideLayouts/slideLayout67.xml><?xml version="1.0" encoding="utf-8"?>
+<p:sldLayout xmlns:a="http://schemas.openxmlformats.org/drawingml/2006/main" xmlns:r="http://schemas.openxmlformats.org/officeDocument/2006/relationships" xmlns:p="http://schemas.openxmlformats.org/presentationml/2006/main" type="title" preserve="1">
+  <p:cSld name="Title Slide">
+    <p:spTree>
+      <p:nvGrpSpPr>
+        <p:cNvPr id="1" name=""/>
+        <p:cNvGrpSpPr/>
+        <p:nvPr/>
+      </p:nvGrpSpPr>
+      <p:grpSpPr>
+        <a:xfrm>
+          <a:off x="0" y="0"/>
+          <a:ext cx="0" cy="0"/>
+          <a:chOff x="0" y="0"/>
+          <a:chExt cx="0" cy="0"/>
+        </a:xfrm>
+      </p:grpSpPr>
+      <p:sp>
+        <p:nvSpPr>
+          <p:cNvPr id="7" name="Rectangle 6"/>
+          <p:cNvSpPr/>
+          <p:nvPr/>
+        </p:nvSpPr>
+        <p:spPr>
+          <a:xfrm>
+            <a:off x="448091" y="563880"/>
+            <a:ext cx="8240108" cy="5682175"/>
+          </a:xfrm>
+          <a:prstGeom prst="rect">
+            <a:avLst/>
+          </a:prstGeom>
+          <a:solidFill>
+            <a:schemeClr val="accent1"/>
+          </a:solidFill>
+          <a:ln>
+            <a:noFill/>
+          </a:ln>
+          <a:effectLst/>
+        </p:spPr>
+        <p:style>
+          <a:lnRef idx="1">
+            <a:schemeClr val="accent1"/>
+          </a:lnRef>
+          <a:fillRef idx="3">
+            <a:schemeClr val="accent1"/>
+          </a:fillRef>
+          <a:effectRef idx="2">
+            <a:schemeClr val="accent1"/>
+          </a:effectRef>
+          <a:fontRef idx="minor">
+            <a:schemeClr val="lt1"/>
+          </a:fontRef>
+        </p:style>
+      </p:sp>
+      <p:sp>
+        <p:nvSpPr>
+          <p:cNvPr id="2" name="Title 1"/>
+          <p:cNvSpPr>
+            <a:spLocks noGrp="1"/>
+          </p:cNvSpPr>
+          <p:nvPr>
+            <p:ph type="ctrTitle" hasCustomPrompt="1"/>
+          </p:nvPr>
+        </p:nvSpPr>
+        <p:spPr>
+          <a:xfrm>
+            <a:off x="581192" y="3936453"/>
+            <a:ext cx="7989752" cy="1033133"/>
+          </a:xfrm>
+          <a:ln>
+            <a:noFill/>
+          </a:ln>
+          <a:effectLst/>
+        </p:spPr>
+        <p:txBody>
+          <a:bodyPr anchor="b">
+            <a:normAutofit/>
+          </a:bodyPr>
+          <a:lstStyle>
+            <a:lvl1pPr algn="ctr">
+              <a:defRPr sz="3600">
+                <a:solidFill>
+                  <a:schemeClr val="bg1"/>
+                </a:solidFill>
+              </a:defRPr>
+            </a:lvl1pPr>
+          </a:lstStyle>
+          <a:p>
+            <a:r>
+              <a:rPr lang="en-US" dirty="0"/>
+              <a:t>title style</a:t>
+            </a:r>
+          </a:p>
+        </p:txBody>
+      </p:sp>
+      <p:sp>
+        <p:nvSpPr>
+          <p:cNvPr id="3" name="Subtitle 2"/>
+          <p:cNvSpPr>
+            <a:spLocks noGrp="1"/>
+          </p:cNvSpPr>
+          <p:nvPr>
+            <p:ph type="subTitle" idx="1"/>
+          </p:nvPr>
+        </p:nvSpPr>
+        <p:spPr>
+          <a:xfrm>
+            <a:off x="581192" y="5175772"/>
+            <a:ext cx="7989752" cy="590321"/>
+          </a:xfrm>
+          <a:ln>
+            <a:noFill/>
+          </a:ln>
+        </p:spPr>
+        <p:txBody>
+          <a:bodyPr anchor="t">
+            <a:normAutofit/>
+          </a:bodyPr>
+          <a:lstStyle>
+            <a:lvl1pPr marL="0" indent="0" algn="ctr">
+              <a:buNone/>
+              <a:defRPr sz="1600" cap="all">
+                <a:solidFill>
+                  <a:schemeClr val="bg1"/>
+                </a:solidFill>
+              </a:defRPr>
+            </a:lvl1pPr>
+            <a:lvl2pPr marL="457200" indent="0" algn="ctr">
+              <a:buNone/>
+              <a:defRPr>
+                <a:solidFill>
+                  <a:schemeClr val="tx1">
+                    <a:tint val="75000"/>
+                  </a:schemeClr>
+                </a:solidFill>
+              </a:defRPr>
+            </a:lvl2pPr>
+            <a:lvl3pPr marL="914400" indent="0" algn="ctr">
+              <a:buNone/>
+              <a:defRPr>
+                <a:solidFill>
+                  <a:schemeClr val="tx1">
+                    <a:tint val="75000"/>
+                  </a:schemeClr>
+                </a:solidFill>
+              </a:defRPr>
+            </a:lvl3pPr>
+            <a:lvl4pPr marL="1371600" indent="0" algn="ctr">
+              <a:buNone/>
+              <a:defRPr>
+                <a:solidFill>
+                  <a:schemeClr val="tx1">
+                    <a:tint val="75000"/>
+                  </a:schemeClr>
+                </a:solidFill>
+              </a:defRPr>
+            </a:lvl4pPr>
+            <a:lvl5pPr marL="1828800" indent="0" algn="ctr">
+              <a:buNone/>
+              <a:defRPr>
+                <a:solidFill>
+                  <a:schemeClr val="tx1">
+                    <a:tint val="75000"/>
+                  </a:schemeClr>
+                </a:solidFill>
+              </a:defRPr>
+            </a:lvl5pPr>
+            <a:lvl6pPr marL="2286000" indent="0" algn="ctr">
+              <a:buNone/>
+              <a:defRPr>
+                <a:solidFill>
+                  <a:schemeClr val="tx1">
+                    <a:tint val="75000"/>
+                  </a:schemeClr>
+                </a:solidFill>
+              </a:defRPr>
+            </a:lvl6pPr>
+            <a:lvl7pPr marL="2743200" indent="0" algn="ctr">
+              <a:buNone/>
+              <a:defRPr>
+                <a:solidFill>
+                  <a:schemeClr val="tx1">
+                    <a:tint val="75000"/>
+                  </a:schemeClr>
+                </a:solidFill>
+              </a:defRPr>
+            </a:lvl7pPr>
+            <a:lvl8pPr marL="3200400" indent="0" algn="ctr">
+              <a:buNone/>
+              <a:defRPr>
+                <a:solidFill>
+                  <a:schemeClr val="tx1">
+                    <a:tint val="75000"/>
+                  </a:schemeClr>
+                </a:solidFill>
+              </a:defRPr>
+            </a:lvl8pPr>
+            <a:lvl9pPr marL="3657600" indent="0" algn="ctr">
+              <a:buNone/>
+              <a:defRPr>
+                <a:solidFill>
+                  <a:schemeClr val="tx1">
+                    <a:tint val="75000"/>
+                  </a:schemeClr>
+                </a:solidFill>
+              </a:defRPr>
+            </a:lvl9pPr>
+          </a:lstStyle>
+          <a:p>
+            <a:r>
+              <a:rPr lang="en-US"/>
+              <a:t>Click to edit Master subtitle style</a:t>
+            </a:r>
+            <a:endParaRPr lang="en-US" dirty="0"/>
+          </a:p>
+        </p:txBody>
+      </p:sp>
+      <p:sp>
+        <p:nvSpPr>
+          <p:cNvPr id="4" name="Date Placeholder 3"/>
+          <p:cNvSpPr>
+            <a:spLocks noGrp="1"/>
+          </p:cNvSpPr>
+          <p:nvPr>
+            <p:ph type="dt" sz="half" idx="10"/>
+          </p:nvPr>
+        </p:nvSpPr>
+        <p:spPr>
+          <a:xfrm>
+            <a:off x="5559327" y="6392242"/>
+            <a:ext cx="2133600" cy="365125"/>
+          </a:xfrm>
+          <a:prstGeom prst="rect">
+            <a:avLst/>
+          </a:prstGeom>
+        </p:spPr>
+        <p:txBody>
+          <a:bodyPr/>
+          <a:lstStyle>
+            <a:lvl1pPr>
+              <a:defRPr>
+                <a:solidFill>
+                  <a:schemeClr val="accent1">
+                    <a:lumMod val="75000"/>
+                    <a:lumOff val="25000"/>
+                  </a:schemeClr>
+                </a:solidFill>
+              </a:defRPr>
+            </a:lvl1pPr>
+          </a:lstStyle>
+          <a:p>
+            <a:fld id="{E7643207-7CF7-4147-9876-9C093BEC3E11}" type="datetime1">
+              <a:rPr lang="en-US" smtClean="0"/>
+              <a:t>6/11/18</a:t>
+            </a:fld>
+            <a:endParaRPr lang="en-US"/>
+          </a:p>
+        </p:txBody>
+      </p:sp>
+      <p:sp>
+        <p:nvSpPr>
+          <p:cNvPr id="5" name="Footer Placeholder 4"/>
+          <p:cNvSpPr>
+            <a:spLocks noGrp="1"/>
+          </p:cNvSpPr>
+          <p:nvPr>
+            <p:ph type="ftr" sz="quarter" idx="11"/>
+          </p:nvPr>
+        </p:nvSpPr>
+        <p:spPr>
+          <a:xfrm>
+            <a:off x="581192" y="6387916"/>
+            <a:ext cx="4870585" cy="365125"/>
+          </a:xfrm>
+          <a:prstGeom prst="rect">
+            <a:avLst/>
+          </a:prstGeom>
+        </p:spPr>
+        <p:txBody>
+          <a:bodyPr/>
+          <a:lstStyle>
+            <a:lvl1pPr>
+              <a:defRPr>
+                <a:solidFill>
+                  <a:schemeClr val="accent1">
+                    <a:lumMod val="75000"/>
+                    <a:lumOff val="25000"/>
+                  </a:schemeClr>
+                </a:solidFill>
+              </a:defRPr>
+            </a:lvl1pPr>
+          </a:lstStyle>
+          <a:p>
+            <a:r>
+              <a:rPr lang="en-US"/>
+              <a:t>© 2018, FLL Tutorials, Last Edit 6/11/2018</a:t>
+            </a:r>
+          </a:p>
+        </p:txBody>
+      </p:sp>
+      <p:sp>
+        <p:nvSpPr>
+          <p:cNvPr id="6" name="Slide Number Placeholder 5"/>
+          <p:cNvSpPr>
+            <a:spLocks noGrp="1"/>
+          </p:cNvSpPr>
+          <p:nvPr>
+            <p:ph type="sldNum" sz="quarter" idx="12"/>
+          </p:nvPr>
+        </p:nvSpPr>
+        <p:spPr>
+          <a:xfrm>
+            <a:off x="7800476" y="6392242"/>
+            <a:ext cx="770468" cy="365125"/>
+          </a:xfrm>
+          <a:prstGeom prst="rect">
+            <a:avLst/>
+          </a:prstGeom>
+        </p:spPr>
+        <p:txBody>
+          <a:bodyPr/>
+          <a:lstStyle>
+            <a:lvl1pPr>
+              <a:defRPr>
+                <a:solidFill>
+                  <a:schemeClr val="accent1">
+                    <a:lumMod val="75000"/>
+                    <a:lumOff val="25000"/>
+                  </a:schemeClr>
+                </a:solidFill>
+              </a:defRPr>
+            </a:lvl1pPr>
+          </a:lstStyle>
+          <a:p>
+            <a:fld id="{4DBC7FC8-25FB-FC45-8177-2B991DA6778C}" type="slidenum">
+              <a:rPr lang="en-US" smtClean="0"/>
+              <a:t>‹#›</a:t>
+            </a:fld>
+            <a:endParaRPr lang="en-US"/>
+          </a:p>
+        </p:txBody>
+      </p:sp>
+      <p:pic>
+        <p:nvPicPr>
+          <p:cNvPr id="8" name="Picture 7">
+            <a:extLst>
+              <a:ext uri="{FF2B5EF4-FFF2-40B4-BE49-F238E27FC236}">
+                <a16:creationId xmlns:a16="http://schemas.microsoft.com/office/drawing/2014/main" id="{D4B45051-E032-1249-AC8B-C5EB1B15FB44}"/>
+              </a:ext>
+            </a:extLst>
+          </p:cNvPr>
+          <p:cNvPicPr>
+            <a:picLocks noChangeAspect="1"/>
+          </p:cNvPicPr>
+          <p:nvPr/>
+        </p:nvPicPr>
+        <p:blipFill rotWithShape="1">
+          <a:blip r:embed="rId2" cstate="print">
+            <a:extLst>
+              <a:ext uri="{28A0092B-C50C-407E-A947-70E740481C1C}">
+                <a14:useLocalDpi xmlns:a14="http://schemas.microsoft.com/office/drawing/2010/main"/>
+              </a:ext>
+            </a:extLst>
+          </a:blip>
+          <a:srcRect/>
+          <a:stretch/>
+        </p:blipFill>
+        <p:spPr>
+          <a:xfrm>
+            <a:off x="335280" y="563880"/>
+            <a:ext cx="8488680" cy="2915504"/>
+          </a:xfrm>
+          <a:prstGeom prst="rect">
+            <a:avLst/>
+          </a:prstGeom>
+        </p:spPr>
+      </p:pic>
+    </p:spTree>
+    <p:extLst>
+      <p:ext uri="{BB962C8B-B14F-4D97-AF65-F5344CB8AC3E}">
+        <p14:creationId xmlns:p14="http://schemas.microsoft.com/office/powerpoint/2010/main" val="3176920828"/>
+      </p:ext>
+    </p:extLst>
+  </p:cSld>
+  <p:clrMapOvr>
+    <a:masterClrMapping/>
+  </p:clrMapOvr>
+</p:sldLayout>
+</file>
+
+<file path=ppt/slideLayouts/slideLayout68.xml><?xml version="1.0" encoding="utf-8"?>
+<p:sldLayout xmlns:a="http://schemas.openxmlformats.org/drawingml/2006/main" xmlns:r="http://schemas.openxmlformats.org/officeDocument/2006/relationships" xmlns:p="http://schemas.openxmlformats.org/presentationml/2006/main" type="obj" preserve="1">
+  <p:cSld name="Title and Content">
+    <p:spTree>
+      <p:nvGrpSpPr>
+        <p:cNvPr id="1" name=""/>
+        <p:cNvGrpSpPr/>
+        <p:nvPr/>
+      </p:nvGrpSpPr>
+      <p:grpSpPr>
+        <a:xfrm>
+          <a:off x="0" y="0"/>
+          <a:ext cx="0" cy="0"/>
+          <a:chOff x="0" y="0"/>
+          <a:chExt cx="0" cy="0"/>
+        </a:xfrm>
+      </p:grpSpPr>
+      <p:sp>
+        <p:nvSpPr>
+          <p:cNvPr id="7" name="Rectangle 6"/>
+          <p:cNvSpPr>
+            <a:spLocks noChangeAspect="1"/>
+          </p:cNvSpPr>
+          <p:nvPr/>
+        </p:nvSpPr>
+        <p:spPr>
+          <a:xfrm>
+            <a:off x="448092" y="599725"/>
+            <a:ext cx="8238707" cy="818109"/>
+          </a:xfrm>
+          <a:prstGeom prst="rect">
+            <a:avLst/>
+          </a:prstGeom>
+          <a:solidFill>
+            <a:schemeClr val="accent1"/>
+          </a:solidFill>
+          <a:ln>
+            <a:noFill/>
+          </a:ln>
+          <a:effectLst/>
+        </p:spPr>
+        <p:style>
+          <a:lnRef idx="1">
+            <a:schemeClr val="accent1"/>
+          </a:lnRef>
+          <a:fillRef idx="3">
+            <a:schemeClr val="accent1"/>
+          </a:fillRef>
+          <a:effectRef idx="2">
+            <a:schemeClr val="accent1"/>
+          </a:effectRef>
+          <a:fontRef idx="minor">
+            <a:schemeClr val="lt1"/>
+          </a:fontRef>
+        </p:style>
+      </p:sp>
+      <p:sp>
+        <p:nvSpPr>
+          <p:cNvPr id="2" name="Title 1"/>
+          <p:cNvSpPr>
+            <a:spLocks noGrp="1"/>
+          </p:cNvSpPr>
+          <p:nvPr>
+            <p:ph type="title"/>
+          </p:nvPr>
+        </p:nvSpPr>
+        <p:spPr>
+          <a:xfrm>
+            <a:off x="581192" y="687475"/>
+            <a:ext cx="7989752" cy="596796"/>
+          </a:xfrm>
+        </p:spPr>
+        <p:txBody>
+          <a:bodyPr/>
+          <a:lstStyle/>
+          <a:p>
+            <a:r>
+              <a:rPr lang="en-US"/>
+              <a:t>Click to edit Master title style</a:t>
+            </a:r>
+            <a:endParaRPr lang="en-US" dirty="0"/>
+          </a:p>
+        </p:txBody>
+      </p:sp>
+      <p:sp>
+        <p:nvSpPr>
+          <p:cNvPr id="3" name="Content Placeholder 2"/>
+          <p:cNvSpPr>
+            <a:spLocks noGrp="1"/>
+          </p:cNvSpPr>
+          <p:nvPr>
+            <p:ph idx="1"/>
+          </p:nvPr>
+        </p:nvSpPr>
+        <p:spPr>
+          <a:xfrm>
+            <a:off x="448091" y="1505583"/>
+            <a:ext cx="8238707" cy="4353215"/>
+          </a:xfrm>
+        </p:spPr>
+        <p:txBody>
+          <a:bodyPr anchor="t"/>
+          <a:lstStyle>
+            <a:lvl1pPr>
+              <a:defRPr sz="3600"/>
+            </a:lvl1pPr>
+            <a:lvl2pPr>
+              <a:defRPr sz="3200"/>
+            </a:lvl2pPr>
+            <a:lvl3pPr>
+              <a:defRPr sz="2800"/>
+            </a:lvl3pPr>
+            <a:lvl4pPr>
+              <a:defRPr sz="2400"/>
+            </a:lvl4pPr>
+            <a:lvl5pPr>
+              <a:defRPr sz="2400"/>
+            </a:lvl5pPr>
+          </a:lstStyle>
+          <a:p>
+            <a:pPr lvl="0"/>
+            <a:r>
+              <a:rPr lang="en-US"/>
+              <a:t>Edit Master text styles</a:t>
+            </a:r>
+          </a:p>
+          <a:p>
+            <a:pPr lvl="1"/>
+            <a:r>
+              <a:rPr lang="en-US"/>
+              <a:t>Second level</a:t>
+            </a:r>
+          </a:p>
+          <a:p>
+            <a:pPr lvl="2"/>
+            <a:r>
+              <a:rPr lang="en-US"/>
+              <a:t>Third level</a:t>
+            </a:r>
+          </a:p>
+          <a:p>
+            <a:pPr lvl="3"/>
+            <a:r>
+              <a:rPr lang="en-US"/>
+              <a:t>Fourth level</a:t>
+            </a:r>
+          </a:p>
+          <a:p>
+            <a:pPr lvl="4"/>
+            <a:r>
+              <a:rPr lang="en-US"/>
+              <a:t>Fifth level</a:t>
+            </a:r>
+            <a:endParaRPr lang="en-US" dirty="0"/>
+          </a:p>
+        </p:txBody>
+      </p:sp>
+      <p:sp>
+        <p:nvSpPr>
+          <p:cNvPr id="8" name="Date Placeholder 3">
+            <a:extLst>
+              <a:ext uri="{FF2B5EF4-FFF2-40B4-BE49-F238E27FC236}">
+                <a16:creationId xmlns:a16="http://schemas.microsoft.com/office/drawing/2014/main" id="{5E510904-FE82-B349-843E-834D82D5778E}"/>
+              </a:ext>
+            </a:extLst>
+          </p:cNvPr>
+          <p:cNvSpPr>
+            <a:spLocks noGrp="1"/>
+          </p:cNvSpPr>
+          <p:nvPr>
+            <p:ph type="dt" sz="half" idx="10"/>
+          </p:nvPr>
+        </p:nvSpPr>
+        <p:spPr>
+          <a:xfrm>
+            <a:off x="5559327" y="6392242"/>
+            <a:ext cx="2133600" cy="365125"/>
+          </a:xfrm>
+        </p:spPr>
+        <p:txBody>
+          <a:bodyPr/>
+          <a:lstStyle>
+            <a:lvl1pPr>
+              <a:defRPr>
+                <a:solidFill>
+                  <a:schemeClr val="accent1">
+                    <a:lumMod val="75000"/>
+                    <a:lumOff val="25000"/>
+                  </a:schemeClr>
+                </a:solidFill>
+              </a:defRPr>
+            </a:lvl1pPr>
+          </a:lstStyle>
+          <a:p>
+            <a:fld id="{63E0A53D-298F-4AA6-8E13-F9DF1003C6C4}" type="datetime1">
+              <a:rPr lang="en-US" smtClean="0"/>
+              <a:t>6/11/18</a:t>
+            </a:fld>
+            <a:endParaRPr lang="en-US"/>
+          </a:p>
+        </p:txBody>
+      </p:sp>
+      <p:sp>
+        <p:nvSpPr>
+          <p:cNvPr id="9" name="Footer Placeholder 4">
+            <a:extLst>
+              <a:ext uri="{FF2B5EF4-FFF2-40B4-BE49-F238E27FC236}">
+                <a16:creationId xmlns:a16="http://schemas.microsoft.com/office/drawing/2014/main" id="{E48965D5-4E22-4D4C-B0D3-4AEC700831CA}"/>
+              </a:ext>
+            </a:extLst>
+          </p:cNvPr>
+          <p:cNvSpPr>
+            <a:spLocks noGrp="1"/>
+          </p:cNvSpPr>
+          <p:nvPr>
+            <p:ph type="ftr" sz="quarter" idx="11"/>
+          </p:nvPr>
+        </p:nvSpPr>
+        <p:spPr>
+          <a:xfrm>
+            <a:off x="581192" y="6387916"/>
+            <a:ext cx="4870585" cy="365125"/>
+          </a:xfrm>
+        </p:spPr>
+        <p:txBody>
+          <a:bodyPr/>
+          <a:lstStyle>
+            <a:lvl1pPr>
+              <a:defRPr>
+                <a:solidFill>
+                  <a:schemeClr val="accent1">
+                    <a:lumMod val="75000"/>
+                    <a:lumOff val="25000"/>
+                  </a:schemeClr>
+                </a:solidFill>
+              </a:defRPr>
+            </a:lvl1pPr>
+          </a:lstStyle>
+          <a:p>
+            <a:r>
+              <a:rPr lang="en-US"/>
+              <a:t>© 2018, FLL Tutorials, Last Edit 6/11/2018</a:t>
+            </a:r>
+          </a:p>
+        </p:txBody>
+      </p:sp>
+      <p:sp>
+        <p:nvSpPr>
+          <p:cNvPr id="10" name="Slide Number Placeholder 5">
+            <a:extLst>
+              <a:ext uri="{FF2B5EF4-FFF2-40B4-BE49-F238E27FC236}">
+                <a16:creationId xmlns:a16="http://schemas.microsoft.com/office/drawing/2014/main" id="{65AB5AFF-5E76-4041-B3D5-669547C07AE0}"/>
+              </a:ext>
+            </a:extLst>
+          </p:cNvPr>
+          <p:cNvSpPr>
+            <a:spLocks noGrp="1"/>
+          </p:cNvSpPr>
+          <p:nvPr>
+            <p:ph type="sldNum" sz="quarter" idx="12"/>
+          </p:nvPr>
+        </p:nvSpPr>
+        <p:spPr>
+          <a:xfrm>
+            <a:off x="7800476" y="6392242"/>
+            <a:ext cx="770468" cy="365125"/>
+          </a:xfrm>
+        </p:spPr>
+        <p:txBody>
+          <a:bodyPr/>
+          <a:lstStyle>
+            <a:lvl1pPr>
+              <a:defRPr>
+                <a:solidFill>
+                  <a:schemeClr val="accent1">
+                    <a:lumMod val="75000"/>
+                    <a:lumOff val="25000"/>
+                  </a:schemeClr>
+                </a:solidFill>
+              </a:defRPr>
+            </a:lvl1pPr>
+          </a:lstStyle>
+          <a:p>
+            <a:fld id="{4DBC7FC8-25FB-FC45-8177-2B991DA6778C}" type="slidenum">
+              <a:rPr lang="en-US" smtClean="0"/>
+              <a:t>‹#›</a:t>
+            </a:fld>
+            <a:endParaRPr lang="en-US" dirty="0"/>
+          </a:p>
+        </p:txBody>
+      </p:sp>
+    </p:spTree>
+    <p:extLst>
+      <p:ext uri="{BB962C8B-B14F-4D97-AF65-F5344CB8AC3E}">
+        <p14:creationId xmlns:p14="http://schemas.microsoft.com/office/powerpoint/2010/main" val="1762986306"/>
+      </p:ext>
+    </p:extLst>
+  </p:cSld>
+  <p:clrMapOvr>
+    <a:masterClrMapping/>
+  </p:clrMapOvr>
+</p:sldLayout>
+</file>
+
+<file path=ppt/slideLayouts/slideLayout69.xml><?xml version="1.0" encoding="utf-8"?>
+<p:sldLayout xmlns:a="http://schemas.openxmlformats.org/drawingml/2006/main" xmlns:r="http://schemas.openxmlformats.org/officeDocument/2006/relationships" xmlns:p="http://schemas.openxmlformats.org/presentationml/2006/main" type="secHead" preserve="1">
+  <p:cSld name="Section Header">
+    <p:spTree>
+      <p:nvGrpSpPr>
+        <p:cNvPr id="1" name=""/>
+        <p:cNvGrpSpPr/>
+        <p:nvPr/>
+      </p:nvGrpSpPr>
+      <p:grpSpPr>
+        <a:xfrm>
+          <a:off x="0" y="0"/>
+          <a:ext cx="0" cy="0"/>
+          <a:chOff x="0" y="0"/>
+          <a:chExt cx="0" cy="0"/>
+        </a:xfrm>
+      </p:grpSpPr>
+      <p:sp>
+        <p:nvSpPr>
+          <p:cNvPr id="8" name="Rectangle 7"/>
+          <p:cNvSpPr>
+            <a:spLocks noChangeAspect="1"/>
+          </p:cNvSpPr>
+          <p:nvPr/>
+        </p:nvSpPr>
+        <p:spPr>
+          <a:xfrm>
+            <a:off x="452646" y="5141973"/>
+            <a:ext cx="8238707" cy="1258827"/>
+          </a:xfrm>
+          <a:prstGeom prst="rect">
+            <a:avLst/>
+          </a:prstGeom>
+          <a:solidFill>
+            <a:schemeClr val="accent1"/>
+          </a:solidFill>
+          <a:ln>
+            <a:noFill/>
+          </a:ln>
+          <a:effectLst/>
+        </p:spPr>
+        <p:style>
+          <a:lnRef idx="1">
+            <a:schemeClr val="accent1"/>
+          </a:lnRef>
+          <a:fillRef idx="3">
+            <a:schemeClr val="accent1"/>
+          </a:fillRef>
+          <a:effectRef idx="2">
+            <a:schemeClr val="accent1"/>
+          </a:effectRef>
+          <a:fontRef idx="minor">
+            <a:schemeClr val="lt1"/>
+          </a:fontRef>
+        </p:style>
+      </p:sp>
+      <p:sp>
+        <p:nvSpPr>
+          <p:cNvPr id="2" name="Title 1"/>
+          <p:cNvSpPr>
+            <a:spLocks noGrp="1"/>
+          </p:cNvSpPr>
+          <p:nvPr>
+            <p:ph type="title"/>
+          </p:nvPr>
+        </p:nvSpPr>
+        <p:spPr>
+          <a:xfrm>
+            <a:off x="581193" y="3036573"/>
+            <a:ext cx="7989751" cy="1504844"/>
+          </a:xfrm>
+        </p:spPr>
+        <p:txBody>
+          <a:bodyPr anchor="b">
+            <a:normAutofit/>
+          </a:bodyPr>
+          <a:lstStyle>
+            <a:lvl1pPr algn="l">
+              <a:defRPr sz="3600" b="0" cap="all">
+                <a:solidFill>
+                  <a:schemeClr val="accent1"/>
+                </a:solidFill>
+              </a:defRPr>
+            </a:lvl1pPr>
+          </a:lstStyle>
+          <a:p>
+            <a:r>
+              <a:rPr lang="en-US"/>
+              <a:t>Click to edit Master title style</a:t>
+            </a:r>
+            <a:endParaRPr lang="en-US" dirty="0"/>
+          </a:p>
+        </p:txBody>
+      </p:sp>
+      <p:sp>
+        <p:nvSpPr>
+          <p:cNvPr id="3" name="Text Placeholder 2"/>
+          <p:cNvSpPr>
+            <a:spLocks noGrp="1"/>
+          </p:cNvSpPr>
+          <p:nvPr>
+            <p:ph type="body" idx="1"/>
+          </p:nvPr>
+        </p:nvSpPr>
+        <p:spPr>
+          <a:xfrm>
+            <a:off x="581193" y="4541417"/>
+            <a:ext cx="7989751" cy="600556"/>
+          </a:xfrm>
+        </p:spPr>
+        <p:txBody>
+          <a:bodyPr anchor="t">
+            <a:normAutofit/>
+          </a:bodyPr>
+          <a:lstStyle>
+            <a:lvl1pPr marL="0" indent="0" algn="l">
+              <a:buNone/>
+              <a:defRPr sz="1800" cap="all">
+                <a:solidFill>
+                  <a:schemeClr val="accent2"/>
+                </a:solidFill>
+              </a:defRPr>
+            </a:lvl1pPr>
+            <a:lvl2pPr marL="457200" indent="0">
+              <a:buNone/>
+              <a:defRPr sz="1800">
+                <a:solidFill>
+                  <a:schemeClr val="tx1">
+                    <a:tint val="75000"/>
+                  </a:schemeClr>
+                </a:solidFill>
+              </a:defRPr>
+            </a:lvl2pPr>
+            <a:lvl3pPr marL="914400" indent="0">
+              <a:buNone/>
+              <a:defRPr sz="1600">
+                <a:solidFill>
+                  <a:schemeClr val="tx1">
+                    <a:tint val="75000"/>
+                  </a:schemeClr>
+                </a:solidFill>
+              </a:defRPr>
+            </a:lvl3pPr>
+            <a:lvl4pPr marL="1371600" indent="0">
+              <a:buNone/>
+              <a:defRPr sz="1400">
+                <a:solidFill>
+                  <a:schemeClr val="tx1">
+                    <a:tint val="75000"/>
+                  </a:schemeClr>
+                </a:solidFill>
+              </a:defRPr>
+            </a:lvl4pPr>
+            <a:lvl5pPr marL="1828800" indent="0">
+              <a:buNone/>
+              <a:defRPr sz="1400">
+                <a:solidFill>
+                  <a:schemeClr val="tx1">
+                    <a:tint val="75000"/>
+                  </a:schemeClr>
+                </a:solidFill>
+              </a:defRPr>
+            </a:lvl5pPr>
+            <a:lvl6pPr marL="2286000" indent="0">
+              <a:buNone/>
+              <a:defRPr sz="1400">
+                <a:solidFill>
+                  <a:schemeClr val="tx1">
+                    <a:tint val="75000"/>
+                  </a:schemeClr>
+                </a:solidFill>
+              </a:defRPr>
+            </a:lvl6pPr>
+            <a:lvl7pPr marL="2743200" indent="0">
+              <a:buNone/>
+              <a:defRPr sz="1400">
+                <a:solidFill>
+                  <a:schemeClr val="tx1">
+                    <a:tint val="75000"/>
+                  </a:schemeClr>
+                </a:solidFill>
+              </a:defRPr>
+            </a:lvl7pPr>
+            <a:lvl8pPr marL="3200400" indent="0">
+              <a:buNone/>
+              <a:defRPr sz="1400">
+                <a:solidFill>
+                  <a:schemeClr val="tx1">
+                    <a:tint val="75000"/>
+                  </a:schemeClr>
+                </a:solidFill>
+              </a:defRPr>
+            </a:lvl8pPr>
+            <a:lvl9pPr marL="3657600" indent="0">
+              <a:buNone/>
+              <a:defRPr sz="1400">
+                <a:solidFill>
+                  <a:schemeClr val="tx1">
+                    <a:tint val="75000"/>
+                  </a:schemeClr>
+                </a:solidFill>
+              </a:defRPr>
+            </a:lvl9pPr>
+          </a:lstStyle>
+          <a:p>
+            <a:pPr lvl="0"/>
+            <a:r>
+              <a:rPr lang="en-US"/>
+              <a:t>Edit Master text styles</a:t>
+            </a:r>
+          </a:p>
+        </p:txBody>
+      </p:sp>
+      <p:sp>
+        <p:nvSpPr>
+          <p:cNvPr id="9" name="Date Placeholder 3">
+            <a:extLst>
+              <a:ext uri="{FF2B5EF4-FFF2-40B4-BE49-F238E27FC236}">
+                <a16:creationId xmlns:a16="http://schemas.microsoft.com/office/drawing/2014/main" id="{52362C45-CC3C-1C41-89EF-9E39AB823873}"/>
+              </a:ext>
+            </a:extLst>
+          </p:cNvPr>
+          <p:cNvSpPr txBox="1">
+            <a:spLocks/>
+          </p:cNvSpPr>
+          <p:nvPr/>
+        </p:nvSpPr>
+        <p:spPr>
+          <a:xfrm>
+            <a:off x="5559327" y="6392242"/>
+            <a:ext cx="2133600" cy="365125"/>
+          </a:xfrm>
+          <a:prstGeom prst="rect">
+            <a:avLst/>
+          </a:prstGeom>
+        </p:spPr>
+        <p:txBody>
+          <a:bodyPr vert="horz" lIns="91440" tIns="45720" rIns="91440" bIns="45720" rtlCol="0" anchor="ctr"/>
+          <a:lstStyle>
+            <a:defPPr>
+              <a:defRPr lang="en-US"/>
+            </a:defPPr>
+            <a:lvl1pPr marL="0" algn="r" defTabSz="457200" rtl="0" eaLnBrk="1" latinLnBrk="0" hangingPunct="1">
+              <a:defRPr sz="900" kern="1200">
+                <a:solidFill>
+                  <a:schemeClr val="accent1">
+                    <a:lumMod val="75000"/>
+                    <a:lumOff val="25000"/>
+                  </a:schemeClr>
+                </a:solidFill>
+                <a:latin typeface="+mn-lt"/>
+                <a:ea typeface="+mn-ea"/>
+                <a:cs typeface="+mn-cs"/>
+              </a:defRPr>
+            </a:lvl1pPr>
+            <a:lvl2pPr marL="457200" algn="l" defTabSz="457200" rtl="0" eaLnBrk="1" latinLnBrk="0" hangingPunct="1">
+              <a:defRPr sz="1800" kern="1200">
+                <a:solidFill>
+                  <a:schemeClr val="tx1"/>
+                </a:solidFill>
+                <a:latin typeface="+mn-lt"/>
+                <a:ea typeface="+mn-ea"/>
+                <a:cs typeface="+mn-cs"/>
+              </a:defRPr>
+            </a:lvl2pPr>
+            <a:lvl3pPr marL="914400" algn="l" defTabSz="457200" rtl="0" eaLnBrk="1" latinLnBrk="0" hangingPunct="1">
+              <a:defRPr sz="1800" kern="1200">
+                <a:solidFill>
+                  <a:schemeClr val="tx1"/>
+                </a:solidFill>
+                <a:latin typeface="+mn-lt"/>
+                <a:ea typeface="+mn-ea"/>
+                <a:cs typeface="+mn-cs"/>
+              </a:defRPr>
+            </a:lvl3pPr>
+            <a:lvl4pPr marL="1371600" algn="l" defTabSz="457200" rtl="0" eaLnBrk="1" latinLnBrk="0" hangingPunct="1">
+              <a:defRPr sz="1800" kern="1200">
+                <a:solidFill>
+                  <a:schemeClr val="tx1"/>
+                </a:solidFill>
+                <a:latin typeface="+mn-lt"/>
+                <a:ea typeface="+mn-ea"/>
+                <a:cs typeface="+mn-cs"/>
+              </a:defRPr>
+            </a:lvl4pPr>
+            <a:lvl5pPr marL="1828800" algn="l" defTabSz="457200" rtl="0" eaLnBrk="1" latinLnBrk="0" hangingPunct="1">
+              <a:defRPr sz="1800" kern="1200">
+                <a:solidFill>
+                  <a:schemeClr val="tx1"/>
+                </a:solidFill>
+                <a:latin typeface="+mn-lt"/>
+                <a:ea typeface="+mn-ea"/>
+                <a:cs typeface="+mn-cs"/>
+              </a:defRPr>
+            </a:lvl5pPr>
+            <a:lvl6pPr marL="2286000" algn="l" defTabSz="457200" rtl="0" eaLnBrk="1" latinLnBrk="0" hangingPunct="1">
+              <a:defRPr sz="1800" kern="1200">
+                <a:solidFill>
+                  <a:schemeClr val="tx1"/>
+                </a:solidFill>
+                <a:latin typeface="+mn-lt"/>
+                <a:ea typeface="+mn-ea"/>
+                <a:cs typeface="+mn-cs"/>
+              </a:defRPr>
+            </a:lvl6pPr>
+            <a:lvl7pPr marL="2743200" algn="l" defTabSz="457200" rtl="0" eaLnBrk="1" latinLnBrk="0" hangingPunct="1">
+              <a:defRPr sz="1800" kern="1200">
+                <a:solidFill>
+                  <a:schemeClr val="tx1"/>
+                </a:solidFill>
+                <a:latin typeface="+mn-lt"/>
+                <a:ea typeface="+mn-ea"/>
+                <a:cs typeface="+mn-cs"/>
+              </a:defRPr>
+            </a:lvl7pPr>
+            <a:lvl8pPr marL="3200400" algn="l" defTabSz="457200" rtl="0" eaLnBrk="1" latinLnBrk="0" hangingPunct="1">
+              <a:defRPr sz="1800" kern="1200">
+                <a:solidFill>
+                  <a:schemeClr val="tx1"/>
+                </a:solidFill>
+                <a:latin typeface="+mn-lt"/>
+                <a:ea typeface="+mn-ea"/>
+                <a:cs typeface="+mn-cs"/>
+              </a:defRPr>
+            </a:lvl8pPr>
+            <a:lvl9pPr marL="3657600" algn="l" defTabSz="457200" rtl="0" eaLnBrk="1" latinLnBrk="0" hangingPunct="1">
+              <a:defRPr sz="1800" kern="1200">
+                <a:solidFill>
+                  <a:schemeClr val="tx1"/>
+                </a:solidFill>
+                <a:latin typeface="+mn-lt"/>
+                <a:ea typeface="+mn-ea"/>
+                <a:cs typeface="+mn-cs"/>
+              </a:defRPr>
+            </a:lvl9pPr>
+          </a:lstStyle>
+          <a:p>
+            <a:r>
+              <a:rPr lang="en-US"/>
+              <a:t>Last Edit: </a:t>
+            </a:r>
+            <a:fld id="{B61BEF0D-F0BB-DE4B-95CE-6DB70DBA9567}" type="datetimeFigureOut">
+              <a:rPr lang="en-US" smtClean="0"/>
+              <a:pPr/>
+              <a:t>6/11/18</a:t>
+            </a:fld>
+            <a:endParaRPr lang="en-US" dirty="0"/>
+          </a:p>
+        </p:txBody>
+      </p:sp>
+      <p:sp>
+        <p:nvSpPr>
+          <p:cNvPr id="10" name="Footer Placeholder 4">
+            <a:extLst>
+              <a:ext uri="{FF2B5EF4-FFF2-40B4-BE49-F238E27FC236}">
+                <a16:creationId xmlns:a16="http://schemas.microsoft.com/office/drawing/2014/main" id="{99E8FBED-B055-2A4A-8E32-9CB6B48C25B3}"/>
+              </a:ext>
+            </a:extLst>
+          </p:cNvPr>
+          <p:cNvSpPr txBox="1">
+            <a:spLocks/>
+          </p:cNvSpPr>
+          <p:nvPr/>
+        </p:nvSpPr>
+        <p:spPr>
+          <a:xfrm>
+            <a:off x="581192" y="6387916"/>
+            <a:ext cx="4870585" cy="365125"/>
+          </a:xfrm>
+          <a:prstGeom prst="rect">
+            <a:avLst/>
+          </a:prstGeom>
+        </p:spPr>
+        <p:txBody>
+          <a:bodyPr vert="horz" lIns="91440" tIns="45720" rIns="91440" bIns="45720" rtlCol="0" anchor="ctr"/>
+          <a:lstStyle>
+            <a:defPPr>
+              <a:defRPr lang="en-US"/>
+            </a:defPPr>
+            <a:lvl1pPr marL="0" algn="l" defTabSz="457200" rtl="0" eaLnBrk="1" latinLnBrk="0" hangingPunct="1">
+              <a:defRPr sz="900" kern="1200" cap="all">
+                <a:solidFill>
+                  <a:schemeClr val="accent1">
+                    <a:lumMod val="75000"/>
+                    <a:lumOff val="25000"/>
+                  </a:schemeClr>
+                </a:solidFill>
+                <a:latin typeface="+mn-lt"/>
+                <a:ea typeface="+mn-ea"/>
+                <a:cs typeface="+mn-cs"/>
+              </a:defRPr>
+            </a:lvl1pPr>
+            <a:lvl2pPr marL="457200" algn="l" defTabSz="457200" rtl="0" eaLnBrk="1" latinLnBrk="0" hangingPunct="1">
+              <a:defRPr sz="1800" kern="1200">
+                <a:solidFill>
+                  <a:schemeClr val="tx1"/>
+                </a:solidFill>
+                <a:latin typeface="+mn-lt"/>
+                <a:ea typeface="+mn-ea"/>
+                <a:cs typeface="+mn-cs"/>
+              </a:defRPr>
+            </a:lvl2pPr>
+            <a:lvl3pPr marL="914400" algn="l" defTabSz="457200" rtl="0" eaLnBrk="1" latinLnBrk="0" hangingPunct="1">
+              <a:defRPr sz="1800" kern="1200">
+                <a:solidFill>
+                  <a:schemeClr val="tx1"/>
+                </a:solidFill>
+                <a:latin typeface="+mn-lt"/>
+                <a:ea typeface="+mn-ea"/>
+                <a:cs typeface="+mn-cs"/>
+              </a:defRPr>
+            </a:lvl3pPr>
+            <a:lvl4pPr marL="1371600" algn="l" defTabSz="457200" rtl="0" eaLnBrk="1" latinLnBrk="0" hangingPunct="1">
+              <a:defRPr sz="1800" kern="1200">
+                <a:solidFill>
+                  <a:schemeClr val="tx1"/>
+                </a:solidFill>
+                <a:latin typeface="+mn-lt"/>
+                <a:ea typeface="+mn-ea"/>
+                <a:cs typeface="+mn-cs"/>
+              </a:defRPr>
+            </a:lvl4pPr>
+            <a:lvl5pPr marL="1828800" algn="l" defTabSz="457200" rtl="0" eaLnBrk="1" latinLnBrk="0" hangingPunct="1">
+              <a:defRPr sz="1800" kern="1200">
+                <a:solidFill>
+                  <a:schemeClr val="tx1"/>
+                </a:solidFill>
+                <a:latin typeface="+mn-lt"/>
+                <a:ea typeface="+mn-ea"/>
+                <a:cs typeface="+mn-cs"/>
+              </a:defRPr>
+            </a:lvl5pPr>
+            <a:lvl6pPr marL="2286000" algn="l" defTabSz="457200" rtl="0" eaLnBrk="1" latinLnBrk="0" hangingPunct="1">
+              <a:defRPr sz="1800" kern="1200">
+                <a:solidFill>
+                  <a:schemeClr val="tx1"/>
+                </a:solidFill>
+                <a:latin typeface="+mn-lt"/>
+                <a:ea typeface="+mn-ea"/>
+                <a:cs typeface="+mn-cs"/>
+              </a:defRPr>
+            </a:lvl6pPr>
+            <a:lvl7pPr marL="2743200" algn="l" defTabSz="457200" rtl="0" eaLnBrk="1" latinLnBrk="0" hangingPunct="1">
+              <a:defRPr sz="1800" kern="1200">
+                <a:solidFill>
+                  <a:schemeClr val="tx1"/>
+                </a:solidFill>
+                <a:latin typeface="+mn-lt"/>
+                <a:ea typeface="+mn-ea"/>
+                <a:cs typeface="+mn-cs"/>
+              </a:defRPr>
+            </a:lvl7pPr>
+            <a:lvl8pPr marL="3200400" algn="l" defTabSz="457200" rtl="0" eaLnBrk="1" latinLnBrk="0" hangingPunct="1">
+              <a:defRPr sz="1800" kern="1200">
+                <a:solidFill>
+                  <a:schemeClr val="tx1"/>
+                </a:solidFill>
+                <a:latin typeface="+mn-lt"/>
+                <a:ea typeface="+mn-ea"/>
+                <a:cs typeface="+mn-cs"/>
+              </a:defRPr>
+            </a:lvl8pPr>
+            <a:lvl9pPr marL="3657600" algn="l" defTabSz="457200" rtl="0" eaLnBrk="1" latinLnBrk="0" hangingPunct="1">
+              <a:defRPr sz="1800" kern="1200">
+                <a:solidFill>
+                  <a:schemeClr val="tx1"/>
+                </a:solidFill>
+                <a:latin typeface="+mn-lt"/>
+                <a:ea typeface="+mn-ea"/>
+                <a:cs typeface="+mn-cs"/>
+              </a:defRPr>
+            </a:lvl9pPr>
+          </a:lstStyle>
+          <a:p>
+            <a:r>
+              <a:rPr lang="en-US"/>
+              <a:t>Copyright 2018, FLL TUTORIALS</a:t>
+            </a:r>
+            <a:endParaRPr lang="en-US" dirty="0"/>
+          </a:p>
+        </p:txBody>
+      </p:sp>
+      <p:sp>
+        <p:nvSpPr>
+          <p:cNvPr id="11" name="Slide Number Placeholder 5">
+            <a:extLst>
+              <a:ext uri="{FF2B5EF4-FFF2-40B4-BE49-F238E27FC236}">
+                <a16:creationId xmlns:a16="http://schemas.microsoft.com/office/drawing/2014/main" id="{AA884034-3EBB-704E-AFCD-9611BBBEBA37}"/>
+              </a:ext>
+            </a:extLst>
+          </p:cNvPr>
+          <p:cNvSpPr txBox="1">
+            <a:spLocks/>
+          </p:cNvSpPr>
+          <p:nvPr/>
+        </p:nvSpPr>
+        <p:spPr>
+          <a:xfrm>
+            <a:off x="7800476" y="6392242"/>
+            <a:ext cx="770468" cy="365125"/>
+          </a:xfrm>
+          <a:prstGeom prst="rect">
+            <a:avLst/>
+          </a:prstGeom>
+        </p:spPr>
+        <p:txBody>
+          <a:bodyPr vert="horz" lIns="91440" tIns="45720" rIns="91440" bIns="45720" rtlCol="0" anchor="ctr"/>
+          <a:lstStyle>
+            <a:defPPr>
+              <a:defRPr lang="en-US"/>
+            </a:defPPr>
+            <a:lvl1pPr marL="0" algn="r" defTabSz="457200" rtl="0" eaLnBrk="1" latinLnBrk="0" hangingPunct="1">
+              <a:defRPr sz="900" kern="1200">
+                <a:solidFill>
+                  <a:schemeClr val="accent1">
+                    <a:lumMod val="75000"/>
+                    <a:lumOff val="25000"/>
+                  </a:schemeClr>
+                </a:solidFill>
+                <a:latin typeface="+mn-lt"/>
+                <a:ea typeface="+mn-ea"/>
+                <a:cs typeface="+mn-cs"/>
+              </a:defRPr>
+            </a:lvl1pPr>
+            <a:lvl2pPr marL="457200" algn="l" defTabSz="457200" rtl="0" eaLnBrk="1" latinLnBrk="0" hangingPunct="1">
+              <a:defRPr sz="1800" kern="1200">
+                <a:solidFill>
+                  <a:schemeClr val="tx1"/>
+                </a:solidFill>
+                <a:latin typeface="+mn-lt"/>
+                <a:ea typeface="+mn-ea"/>
+                <a:cs typeface="+mn-cs"/>
+              </a:defRPr>
+            </a:lvl2pPr>
+            <a:lvl3pPr marL="914400" algn="l" defTabSz="457200" rtl="0" eaLnBrk="1" latinLnBrk="0" hangingPunct="1">
+              <a:defRPr sz="1800" kern="1200">
+                <a:solidFill>
+                  <a:schemeClr val="tx1"/>
+                </a:solidFill>
+                <a:latin typeface="+mn-lt"/>
+                <a:ea typeface="+mn-ea"/>
+                <a:cs typeface="+mn-cs"/>
+              </a:defRPr>
+            </a:lvl3pPr>
+            <a:lvl4pPr marL="1371600" algn="l" defTabSz="457200" rtl="0" eaLnBrk="1" latinLnBrk="0" hangingPunct="1">
+              <a:defRPr sz="1800" kern="1200">
+                <a:solidFill>
+                  <a:schemeClr val="tx1"/>
+                </a:solidFill>
+                <a:latin typeface="+mn-lt"/>
+                <a:ea typeface="+mn-ea"/>
+                <a:cs typeface="+mn-cs"/>
+              </a:defRPr>
+            </a:lvl4pPr>
+            <a:lvl5pPr marL="1828800" algn="l" defTabSz="457200" rtl="0" eaLnBrk="1" latinLnBrk="0" hangingPunct="1">
+              <a:defRPr sz="1800" kern="1200">
+                <a:solidFill>
+                  <a:schemeClr val="tx1"/>
+                </a:solidFill>
+                <a:latin typeface="+mn-lt"/>
+                <a:ea typeface="+mn-ea"/>
+                <a:cs typeface="+mn-cs"/>
+              </a:defRPr>
+            </a:lvl5pPr>
+            <a:lvl6pPr marL="2286000" algn="l" defTabSz="457200" rtl="0" eaLnBrk="1" latinLnBrk="0" hangingPunct="1">
+              <a:defRPr sz="1800" kern="1200">
+                <a:solidFill>
+                  <a:schemeClr val="tx1"/>
+                </a:solidFill>
+                <a:latin typeface="+mn-lt"/>
+                <a:ea typeface="+mn-ea"/>
+                <a:cs typeface="+mn-cs"/>
+              </a:defRPr>
+            </a:lvl6pPr>
+            <a:lvl7pPr marL="2743200" algn="l" defTabSz="457200" rtl="0" eaLnBrk="1" latinLnBrk="0" hangingPunct="1">
+              <a:defRPr sz="1800" kern="1200">
+                <a:solidFill>
+                  <a:schemeClr val="tx1"/>
+                </a:solidFill>
+                <a:latin typeface="+mn-lt"/>
+                <a:ea typeface="+mn-ea"/>
+                <a:cs typeface="+mn-cs"/>
+              </a:defRPr>
+            </a:lvl7pPr>
+            <a:lvl8pPr marL="3200400" algn="l" defTabSz="457200" rtl="0" eaLnBrk="1" latinLnBrk="0" hangingPunct="1">
+              <a:defRPr sz="1800" kern="1200">
+                <a:solidFill>
+                  <a:schemeClr val="tx1"/>
+                </a:solidFill>
+                <a:latin typeface="+mn-lt"/>
+                <a:ea typeface="+mn-ea"/>
+                <a:cs typeface="+mn-cs"/>
+              </a:defRPr>
+            </a:lvl8pPr>
+            <a:lvl9pPr marL="3657600" algn="l" defTabSz="457200" rtl="0" eaLnBrk="1" latinLnBrk="0" hangingPunct="1">
+              <a:defRPr sz="1800" kern="1200">
+                <a:solidFill>
+                  <a:schemeClr val="tx1"/>
+                </a:solidFill>
+                <a:latin typeface="+mn-lt"/>
+                <a:ea typeface="+mn-ea"/>
+                <a:cs typeface="+mn-cs"/>
+              </a:defRPr>
+            </a:lvl9pPr>
+          </a:lstStyle>
+          <a:p>
+            <a:fld id="{D57F1E4F-1CFF-5643-939E-217C01CDF565}" type="slidenum">
+              <a:rPr lang="en-US" smtClean="0"/>
+              <a:pPr/>
+              <a:t>‹#›</a:t>
+            </a:fld>
+            <a:endParaRPr lang="en-US" dirty="0"/>
+          </a:p>
+        </p:txBody>
+      </p:sp>
+    </p:spTree>
+    <p:extLst>
+      <p:ext uri="{BB962C8B-B14F-4D97-AF65-F5344CB8AC3E}">
+        <p14:creationId xmlns:p14="http://schemas.microsoft.com/office/powerpoint/2010/main" val="2745539554"/>
       </p:ext>
     </p:extLst>
   </p:cSld>
@@ -18425,9 +19748,9 @@
           <a:bodyPr/>
           <a:lstStyle/>
           <a:p>
-            <a:fld id="{F3264FD2-7C3B-4213-AE89-D29F57CF4489}" type="datetime1">
+            <a:fld id="{1C215A3D-8A88-4A12-AD9C-0A016B1E3F1C}" type="datetime1">
               <a:rPr lang="en-US" smtClean="0"/>
-              <a:t>6/7/18</a:t>
+              <a:t>6/11/18</a:t>
             </a:fld>
             <a:endParaRPr lang="en-US"/>
           </a:p>
@@ -18450,7 +19773,7 @@
           <a:p>
             <a:r>
               <a:rPr lang="en-US"/>
-              <a:t>© 2018, FLL Tutorials, Last Edit 7/13/2016</a:t>
+              <a:t>© 2018, FLL Tutorials, Last Edit 6/11/2018</a:t>
             </a:r>
           </a:p>
         </p:txBody>
@@ -18482,6 +19805,2303 @@
     <p:extLst>
       <p:ext uri="{BB962C8B-B14F-4D97-AF65-F5344CB8AC3E}">
         <p14:creationId xmlns:p14="http://schemas.microsoft.com/office/powerpoint/2010/main" val="74027603"/>
+      </p:ext>
+    </p:extLst>
+  </p:cSld>
+  <p:clrMapOvr>
+    <a:masterClrMapping/>
+  </p:clrMapOvr>
+</p:sldLayout>
+</file>
+
+<file path=ppt/slideLayouts/slideLayout70.xml><?xml version="1.0" encoding="utf-8"?>
+<p:sldLayout xmlns:a="http://schemas.openxmlformats.org/drawingml/2006/main" xmlns:r="http://schemas.openxmlformats.org/officeDocument/2006/relationships" xmlns:p="http://schemas.openxmlformats.org/presentationml/2006/main" type="twoObj" preserve="1">
+  <p:cSld name="Two Content">
+    <p:spTree>
+      <p:nvGrpSpPr>
+        <p:cNvPr id="1" name=""/>
+        <p:cNvGrpSpPr/>
+        <p:nvPr/>
+      </p:nvGrpSpPr>
+      <p:grpSpPr>
+        <a:xfrm>
+          <a:off x="0" y="0"/>
+          <a:ext cx="0" cy="0"/>
+          <a:chOff x="0" y="0"/>
+          <a:chExt cx="0" cy="0"/>
+        </a:xfrm>
+      </p:grpSpPr>
+      <p:sp>
+        <p:nvSpPr>
+          <p:cNvPr id="8" name="Rectangle 7"/>
+          <p:cNvSpPr>
+            <a:spLocks noChangeAspect="1"/>
+          </p:cNvSpPr>
+          <p:nvPr/>
+        </p:nvSpPr>
+        <p:spPr>
+          <a:xfrm>
+            <a:off x="448092" y="599725"/>
+            <a:ext cx="8238707" cy="1258827"/>
+          </a:xfrm>
+          <a:prstGeom prst="rect">
+            <a:avLst/>
+          </a:prstGeom>
+          <a:solidFill>
+            <a:schemeClr val="accent1"/>
+          </a:solidFill>
+          <a:ln>
+            <a:noFill/>
+          </a:ln>
+          <a:effectLst/>
+        </p:spPr>
+        <p:style>
+          <a:lnRef idx="1">
+            <a:schemeClr val="accent1"/>
+          </a:lnRef>
+          <a:fillRef idx="3">
+            <a:schemeClr val="accent1"/>
+          </a:fillRef>
+          <a:effectRef idx="2">
+            <a:schemeClr val="accent1"/>
+          </a:effectRef>
+          <a:fontRef idx="minor">
+            <a:schemeClr val="lt1"/>
+          </a:fontRef>
+        </p:style>
+      </p:sp>
+      <p:sp>
+        <p:nvSpPr>
+          <p:cNvPr id="2" name="Title 1"/>
+          <p:cNvSpPr>
+            <a:spLocks noGrp="1"/>
+          </p:cNvSpPr>
+          <p:nvPr>
+            <p:ph type="title"/>
+          </p:nvPr>
+        </p:nvSpPr>
+        <p:spPr/>
+        <p:txBody>
+          <a:bodyPr/>
+          <a:lstStyle/>
+          <a:p>
+            <a:r>
+              <a:rPr lang="en-US"/>
+              <a:t>Click to edit Master title style</a:t>
+            </a:r>
+            <a:endParaRPr lang="en-US" dirty="0"/>
+          </a:p>
+        </p:txBody>
+      </p:sp>
+      <p:sp>
+        <p:nvSpPr>
+          <p:cNvPr id="3" name="Content Placeholder 2"/>
+          <p:cNvSpPr>
+            <a:spLocks noGrp="1"/>
+          </p:cNvSpPr>
+          <p:nvPr>
+            <p:ph sz="half" idx="1"/>
+          </p:nvPr>
+        </p:nvSpPr>
+        <p:spPr>
+          <a:xfrm>
+            <a:off x="581192" y="2228002"/>
+            <a:ext cx="3899527" cy="3633047"/>
+          </a:xfrm>
+        </p:spPr>
+        <p:txBody>
+          <a:bodyPr>
+            <a:normAutofit/>
+          </a:bodyPr>
+          <a:lstStyle/>
+          <a:p>
+            <a:pPr lvl="0"/>
+            <a:r>
+              <a:rPr lang="en-US"/>
+              <a:t>Edit Master text styles</a:t>
+            </a:r>
+          </a:p>
+          <a:p>
+            <a:pPr lvl="1"/>
+            <a:r>
+              <a:rPr lang="en-US"/>
+              <a:t>Second level</a:t>
+            </a:r>
+          </a:p>
+          <a:p>
+            <a:pPr lvl="2"/>
+            <a:r>
+              <a:rPr lang="en-US"/>
+              <a:t>Third level</a:t>
+            </a:r>
+          </a:p>
+          <a:p>
+            <a:pPr lvl="3"/>
+            <a:r>
+              <a:rPr lang="en-US"/>
+              <a:t>Fourth level</a:t>
+            </a:r>
+          </a:p>
+          <a:p>
+            <a:pPr lvl="4"/>
+            <a:r>
+              <a:rPr lang="en-US"/>
+              <a:t>Fifth level</a:t>
+            </a:r>
+            <a:endParaRPr lang="en-US" dirty="0"/>
+          </a:p>
+        </p:txBody>
+      </p:sp>
+      <p:sp>
+        <p:nvSpPr>
+          <p:cNvPr id="4" name="Content Placeholder 3"/>
+          <p:cNvSpPr>
+            <a:spLocks noGrp="1"/>
+          </p:cNvSpPr>
+          <p:nvPr>
+            <p:ph sz="half" idx="2"/>
+          </p:nvPr>
+        </p:nvSpPr>
+        <p:spPr>
+          <a:xfrm>
+            <a:off x="4663282" y="2228003"/>
+            <a:ext cx="3907662" cy="3633047"/>
+          </a:xfrm>
+        </p:spPr>
+        <p:txBody>
+          <a:bodyPr>
+            <a:normAutofit/>
+          </a:bodyPr>
+          <a:lstStyle/>
+          <a:p>
+            <a:pPr lvl="0"/>
+            <a:r>
+              <a:rPr lang="en-US"/>
+              <a:t>Edit Master text styles</a:t>
+            </a:r>
+          </a:p>
+          <a:p>
+            <a:pPr lvl="1"/>
+            <a:r>
+              <a:rPr lang="en-US"/>
+              <a:t>Second level</a:t>
+            </a:r>
+          </a:p>
+          <a:p>
+            <a:pPr lvl="2"/>
+            <a:r>
+              <a:rPr lang="en-US"/>
+              <a:t>Third level</a:t>
+            </a:r>
+          </a:p>
+          <a:p>
+            <a:pPr lvl="3"/>
+            <a:r>
+              <a:rPr lang="en-US"/>
+              <a:t>Fourth level</a:t>
+            </a:r>
+          </a:p>
+          <a:p>
+            <a:pPr lvl="4"/>
+            <a:r>
+              <a:rPr lang="en-US"/>
+              <a:t>Fifth level</a:t>
+            </a:r>
+            <a:endParaRPr lang="en-US" dirty="0"/>
+          </a:p>
+        </p:txBody>
+      </p:sp>
+      <p:sp>
+        <p:nvSpPr>
+          <p:cNvPr id="5" name="Date Placeholder 4"/>
+          <p:cNvSpPr>
+            <a:spLocks noGrp="1"/>
+          </p:cNvSpPr>
+          <p:nvPr>
+            <p:ph type="dt" sz="half" idx="10"/>
+          </p:nvPr>
+        </p:nvSpPr>
+        <p:spPr>
+          <a:xfrm>
+            <a:off x="5559327" y="5956136"/>
+            <a:ext cx="2133600" cy="365125"/>
+          </a:xfrm>
+          <a:prstGeom prst="rect">
+            <a:avLst/>
+          </a:prstGeom>
+        </p:spPr>
+        <p:txBody>
+          <a:bodyPr/>
+          <a:lstStyle/>
+          <a:p>
+            <a:fld id="{3540E135-3737-404D-9015-72C85F03CA09}" type="datetime1">
+              <a:rPr lang="en-US" smtClean="0"/>
+              <a:t>6/11/18</a:t>
+            </a:fld>
+            <a:endParaRPr lang="en-US"/>
+          </a:p>
+        </p:txBody>
+      </p:sp>
+      <p:sp>
+        <p:nvSpPr>
+          <p:cNvPr id="6" name="Footer Placeholder 5"/>
+          <p:cNvSpPr>
+            <a:spLocks noGrp="1"/>
+          </p:cNvSpPr>
+          <p:nvPr>
+            <p:ph type="ftr" sz="quarter" idx="11"/>
+          </p:nvPr>
+        </p:nvSpPr>
+        <p:spPr>
+          <a:xfrm>
+            <a:off x="581192" y="5951810"/>
+            <a:ext cx="4870585" cy="365125"/>
+          </a:xfrm>
+          <a:prstGeom prst="rect">
+            <a:avLst/>
+          </a:prstGeom>
+        </p:spPr>
+        <p:txBody>
+          <a:bodyPr/>
+          <a:lstStyle/>
+          <a:p>
+            <a:r>
+              <a:rPr lang="en-US"/>
+              <a:t>© 2018, FLL Tutorials, Last Edit 6/11/2018</a:t>
+            </a:r>
+          </a:p>
+        </p:txBody>
+      </p:sp>
+      <p:sp>
+        <p:nvSpPr>
+          <p:cNvPr id="7" name="Slide Number Placeholder 6"/>
+          <p:cNvSpPr>
+            <a:spLocks noGrp="1"/>
+          </p:cNvSpPr>
+          <p:nvPr>
+            <p:ph type="sldNum" sz="quarter" idx="12"/>
+          </p:nvPr>
+        </p:nvSpPr>
+        <p:spPr>
+          <a:xfrm>
+            <a:off x="7800476" y="5956136"/>
+            <a:ext cx="770468" cy="365125"/>
+          </a:xfrm>
+          <a:prstGeom prst="rect">
+            <a:avLst/>
+          </a:prstGeom>
+        </p:spPr>
+        <p:txBody>
+          <a:bodyPr/>
+          <a:lstStyle/>
+          <a:p>
+            <a:fld id="{4DBC7FC8-25FB-FC45-8177-2B991DA6778C}" type="slidenum">
+              <a:rPr lang="en-US" smtClean="0"/>
+              <a:t>‹#›</a:t>
+            </a:fld>
+            <a:endParaRPr lang="en-US"/>
+          </a:p>
+        </p:txBody>
+      </p:sp>
+    </p:spTree>
+    <p:extLst>
+      <p:ext uri="{BB962C8B-B14F-4D97-AF65-F5344CB8AC3E}">
+        <p14:creationId xmlns:p14="http://schemas.microsoft.com/office/powerpoint/2010/main" val="1169798377"/>
+      </p:ext>
+    </p:extLst>
+  </p:cSld>
+  <p:clrMapOvr>
+    <a:masterClrMapping/>
+  </p:clrMapOvr>
+</p:sldLayout>
+</file>
+
+<file path=ppt/slideLayouts/slideLayout71.xml><?xml version="1.0" encoding="utf-8"?>
+<p:sldLayout xmlns:a="http://schemas.openxmlformats.org/drawingml/2006/main" xmlns:r="http://schemas.openxmlformats.org/officeDocument/2006/relationships" xmlns:p="http://schemas.openxmlformats.org/presentationml/2006/main" type="twoTxTwoObj" preserve="1">
+  <p:cSld name="Comparison">
+    <p:spTree>
+      <p:nvGrpSpPr>
+        <p:cNvPr id="1" name=""/>
+        <p:cNvGrpSpPr/>
+        <p:nvPr/>
+      </p:nvGrpSpPr>
+      <p:grpSpPr>
+        <a:xfrm>
+          <a:off x="0" y="0"/>
+          <a:ext cx="0" cy="0"/>
+          <a:chOff x="0" y="0"/>
+          <a:chExt cx="0" cy="0"/>
+        </a:xfrm>
+      </p:grpSpPr>
+      <p:sp>
+        <p:nvSpPr>
+          <p:cNvPr id="10" name="Rectangle 9"/>
+          <p:cNvSpPr>
+            <a:spLocks noChangeAspect="1"/>
+          </p:cNvSpPr>
+          <p:nvPr/>
+        </p:nvSpPr>
+        <p:spPr>
+          <a:xfrm>
+            <a:off x="448092" y="599725"/>
+            <a:ext cx="8238707" cy="1258827"/>
+          </a:xfrm>
+          <a:prstGeom prst="rect">
+            <a:avLst/>
+          </a:prstGeom>
+          <a:solidFill>
+            <a:schemeClr val="accent1"/>
+          </a:solidFill>
+          <a:ln>
+            <a:noFill/>
+          </a:ln>
+          <a:effectLst/>
+        </p:spPr>
+        <p:style>
+          <a:lnRef idx="1">
+            <a:schemeClr val="accent1"/>
+          </a:lnRef>
+          <a:fillRef idx="3">
+            <a:schemeClr val="accent1"/>
+          </a:fillRef>
+          <a:effectRef idx="2">
+            <a:schemeClr val="accent1"/>
+          </a:effectRef>
+          <a:fontRef idx="minor">
+            <a:schemeClr val="lt1"/>
+          </a:fontRef>
+        </p:style>
+      </p:sp>
+      <p:sp>
+        <p:nvSpPr>
+          <p:cNvPr id="2" name="Title 1"/>
+          <p:cNvSpPr>
+            <a:spLocks noGrp="1"/>
+          </p:cNvSpPr>
+          <p:nvPr>
+            <p:ph type="title"/>
+          </p:nvPr>
+        </p:nvSpPr>
+        <p:spPr/>
+        <p:txBody>
+          <a:bodyPr/>
+          <a:lstStyle>
+            <a:lvl1pPr>
+              <a:defRPr/>
+            </a:lvl1pPr>
+          </a:lstStyle>
+          <a:p>
+            <a:r>
+              <a:rPr lang="en-US"/>
+              <a:t>Click to edit Master title style</a:t>
+            </a:r>
+            <a:endParaRPr lang="en-US" dirty="0"/>
+          </a:p>
+        </p:txBody>
+      </p:sp>
+      <p:sp>
+        <p:nvSpPr>
+          <p:cNvPr id="3" name="Text Placeholder 2"/>
+          <p:cNvSpPr>
+            <a:spLocks noGrp="1"/>
+          </p:cNvSpPr>
+          <p:nvPr>
+            <p:ph type="body" idx="1"/>
+          </p:nvPr>
+        </p:nvSpPr>
+        <p:spPr>
+          <a:xfrm>
+            <a:off x="887219" y="2228003"/>
+            <a:ext cx="3593500" cy="576262"/>
+          </a:xfrm>
+        </p:spPr>
+        <p:txBody>
+          <a:bodyPr anchor="b">
+            <a:noAutofit/>
+          </a:bodyPr>
+          <a:lstStyle>
+            <a:lvl1pPr marL="0" indent="0">
+              <a:buNone/>
+              <a:defRPr sz="2200" b="0">
+                <a:solidFill>
+                  <a:schemeClr val="accent2"/>
+                </a:solidFill>
+              </a:defRPr>
+            </a:lvl1pPr>
+            <a:lvl2pPr marL="457200" indent="0">
+              <a:buNone/>
+              <a:defRPr sz="2000" b="1"/>
+            </a:lvl2pPr>
+            <a:lvl3pPr marL="914400" indent="0">
+              <a:buNone/>
+              <a:defRPr sz="1800" b="1"/>
+            </a:lvl3pPr>
+            <a:lvl4pPr marL="1371600" indent="0">
+              <a:buNone/>
+              <a:defRPr sz="1600" b="1"/>
+            </a:lvl4pPr>
+            <a:lvl5pPr marL="1828800" indent="0">
+              <a:buNone/>
+              <a:defRPr sz="1600" b="1"/>
+            </a:lvl5pPr>
+            <a:lvl6pPr marL="2286000" indent="0">
+              <a:buNone/>
+              <a:defRPr sz="1600" b="1"/>
+            </a:lvl6pPr>
+            <a:lvl7pPr marL="2743200" indent="0">
+              <a:buNone/>
+              <a:defRPr sz="1600" b="1"/>
+            </a:lvl7pPr>
+            <a:lvl8pPr marL="3200400" indent="0">
+              <a:buNone/>
+              <a:defRPr sz="1600" b="1"/>
+            </a:lvl8pPr>
+            <a:lvl9pPr marL="3657600" indent="0">
+              <a:buNone/>
+              <a:defRPr sz="1600" b="1"/>
+            </a:lvl9pPr>
+          </a:lstStyle>
+          <a:p>
+            <a:pPr lvl="0"/>
+            <a:r>
+              <a:rPr lang="en-US"/>
+              <a:t>Edit Master text styles</a:t>
+            </a:r>
+          </a:p>
+        </p:txBody>
+      </p:sp>
+      <p:sp>
+        <p:nvSpPr>
+          <p:cNvPr id="4" name="Content Placeholder 3"/>
+          <p:cNvSpPr>
+            <a:spLocks noGrp="1"/>
+          </p:cNvSpPr>
+          <p:nvPr>
+            <p:ph sz="half" idx="2"/>
+          </p:nvPr>
+        </p:nvSpPr>
+        <p:spPr>
+          <a:xfrm>
+            <a:off x="581192" y="2926051"/>
+            <a:ext cx="3899527" cy="2934999"/>
+          </a:xfrm>
+        </p:spPr>
+        <p:txBody>
+          <a:bodyPr anchor="t">
+            <a:normAutofit/>
+          </a:bodyPr>
+          <a:lstStyle/>
+          <a:p>
+            <a:pPr lvl="0"/>
+            <a:r>
+              <a:rPr lang="en-US"/>
+              <a:t>Edit Master text styles</a:t>
+            </a:r>
+          </a:p>
+          <a:p>
+            <a:pPr lvl="1"/>
+            <a:r>
+              <a:rPr lang="en-US"/>
+              <a:t>Second level</a:t>
+            </a:r>
+          </a:p>
+          <a:p>
+            <a:pPr lvl="2"/>
+            <a:r>
+              <a:rPr lang="en-US"/>
+              <a:t>Third level</a:t>
+            </a:r>
+          </a:p>
+          <a:p>
+            <a:pPr lvl="3"/>
+            <a:r>
+              <a:rPr lang="en-US"/>
+              <a:t>Fourth level</a:t>
+            </a:r>
+          </a:p>
+          <a:p>
+            <a:pPr lvl="4"/>
+            <a:r>
+              <a:rPr lang="en-US"/>
+              <a:t>Fifth level</a:t>
+            </a:r>
+            <a:endParaRPr lang="en-US" dirty="0"/>
+          </a:p>
+        </p:txBody>
+      </p:sp>
+      <p:sp>
+        <p:nvSpPr>
+          <p:cNvPr id="5" name="Text Placeholder 4"/>
+          <p:cNvSpPr>
+            <a:spLocks noGrp="1"/>
+          </p:cNvSpPr>
+          <p:nvPr>
+            <p:ph type="body" sz="quarter" idx="3"/>
+          </p:nvPr>
+        </p:nvSpPr>
+        <p:spPr>
+          <a:xfrm>
+            <a:off x="4969308" y="2228003"/>
+            <a:ext cx="3601635" cy="576262"/>
+          </a:xfrm>
+        </p:spPr>
+        <p:txBody>
+          <a:bodyPr anchor="b">
+            <a:noAutofit/>
+          </a:bodyPr>
+          <a:lstStyle>
+            <a:lvl1pPr marL="0" indent="0">
+              <a:buNone/>
+              <a:defRPr sz="2200" b="0">
+                <a:solidFill>
+                  <a:schemeClr val="accent2"/>
+                </a:solidFill>
+              </a:defRPr>
+            </a:lvl1pPr>
+            <a:lvl2pPr marL="457200" indent="0">
+              <a:buNone/>
+              <a:defRPr sz="2000" b="1"/>
+            </a:lvl2pPr>
+            <a:lvl3pPr marL="914400" indent="0">
+              <a:buNone/>
+              <a:defRPr sz="1800" b="1"/>
+            </a:lvl3pPr>
+            <a:lvl4pPr marL="1371600" indent="0">
+              <a:buNone/>
+              <a:defRPr sz="1600" b="1"/>
+            </a:lvl4pPr>
+            <a:lvl5pPr marL="1828800" indent="0">
+              <a:buNone/>
+              <a:defRPr sz="1600" b="1"/>
+            </a:lvl5pPr>
+            <a:lvl6pPr marL="2286000" indent="0">
+              <a:buNone/>
+              <a:defRPr sz="1600" b="1"/>
+            </a:lvl6pPr>
+            <a:lvl7pPr marL="2743200" indent="0">
+              <a:buNone/>
+              <a:defRPr sz="1600" b="1"/>
+            </a:lvl7pPr>
+            <a:lvl8pPr marL="3200400" indent="0">
+              <a:buNone/>
+              <a:defRPr sz="1600" b="1"/>
+            </a:lvl8pPr>
+            <a:lvl9pPr marL="3657600" indent="0">
+              <a:buNone/>
+              <a:defRPr sz="1600" b="1"/>
+            </a:lvl9pPr>
+          </a:lstStyle>
+          <a:p>
+            <a:pPr lvl="0"/>
+            <a:r>
+              <a:rPr lang="en-US"/>
+              <a:t>Edit Master text styles</a:t>
+            </a:r>
+          </a:p>
+        </p:txBody>
+      </p:sp>
+      <p:sp>
+        <p:nvSpPr>
+          <p:cNvPr id="6" name="Content Placeholder 5"/>
+          <p:cNvSpPr>
+            <a:spLocks noGrp="1"/>
+          </p:cNvSpPr>
+          <p:nvPr>
+            <p:ph sz="quarter" idx="4"/>
+          </p:nvPr>
+        </p:nvSpPr>
+        <p:spPr>
+          <a:xfrm>
+            <a:off x="4663282" y="2926051"/>
+            <a:ext cx="3907662" cy="2934999"/>
+          </a:xfrm>
+        </p:spPr>
+        <p:txBody>
+          <a:bodyPr anchor="t">
+            <a:normAutofit/>
+          </a:bodyPr>
+          <a:lstStyle/>
+          <a:p>
+            <a:pPr lvl="0"/>
+            <a:r>
+              <a:rPr lang="en-US"/>
+              <a:t>Edit Master text styles</a:t>
+            </a:r>
+          </a:p>
+          <a:p>
+            <a:pPr lvl="1"/>
+            <a:r>
+              <a:rPr lang="en-US"/>
+              <a:t>Second level</a:t>
+            </a:r>
+          </a:p>
+          <a:p>
+            <a:pPr lvl="2"/>
+            <a:r>
+              <a:rPr lang="en-US"/>
+              <a:t>Third level</a:t>
+            </a:r>
+          </a:p>
+          <a:p>
+            <a:pPr lvl="3"/>
+            <a:r>
+              <a:rPr lang="en-US"/>
+              <a:t>Fourth level</a:t>
+            </a:r>
+          </a:p>
+          <a:p>
+            <a:pPr lvl="4"/>
+            <a:r>
+              <a:rPr lang="en-US"/>
+              <a:t>Fifth level</a:t>
+            </a:r>
+            <a:endParaRPr lang="en-US" dirty="0"/>
+          </a:p>
+        </p:txBody>
+      </p:sp>
+      <p:sp>
+        <p:nvSpPr>
+          <p:cNvPr id="7" name="Date Placeholder 6"/>
+          <p:cNvSpPr>
+            <a:spLocks noGrp="1"/>
+          </p:cNvSpPr>
+          <p:nvPr>
+            <p:ph type="dt" sz="half" idx="10"/>
+          </p:nvPr>
+        </p:nvSpPr>
+        <p:spPr>
+          <a:xfrm>
+            <a:off x="5559327" y="5956136"/>
+            <a:ext cx="2133600" cy="365125"/>
+          </a:xfrm>
+          <a:prstGeom prst="rect">
+            <a:avLst/>
+          </a:prstGeom>
+        </p:spPr>
+        <p:txBody>
+          <a:bodyPr/>
+          <a:lstStyle/>
+          <a:p>
+            <a:fld id="{91052528-7FF0-49C8-B22C-2C88C330E8BC}" type="datetime1">
+              <a:rPr lang="en-US" smtClean="0"/>
+              <a:t>6/11/18</a:t>
+            </a:fld>
+            <a:endParaRPr lang="en-US"/>
+          </a:p>
+        </p:txBody>
+      </p:sp>
+      <p:sp>
+        <p:nvSpPr>
+          <p:cNvPr id="8" name="Footer Placeholder 7"/>
+          <p:cNvSpPr>
+            <a:spLocks noGrp="1"/>
+          </p:cNvSpPr>
+          <p:nvPr>
+            <p:ph type="ftr" sz="quarter" idx="11"/>
+          </p:nvPr>
+        </p:nvSpPr>
+        <p:spPr>
+          <a:xfrm>
+            <a:off x="581192" y="5951810"/>
+            <a:ext cx="4870585" cy="365125"/>
+          </a:xfrm>
+          <a:prstGeom prst="rect">
+            <a:avLst/>
+          </a:prstGeom>
+        </p:spPr>
+        <p:txBody>
+          <a:bodyPr/>
+          <a:lstStyle/>
+          <a:p>
+            <a:r>
+              <a:rPr lang="en-US"/>
+              <a:t>© 2018, FLL Tutorials, Last Edit 6/11/2018</a:t>
+            </a:r>
+          </a:p>
+        </p:txBody>
+      </p:sp>
+      <p:sp>
+        <p:nvSpPr>
+          <p:cNvPr id="9" name="Slide Number Placeholder 8"/>
+          <p:cNvSpPr>
+            <a:spLocks noGrp="1"/>
+          </p:cNvSpPr>
+          <p:nvPr>
+            <p:ph type="sldNum" sz="quarter" idx="12"/>
+          </p:nvPr>
+        </p:nvSpPr>
+        <p:spPr>
+          <a:xfrm>
+            <a:off x="7800476" y="5956136"/>
+            <a:ext cx="770468" cy="365125"/>
+          </a:xfrm>
+          <a:prstGeom prst="rect">
+            <a:avLst/>
+          </a:prstGeom>
+        </p:spPr>
+        <p:txBody>
+          <a:bodyPr/>
+          <a:lstStyle/>
+          <a:p>
+            <a:fld id="{4DBC7FC8-25FB-FC45-8177-2B991DA6778C}" type="slidenum">
+              <a:rPr lang="en-US" smtClean="0"/>
+              <a:t>‹#›</a:t>
+            </a:fld>
+            <a:endParaRPr lang="en-US"/>
+          </a:p>
+        </p:txBody>
+      </p:sp>
+    </p:spTree>
+    <p:extLst>
+      <p:ext uri="{BB962C8B-B14F-4D97-AF65-F5344CB8AC3E}">
+        <p14:creationId xmlns:p14="http://schemas.microsoft.com/office/powerpoint/2010/main" val="1696114253"/>
+      </p:ext>
+    </p:extLst>
+  </p:cSld>
+  <p:clrMapOvr>
+    <a:masterClrMapping/>
+  </p:clrMapOvr>
+</p:sldLayout>
+</file>
+
+<file path=ppt/slideLayouts/slideLayout72.xml><?xml version="1.0" encoding="utf-8"?>
+<p:sldLayout xmlns:a="http://schemas.openxmlformats.org/drawingml/2006/main" xmlns:r="http://schemas.openxmlformats.org/officeDocument/2006/relationships" xmlns:p="http://schemas.openxmlformats.org/presentationml/2006/main" type="titleOnly" preserve="1">
+  <p:cSld name="Title Only">
+    <p:spTree>
+      <p:nvGrpSpPr>
+        <p:cNvPr id="1" name=""/>
+        <p:cNvGrpSpPr/>
+        <p:nvPr/>
+      </p:nvGrpSpPr>
+      <p:grpSpPr>
+        <a:xfrm>
+          <a:off x="0" y="0"/>
+          <a:ext cx="0" cy="0"/>
+          <a:chOff x="0" y="0"/>
+          <a:chExt cx="0" cy="0"/>
+        </a:xfrm>
+      </p:grpSpPr>
+      <p:sp>
+        <p:nvSpPr>
+          <p:cNvPr id="6" name="Rectangle 5"/>
+          <p:cNvSpPr>
+            <a:spLocks noChangeAspect="1"/>
+          </p:cNvSpPr>
+          <p:nvPr/>
+        </p:nvSpPr>
+        <p:spPr>
+          <a:xfrm>
+            <a:off x="448092" y="599725"/>
+            <a:ext cx="8238707" cy="1258827"/>
+          </a:xfrm>
+          <a:prstGeom prst="rect">
+            <a:avLst/>
+          </a:prstGeom>
+          <a:solidFill>
+            <a:schemeClr val="accent1"/>
+          </a:solidFill>
+          <a:ln>
+            <a:noFill/>
+          </a:ln>
+          <a:effectLst/>
+        </p:spPr>
+        <p:style>
+          <a:lnRef idx="1">
+            <a:schemeClr val="accent1"/>
+          </a:lnRef>
+          <a:fillRef idx="3">
+            <a:schemeClr val="accent1"/>
+          </a:fillRef>
+          <a:effectRef idx="2">
+            <a:schemeClr val="accent1"/>
+          </a:effectRef>
+          <a:fontRef idx="minor">
+            <a:schemeClr val="lt1"/>
+          </a:fontRef>
+        </p:style>
+      </p:sp>
+      <p:sp>
+        <p:nvSpPr>
+          <p:cNvPr id="2" name="Title 1"/>
+          <p:cNvSpPr>
+            <a:spLocks noGrp="1"/>
+          </p:cNvSpPr>
+          <p:nvPr>
+            <p:ph type="title"/>
+          </p:nvPr>
+        </p:nvSpPr>
+        <p:spPr/>
+        <p:txBody>
+          <a:bodyPr/>
+          <a:lstStyle/>
+          <a:p>
+            <a:r>
+              <a:rPr lang="en-US"/>
+              <a:t>Click to edit Master title style</a:t>
+            </a:r>
+            <a:endParaRPr lang="en-US" dirty="0"/>
+          </a:p>
+        </p:txBody>
+      </p:sp>
+      <p:sp>
+        <p:nvSpPr>
+          <p:cNvPr id="3" name="Date Placeholder 2"/>
+          <p:cNvSpPr>
+            <a:spLocks noGrp="1"/>
+          </p:cNvSpPr>
+          <p:nvPr>
+            <p:ph type="dt" sz="half" idx="10"/>
+          </p:nvPr>
+        </p:nvSpPr>
+        <p:spPr>
+          <a:xfrm>
+            <a:off x="5559327" y="5956136"/>
+            <a:ext cx="2133600" cy="365125"/>
+          </a:xfrm>
+          <a:prstGeom prst="rect">
+            <a:avLst/>
+          </a:prstGeom>
+        </p:spPr>
+        <p:txBody>
+          <a:bodyPr/>
+          <a:lstStyle/>
+          <a:p>
+            <a:fld id="{86306EF7-0AE3-4F54-ADD0-6196865E8B35}" type="datetime1">
+              <a:rPr lang="en-US" smtClean="0"/>
+              <a:t>6/11/18</a:t>
+            </a:fld>
+            <a:endParaRPr lang="en-US"/>
+          </a:p>
+        </p:txBody>
+      </p:sp>
+      <p:sp>
+        <p:nvSpPr>
+          <p:cNvPr id="4" name="Footer Placeholder 3"/>
+          <p:cNvSpPr>
+            <a:spLocks noGrp="1"/>
+          </p:cNvSpPr>
+          <p:nvPr>
+            <p:ph type="ftr" sz="quarter" idx="11"/>
+          </p:nvPr>
+        </p:nvSpPr>
+        <p:spPr>
+          <a:xfrm>
+            <a:off x="581192" y="5951810"/>
+            <a:ext cx="4870585" cy="365125"/>
+          </a:xfrm>
+          <a:prstGeom prst="rect">
+            <a:avLst/>
+          </a:prstGeom>
+        </p:spPr>
+        <p:txBody>
+          <a:bodyPr/>
+          <a:lstStyle/>
+          <a:p>
+            <a:r>
+              <a:rPr lang="en-US"/>
+              <a:t>© 2018, FLL Tutorials, Last Edit 6/11/2018</a:t>
+            </a:r>
+          </a:p>
+        </p:txBody>
+      </p:sp>
+      <p:sp>
+        <p:nvSpPr>
+          <p:cNvPr id="5" name="Slide Number Placeholder 4"/>
+          <p:cNvSpPr>
+            <a:spLocks noGrp="1"/>
+          </p:cNvSpPr>
+          <p:nvPr>
+            <p:ph type="sldNum" sz="quarter" idx="12"/>
+          </p:nvPr>
+        </p:nvSpPr>
+        <p:spPr>
+          <a:xfrm>
+            <a:off x="7800476" y="5956136"/>
+            <a:ext cx="770468" cy="365125"/>
+          </a:xfrm>
+          <a:prstGeom prst="rect">
+            <a:avLst/>
+          </a:prstGeom>
+        </p:spPr>
+        <p:txBody>
+          <a:bodyPr/>
+          <a:lstStyle/>
+          <a:p>
+            <a:fld id="{4DBC7FC8-25FB-FC45-8177-2B991DA6778C}" type="slidenum">
+              <a:rPr lang="en-US" smtClean="0"/>
+              <a:t>‹#›</a:t>
+            </a:fld>
+            <a:endParaRPr lang="en-US"/>
+          </a:p>
+        </p:txBody>
+      </p:sp>
+    </p:spTree>
+    <p:extLst>
+      <p:ext uri="{BB962C8B-B14F-4D97-AF65-F5344CB8AC3E}">
+        <p14:creationId xmlns:p14="http://schemas.microsoft.com/office/powerpoint/2010/main" val="2842815051"/>
+      </p:ext>
+    </p:extLst>
+  </p:cSld>
+  <p:clrMapOvr>
+    <a:masterClrMapping/>
+  </p:clrMapOvr>
+</p:sldLayout>
+</file>
+
+<file path=ppt/slideLayouts/slideLayout73.xml><?xml version="1.0" encoding="utf-8"?>
+<p:sldLayout xmlns:a="http://schemas.openxmlformats.org/drawingml/2006/main" xmlns:r="http://schemas.openxmlformats.org/officeDocument/2006/relationships" xmlns:p="http://schemas.openxmlformats.org/presentationml/2006/main" type="blank" preserve="1">
+  <p:cSld name="Blank">
+    <p:spTree>
+      <p:nvGrpSpPr>
+        <p:cNvPr id="1" name=""/>
+        <p:cNvGrpSpPr/>
+        <p:nvPr/>
+      </p:nvGrpSpPr>
+      <p:grpSpPr>
+        <a:xfrm>
+          <a:off x="0" y="0"/>
+          <a:ext cx="0" cy="0"/>
+          <a:chOff x="0" y="0"/>
+          <a:chExt cx="0" cy="0"/>
+        </a:xfrm>
+      </p:grpSpPr>
+      <p:sp>
+        <p:nvSpPr>
+          <p:cNvPr id="2" name="Date Placeholder 1"/>
+          <p:cNvSpPr>
+            <a:spLocks noGrp="1"/>
+          </p:cNvSpPr>
+          <p:nvPr>
+            <p:ph type="dt" sz="half" idx="10"/>
+          </p:nvPr>
+        </p:nvSpPr>
+        <p:spPr>
+          <a:xfrm>
+            <a:off x="5559327" y="5956136"/>
+            <a:ext cx="2133600" cy="365125"/>
+          </a:xfrm>
+          <a:prstGeom prst="rect">
+            <a:avLst/>
+          </a:prstGeom>
+        </p:spPr>
+        <p:txBody>
+          <a:bodyPr/>
+          <a:lstStyle/>
+          <a:p>
+            <a:fld id="{1C1C59ED-C8F0-4771-924D-03FBD29510A5}" type="datetime1">
+              <a:rPr lang="en-US" smtClean="0"/>
+              <a:t>6/11/18</a:t>
+            </a:fld>
+            <a:endParaRPr lang="en-US"/>
+          </a:p>
+        </p:txBody>
+      </p:sp>
+      <p:sp>
+        <p:nvSpPr>
+          <p:cNvPr id="3" name="Footer Placeholder 2"/>
+          <p:cNvSpPr>
+            <a:spLocks noGrp="1"/>
+          </p:cNvSpPr>
+          <p:nvPr>
+            <p:ph type="ftr" sz="quarter" idx="11"/>
+          </p:nvPr>
+        </p:nvSpPr>
+        <p:spPr>
+          <a:xfrm>
+            <a:off x="581192" y="5951810"/>
+            <a:ext cx="4870585" cy="365125"/>
+          </a:xfrm>
+          <a:prstGeom prst="rect">
+            <a:avLst/>
+          </a:prstGeom>
+        </p:spPr>
+        <p:txBody>
+          <a:bodyPr/>
+          <a:lstStyle/>
+          <a:p>
+            <a:r>
+              <a:rPr lang="en-US"/>
+              <a:t>© 2018, FLL Tutorials, Last Edit 6/11/2018</a:t>
+            </a:r>
+          </a:p>
+        </p:txBody>
+      </p:sp>
+      <p:sp>
+        <p:nvSpPr>
+          <p:cNvPr id="4" name="Slide Number Placeholder 3"/>
+          <p:cNvSpPr>
+            <a:spLocks noGrp="1"/>
+          </p:cNvSpPr>
+          <p:nvPr>
+            <p:ph type="sldNum" sz="quarter" idx="12"/>
+          </p:nvPr>
+        </p:nvSpPr>
+        <p:spPr>
+          <a:xfrm>
+            <a:off x="7800476" y="5956136"/>
+            <a:ext cx="770468" cy="365125"/>
+          </a:xfrm>
+          <a:prstGeom prst="rect">
+            <a:avLst/>
+          </a:prstGeom>
+        </p:spPr>
+        <p:txBody>
+          <a:bodyPr/>
+          <a:lstStyle/>
+          <a:p>
+            <a:fld id="{4DBC7FC8-25FB-FC45-8177-2B991DA6778C}" type="slidenum">
+              <a:rPr lang="en-US" smtClean="0"/>
+              <a:t>‹#›</a:t>
+            </a:fld>
+            <a:endParaRPr lang="en-US"/>
+          </a:p>
+        </p:txBody>
+      </p:sp>
+    </p:spTree>
+    <p:extLst>
+      <p:ext uri="{BB962C8B-B14F-4D97-AF65-F5344CB8AC3E}">
+        <p14:creationId xmlns:p14="http://schemas.microsoft.com/office/powerpoint/2010/main" val="800673132"/>
+      </p:ext>
+    </p:extLst>
+  </p:cSld>
+  <p:clrMapOvr>
+    <a:masterClrMapping/>
+  </p:clrMapOvr>
+</p:sldLayout>
+</file>
+
+<file path=ppt/slideLayouts/slideLayout74.xml><?xml version="1.0" encoding="utf-8"?>
+<p:sldLayout xmlns:a="http://schemas.openxmlformats.org/drawingml/2006/main" xmlns:r="http://schemas.openxmlformats.org/officeDocument/2006/relationships" xmlns:p="http://schemas.openxmlformats.org/presentationml/2006/main" type="objTx" preserve="1">
+  <p:cSld name="Content with Caption">
+    <p:spTree>
+      <p:nvGrpSpPr>
+        <p:cNvPr id="1" name=""/>
+        <p:cNvGrpSpPr/>
+        <p:nvPr/>
+      </p:nvGrpSpPr>
+      <p:grpSpPr>
+        <a:xfrm>
+          <a:off x="0" y="0"/>
+          <a:ext cx="0" cy="0"/>
+          <a:chOff x="0" y="0"/>
+          <a:chExt cx="0" cy="0"/>
+        </a:xfrm>
+      </p:grpSpPr>
+      <p:sp>
+        <p:nvSpPr>
+          <p:cNvPr id="9" name="Rectangle 8"/>
+          <p:cNvSpPr>
+            <a:spLocks noChangeAspect="1"/>
+          </p:cNvSpPr>
+          <p:nvPr/>
+        </p:nvSpPr>
+        <p:spPr>
+          <a:xfrm>
+            <a:off x="452646" y="5141973"/>
+            <a:ext cx="8238707" cy="1274702"/>
+          </a:xfrm>
+          <a:prstGeom prst="rect">
+            <a:avLst/>
+          </a:prstGeom>
+          <a:solidFill>
+            <a:schemeClr val="accent1"/>
+          </a:solidFill>
+          <a:ln>
+            <a:noFill/>
+          </a:ln>
+          <a:effectLst/>
+        </p:spPr>
+        <p:style>
+          <a:lnRef idx="1">
+            <a:schemeClr val="accent1"/>
+          </a:lnRef>
+          <a:fillRef idx="3">
+            <a:schemeClr val="accent1"/>
+          </a:fillRef>
+          <a:effectRef idx="2">
+            <a:schemeClr val="accent1"/>
+          </a:effectRef>
+          <a:fontRef idx="minor">
+            <a:schemeClr val="lt1"/>
+          </a:fontRef>
+        </p:style>
+      </p:sp>
+      <p:sp>
+        <p:nvSpPr>
+          <p:cNvPr id="2" name="Title 1"/>
+          <p:cNvSpPr>
+            <a:spLocks noGrp="1"/>
+          </p:cNvSpPr>
+          <p:nvPr>
+            <p:ph type="title"/>
+          </p:nvPr>
+        </p:nvSpPr>
+        <p:spPr>
+          <a:xfrm>
+            <a:off x="581352" y="5262296"/>
+            <a:ext cx="3536625" cy="689514"/>
+          </a:xfrm>
+        </p:spPr>
+        <p:txBody>
+          <a:bodyPr anchor="ctr"/>
+          <a:lstStyle>
+            <a:lvl1pPr algn="l">
+              <a:defRPr sz="2000" b="0">
+                <a:solidFill>
+                  <a:schemeClr val="accent1">
+                    <a:lumMod val="75000"/>
+                    <a:lumOff val="25000"/>
+                  </a:schemeClr>
+                </a:solidFill>
+              </a:defRPr>
+            </a:lvl1pPr>
+          </a:lstStyle>
+          <a:p>
+            <a:r>
+              <a:rPr lang="en-US"/>
+              <a:t>Click to edit Master title style</a:t>
+            </a:r>
+            <a:endParaRPr lang="en-US" dirty="0"/>
+          </a:p>
+        </p:txBody>
+      </p:sp>
+      <p:sp>
+        <p:nvSpPr>
+          <p:cNvPr id="3" name="Content Placeholder 2"/>
+          <p:cNvSpPr>
+            <a:spLocks noGrp="1"/>
+          </p:cNvSpPr>
+          <p:nvPr>
+            <p:ph idx="1"/>
+          </p:nvPr>
+        </p:nvSpPr>
+        <p:spPr>
+          <a:xfrm>
+            <a:off x="446399" y="601200"/>
+            <a:ext cx="8240400" cy="4204800"/>
+          </a:xfrm>
+        </p:spPr>
+        <p:txBody>
+          <a:bodyPr anchor="ctr">
+            <a:normAutofit/>
+          </a:bodyPr>
+          <a:lstStyle>
+            <a:lvl1pPr>
+              <a:defRPr sz="2000">
+                <a:solidFill>
+                  <a:schemeClr val="tx2"/>
+                </a:solidFill>
+              </a:defRPr>
+            </a:lvl1pPr>
+            <a:lvl2pPr>
+              <a:defRPr sz="1800">
+                <a:solidFill>
+                  <a:schemeClr val="tx2"/>
+                </a:solidFill>
+              </a:defRPr>
+            </a:lvl2pPr>
+            <a:lvl3pPr>
+              <a:defRPr sz="1600">
+                <a:solidFill>
+                  <a:schemeClr val="tx2"/>
+                </a:solidFill>
+              </a:defRPr>
+            </a:lvl3pPr>
+            <a:lvl4pPr>
+              <a:defRPr sz="1400">
+                <a:solidFill>
+                  <a:schemeClr val="tx2"/>
+                </a:solidFill>
+              </a:defRPr>
+            </a:lvl4pPr>
+            <a:lvl5pPr>
+              <a:defRPr sz="1400">
+                <a:solidFill>
+                  <a:schemeClr val="tx2"/>
+                </a:solidFill>
+              </a:defRPr>
+            </a:lvl5pPr>
+            <a:lvl6pPr>
+              <a:defRPr sz="1400">
+                <a:solidFill>
+                  <a:schemeClr val="tx2"/>
+                </a:solidFill>
+              </a:defRPr>
+            </a:lvl6pPr>
+            <a:lvl7pPr>
+              <a:defRPr sz="1400">
+                <a:solidFill>
+                  <a:schemeClr val="tx2"/>
+                </a:solidFill>
+              </a:defRPr>
+            </a:lvl7pPr>
+            <a:lvl8pPr>
+              <a:defRPr sz="1400">
+                <a:solidFill>
+                  <a:schemeClr val="tx2"/>
+                </a:solidFill>
+              </a:defRPr>
+            </a:lvl8pPr>
+            <a:lvl9pPr>
+              <a:defRPr sz="1400">
+                <a:solidFill>
+                  <a:schemeClr val="tx2"/>
+                </a:solidFill>
+              </a:defRPr>
+            </a:lvl9pPr>
+          </a:lstStyle>
+          <a:p>
+            <a:pPr lvl="0"/>
+            <a:r>
+              <a:rPr lang="en-US"/>
+              <a:t>Edit Master text styles</a:t>
+            </a:r>
+          </a:p>
+          <a:p>
+            <a:pPr lvl="1"/>
+            <a:r>
+              <a:rPr lang="en-US"/>
+              <a:t>Second level</a:t>
+            </a:r>
+          </a:p>
+          <a:p>
+            <a:pPr lvl="2"/>
+            <a:r>
+              <a:rPr lang="en-US"/>
+              <a:t>Third level</a:t>
+            </a:r>
+          </a:p>
+          <a:p>
+            <a:pPr lvl="3"/>
+            <a:r>
+              <a:rPr lang="en-US"/>
+              <a:t>Fourth level</a:t>
+            </a:r>
+          </a:p>
+          <a:p>
+            <a:pPr lvl="4"/>
+            <a:r>
+              <a:rPr lang="en-US"/>
+              <a:t>Fifth level</a:t>
+            </a:r>
+            <a:endParaRPr lang="en-US" dirty="0"/>
+          </a:p>
+        </p:txBody>
+      </p:sp>
+      <p:sp>
+        <p:nvSpPr>
+          <p:cNvPr id="4" name="Text Placeholder 3"/>
+          <p:cNvSpPr>
+            <a:spLocks noGrp="1"/>
+          </p:cNvSpPr>
+          <p:nvPr>
+            <p:ph type="body" sz="half" idx="2"/>
+          </p:nvPr>
+        </p:nvSpPr>
+        <p:spPr>
+          <a:xfrm>
+            <a:off x="4305617" y="5262295"/>
+            <a:ext cx="4265327" cy="689515"/>
+          </a:xfrm>
+        </p:spPr>
+        <p:txBody>
+          <a:bodyPr anchor="ctr">
+            <a:normAutofit/>
+          </a:bodyPr>
+          <a:lstStyle>
+            <a:lvl1pPr marL="0" indent="0" algn="r">
+              <a:buNone/>
+              <a:defRPr sz="1100">
+                <a:solidFill>
+                  <a:schemeClr val="bg1"/>
+                </a:solidFill>
+              </a:defRPr>
+            </a:lvl1pPr>
+            <a:lvl2pPr marL="457200" indent="0">
+              <a:buNone/>
+              <a:defRPr sz="1100"/>
+            </a:lvl2pPr>
+            <a:lvl3pPr marL="914400" indent="0">
+              <a:buNone/>
+              <a:defRPr sz="1000"/>
+            </a:lvl3pPr>
+            <a:lvl4pPr marL="1371600" indent="0">
+              <a:buNone/>
+              <a:defRPr sz="900"/>
+            </a:lvl4pPr>
+            <a:lvl5pPr marL="1828800" indent="0">
+              <a:buNone/>
+              <a:defRPr sz="900"/>
+            </a:lvl5pPr>
+            <a:lvl6pPr marL="2286000" indent="0">
+              <a:buNone/>
+              <a:defRPr sz="900"/>
+            </a:lvl6pPr>
+            <a:lvl7pPr marL="2743200" indent="0">
+              <a:buNone/>
+              <a:defRPr sz="900"/>
+            </a:lvl7pPr>
+            <a:lvl8pPr marL="3200400" indent="0">
+              <a:buNone/>
+              <a:defRPr sz="900"/>
+            </a:lvl8pPr>
+            <a:lvl9pPr marL="3657600" indent="0">
+              <a:buNone/>
+              <a:defRPr sz="900"/>
+            </a:lvl9pPr>
+          </a:lstStyle>
+          <a:p>
+            <a:pPr lvl="0"/>
+            <a:r>
+              <a:rPr lang="en-US"/>
+              <a:t>Edit Master text styles</a:t>
+            </a:r>
+          </a:p>
+        </p:txBody>
+      </p:sp>
+      <p:sp>
+        <p:nvSpPr>
+          <p:cNvPr id="5" name="Date Placeholder 4"/>
+          <p:cNvSpPr>
+            <a:spLocks noGrp="1"/>
+          </p:cNvSpPr>
+          <p:nvPr>
+            <p:ph type="dt" sz="half" idx="10"/>
+          </p:nvPr>
+        </p:nvSpPr>
+        <p:spPr>
+          <a:xfrm>
+            <a:off x="5559327" y="5956136"/>
+            <a:ext cx="2133600" cy="365125"/>
+          </a:xfrm>
+          <a:prstGeom prst="rect">
+            <a:avLst/>
+          </a:prstGeom>
+        </p:spPr>
+        <p:txBody>
+          <a:bodyPr/>
+          <a:lstStyle>
+            <a:lvl1pPr>
+              <a:defRPr>
+                <a:solidFill>
+                  <a:schemeClr val="accent1">
+                    <a:lumMod val="75000"/>
+                    <a:lumOff val="25000"/>
+                  </a:schemeClr>
+                </a:solidFill>
+              </a:defRPr>
+            </a:lvl1pPr>
+          </a:lstStyle>
+          <a:p>
+            <a:fld id="{B04F4604-7033-4677-BB91-CF66BFAEB38E}" type="datetime1">
+              <a:rPr lang="en-US" smtClean="0"/>
+              <a:t>6/11/18</a:t>
+            </a:fld>
+            <a:endParaRPr lang="en-US"/>
+          </a:p>
+        </p:txBody>
+      </p:sp>
+      <p:sp>
+        <p:nvSpPr>
+          <p:cNvPr id="6" name="Footer Placeholder 5"/>
+          <p:cNvSpPr>
+            <a:spLocks noGrp="1"/>
+          </p:cNvSpPr>
+          <p:nvPr>
+            <p:ph type="ftr" sz="quarter" idx="11"/>
+          </p:nvPr>
+        </p:nvSpPr>
+        <p:spPr>
+          <a:xfrm>
+            <a:off x="581192" y="5951810"/>
+            <a:ext cx="4870585" cy="365125"/>
+          </a:xfrm>
+          <a:prstGeom prst="rect">
+            <a:avLst/>
+          </a:prstGeom>
+        </p:spPr>
+        <p:txBody>
+          <a:bodyPr/>
+          <a:lstStyle>
+            <a:lvl1pPr>
+              <a:defRPr>
+                <a:solidFill>
+                  <a:schemeClr val="accent1">
+                    <a:lumMod val="75000"/>
+                    <a:lumOff val="25000"/>
+                  </a:schemeClr>
+                </a:solidFill>
+              </a:defRPr>
+            </a:lvl1pPr>
+          </a:lstStyle>
+          <a:p>
+            <a:r>
+              <a:rPr lang="en-US"/>
+              <a:t>© 2018, FLL Tutorials, Last Edit 6/11/2018</a:t>
+            </a:r>
+          </a:p>
+        </p:txBody>
+      </p:sp>
+      <p:sp>
+        <p:nvSpPr>
+          <p:cNvPr id="7" name="Slide Number Placeholder 6"/>
+          <p:cNvSpPr>
+            <a:spLocks noGrp="1"/>
+          </p:cNvSpPr>
+          <p:nvPr>
+            <p:ph type="sldNum" sz="quarter" idx="12"/>
+          </p:nvPr>
+        </p:nvSpPr>
+        <p:spPr>
+          <a:xfrm>
+            <a:off x="7800476" y="5956136"/>
+            <a:ext cx="770468" cy="365125"/>
+          </a:xfrm>
+          <a:prstGeom prst="rect">
+            <a:avLst/>
+          </a:prstGeom>
+        </p:spPr>
+        <p:txBody>
+          <a:bodyPr/>
+          <a:lstStyle>
+            <a:lvl1pPr>
+              <a:defRPr>
+                <a:solidFill>
+                  <a:schemeClr val="accent1">
+                    <a:lumMod val="75000"/>
+                    <a:lumOff val="25000"/>
+                  </a:schemeClr>
+                </a:solidFill>
+              </a:defRPr>
+            </a:lvl1pPr>
+          </a:lstStyle>
+          <a:p>
+            <a:fld id="{4DBC7FC8-25FB-FC45-8177-2B991DA6778C}" type="slidenum">
+              <a:rPr lang="en-US" smtClean="0"/>
+              <a:t>‹#›</a:t>
+            </a:fld>
+            <a:endParaRPr lang="en-US"/>
+          </a:p>
+        </p:txBody>
+      </p:sp>
+    </p:spTree>
+    <p:extLst>
+      <p:ext uri="{BB962C8B-B14F-4D97-AF65-F5344CB8AC3E}">
+        <p14:creationId xmlns:p14="http://schemas.microsoft.com/office/powerpoint/2010/main" val="2013135109"/>
+      </p:ext>
+    </p:extLst>
+  </p:cSld>
+  <p:clrMapOvr>
+    <a:masterClrMapping/>
+  </p:clrMapOvr>
+</p:sldLayout>
+</file>
+
+<file path=ppt/slideLayouts/slideLayout75.xml><?xml version="1.0" encoding="utf-8"?>
+<p:sldLayout xmlns:a="http://schemas.openxmlformats.org/drawingml/2006/main" xmlns:r="http://schemas.openxmlformats.org/officeDocument/2006/relationships" xmlns:p="http://schemas.openxmlformats.org/presentationml/2006/main" type="picTx" preserve="1">
+  <p:cSld name="Picture with Caption">
+    <p:spTree>
+      <p:nvGrpSpPr>
+        <p:cNvPr id="1" name=""/>
+        <p:cNvGrpSpPr/>
+        <p:nvPr/>
+      </p:nvGrpSpPr>
+      <p:grpSpPr>
+        <a:xfrm>
+          <a:off x="0" y="0"/>
+          <a:ext cx="0" cy="0"/>
+          <a:chOff x="0" y="0"/>
+          <a:chExt cx="0" cy="0"/>
+        </a:xfrm>
+      </p:grpSpPr>
+      <p:sp>
+        <p:nvSpPr>
+          <p:cNvPr id="2" name="Title 1"/>
+          <p:cNvSpPr>
+            <a:spLocks noGrp="1"/>
+          </p:cNvSpPr>
+          <p:nvPr>
+            <p:ph type="title"/>
+          </p:nvPr>
+        </p:nvSpPr>
+        <p:spPr>
+          <a:xfrm>
+            <a:off x="581192" y="4693389"/>
+            <a:ext cx="7989752" cy="566738"/>
+          </a:xfrm>
+        </p:spPr>
+        <p:txBody>
+          <a:bodyPr anchor="b">
+            <a:normAutofit/>
+          </a:bodyPr>
+          <a:lstStyle>
+            <a:lvl1pPr algn="l">
+              <a:defRPr sz="2400" b="0">
+                <a:solidFill>
+                  <a:schemeClr val="accent1"/>
+                </a:solidFill>
+              </a:defRPr>
+            </a:lvl1pPr>
+          </a:lstStyle>
+          <a:p>
+            <a:r>
+              <a:rPr lang="en-US"/>
+              <a:t>Click to edit Master title style</a:t>
+            </a:r>
+            <a:endParaRPr lang="en-US" dirty="0"/>
+          </a:p>
+        </p:txBody>
+      </p:sp>
+      <p:sp>
+        <p:nvSpPr>
+          <p:cNvPr id="3" name="Picture Placeholder 2"/>
+          <p:cNvSpPr>
+            <a:spLocks noGrp="1" noChangeAspect="1"/>
+          </p:cNvSpPr>
+          <p:nvPr>
+            <p:ph type="pic" idx="1"/>
+          </p:nvPr>
+        </p:nvSpPr>
+        <p:spPr>
+          <a:xfrm>
+            <a:off x="448093" y="599725"/>
+            <a:ext cx="8238706" cy="3557252"/>
+          </a:xfrm>
+        </p:spPr>
+        <p:txBody>
+          <a:bodyPr anchor="t">
+            <a:normAutofit/>
+          </a:bodyPr>
+          <a:lstStyle>
+            <a:lvl1pPr marL="0" indent="0" algn="ctr">
+              <a:buNone/>
+              <a:defRPr sz="1600"/>
+            </a:lvl1pPr>
+            <a:lvl2pPr marL="457200" indent="0">
+              <a:buNone/>
+              <a:defRPr sz="1600"/>
+            </a:lvl2pPr>
+            <a:lvl3pPr marL="914400" indent="0">
+              <a:buNone/>
+              <a:defRPr sz="1600"/>
+            </a:lvl3pPr>
+            <a:lvl4pPr marL="1371600" indent="0">
+              <a:buNone/>
+              <a:defRPr sz="1600"/>
+            </a:lvl4pPr>
+            <a:lvl5pPr marL="1828800" indent="0">
+              <a:buNone/>
+              <a:defRPr sz="1600"/>
+            </a:lvl5pPr>
+            <a:lvl6pPr marL="2286000" indent="0">
+              <a:buNone/>
+              <a:defRPr sz="1600"/>
+            </a:lvl6pPr>
+            <a:lvl7pPr marL="2743200" indent="0">
+              <a:buNone/>
+              <a:defRPr sz="1600"/>
+            </a:lvl7pPr>
+            <a:lvl8pPr marL="3200400" indent="0">
+              <a:buNone/>
+              <a:defRPr sz="1600"/>
+            </a:lvl8pPr>
+            <a:lvl9pPr marL="3657600" indent="0">
+              <a:buNone/>
+              <a:defRPr sz="1600"/>
+            </a:lvl9pPr>
+          </a:lstStyle>
+          <a:p>
+            <a:r>
+              <a:rPr lang="en-US"/>
+              <a:t>Click icon to add picture</a:t>
+            </a:r>
+            <a:endParaRPr lang="en-US" dirty="0"/>
+          </a:p>
+        </p:txBody>
+      </p:sp>
+      <p:sp>
+        <p:nvSpPr>
+          <p:cNvPr id="4" name="Text Placeholder 3"/>
+          <p:cNvSpPr>
+            <a:spLocks noGrp="1"/>
+          </p:cNvSpPr>
+          <p:nvPr>
+            <p:ph type="body" sz="half" idx="2"/>
+          </p:nvPr>
+        </p:nvSpPr>
+        <p:spPr>
+          <a:xfrm>
+            <a:off x="581192" y="5260126"/>
+            <a:ext cx="7989752" cy="598671"/>
+          </a:xfrm>
+        </p:spPr>
+        <p:txBody>
+          <a:bodyPr>
+            <a:normAutofit/>
+          </a:bodyPr>
+          <a:lstStyle>
+            <a:lvl1pPr marL="0" indent="0">
+              <a:buNone/>
+              <a:defRPr sz="1200"/>
+            </a:lvl1pPr>
+            <a:lvl2pPr marL="457200" indent="0">
+              <a:buNone/>
+              <a:defRPr sz="1200"/>
+            </a:lvl2pPr>
+            <a:lvl3pPr marL="914400" indent="0">
+              <a:buNone/>
+              <a:defRPr sz="1000"/>
+            </a:lvl3pPr>
+            <a:lvl4pPr marL="1371600" indent="0">
+              <a:buNone/>
+              <a:defRPr sz="900"/>
+            </a:lvl4pPr>
+            <a:lvl5pPr marL="1828800" indent="0">
+              <a:buNone/>
+              <a:defRPr sz="900"/>
+            </a:lvl5pPr>
+            <a:lvl6pPr marL="2286000" indent="0">
+              <a:buNone/>
+              <a:defRPr sz="900"/>
+            </a:lvl6pPr>
+            <a:lvl7pPr marL="2743200" indent="0">
+              <a:buNone/>
+              <a:defRPr sz="900"/>
+            </a:lvl7pPr>
+            <a:lvl8pPr marL="3200400" indent="0">
+              <a:buNone/>
+              <a:defRPr sz="900"/>
+            </a:lvl8pPr>
+            <a:lvl9pPr marL="3657600" indent="0">
+              <a:buNone/>
+              <a:defRPr sz="900"/>
+            </a:lvl9pPr>
+          </a:lstStyle>
+          <a:p>
+            <a:pPr lvl="0"/>
+            <a:r>
+              <a:rPr lang="en-US"/>
+              <a:t>Edit Master text styles</a:t>
+            </a:r>
+          </a:p>
+        </p:txBody>
+      </p:sp>
+      <p:sp>
+        <p:nvSpPr>
+          <p:cNvPr id="5" name="Date Placeholder 4"/>
+          <p:cNvSpPr>
+            <a:spLocks noGrp="1"/>
+          </p:cNvSpPr>
+          <p:nvPr>
+            <p:ph type="dt" sz="half" idx="10"/>
+          </p:nvPr>
+        </p:nvSpPr>
+        <p:spPr>
+          <a:xfrm>
+            <a:off x="5559327" y="5956136"/>
+            <a:ext cx="2133600" cy="365125"/>
+          </a:xfrm>
+          <a:prstGeom prst="rect">
+            <a:avLst/>
+          </a:prstGeom>
+        </p:spPr>
+        <p:txBody>
+          <a:bodyPr/>
+          <a:lstStyle/>
+          <a:p>
+            <a:fld id="{FF122D46-83CB-4FB8-B2F5-C4F7DEA85956}" type="datetime1">
+              <a:rPr lang="en-US" smtClean="0"/>
+              <a:t>6/11/18</a:t>
+            </a:fld>
+            <a:endParaRPr lang="en-US"/>
+          </a:p>
+        </p:txBody>
+      </p:sp>
+      <p:sp>
+        <p:nvSpPr>
+          <p:cNvPr id="6" name="Footer Placeholder 5"/>
+          <p:cNvSpPr>
+            <a:spLocks noGrp="1"/>
+          </p:cNvSpPr>
+          <p:nvPr>
+            <p:ph type="ftr" sz="quarter" idx="11"/>
+          </p:nvPr>
+        </p:nvSpPr>
+        <p:spPr>
+          <a:xfrm>
+            <a:off x="581192" y="5951810"/>
+            <a:ext cx="4870585" cy="365125"/>
+          </a:xfrm>
+          <a:prstGeom prst="rect">
+            <a:avLst/>
+          </a:prstGeom>
+        </p:spPr>
+        <p:txBody>
+          <a:bodyPr/>
+          <a:lstStyle/>
+          <a:p>
+            <a:r>
+              <a:rPr lang="en-US"/>
+              <a:t>© 2018, FLL Tutorials, Last Edit 6/11/2018</a:t>
+            </a:r>
+          </a:p>
+        </p:txBody>
+      </p:sp>
+      <p:sp>
+        <p:nvSpPr>
+          <p:cNvPr id="7" name="Slide Number Placeholder 6"/>
+          <p:cNvSpPr>
+            <a:spLocks noGrp="1"/>
+          </p:cNvSpPr>
+          <p:nvPr>
+            <p:ph type="sldNum" sz="quarter" idx="12"/>
+          </p:nvPr>
+        </p:nvSpPr>
+        <p:spPr>
+          <a:xfrm>
+            <a:off x="7800476" y="5956136"/>
+            <a:ext cx="770468" cy="365125"/>
+          </a:xfrm>
+          <a:prstGeom prst="rect">
+            <a:avLst/>
+          </a:prstGeom>
+        </p:spPr>
+        <p:txBody>
+          <a:bodyPr/>
+          <a:lstStyle/>
+          <a:p>
+            <a:fld id="{4DBC7FC8-25FB-FC45-8177-2B991DA6778C}" type="slidenum">
+              <a:rPr lang="en-US" smtClean="0"/>
+              <a:t>‹#›</a:t>
+            </a:fld>
+            <a:endParaRPr lang="en-US"/>
+          </a:p>
+        </p:txBody>
+      </p:sp>
+    </p:spTree>
+    <p:extLst>
+      <p:ext uri="{BB962C8B-B14F-4D97-AF65-F5344CB8AC3E}">
+        <p14:creationId xmlns:p14="http://schemas.microsoft.com/office/powerpoint/2010/main" val="2696169915"/>
+      </p:ext>
+    </p:extLst>
+  </p:cSld>
+  <p:clrMapOvr>
+    <a:masterClrMapping/>
+  </p:clrMapOvr>
+</p:sldLayout>
+</file>
+
+<file path=ppt/slideLayouts/slideLayout76.xml><?xml version="1.0" encoding="utf-8"?>
+<p:sldLayout xmlns:a="http://schemas.openxmlformats.org/drawingml/2006/main" xmlns:r="http://schemas.openxmlformats.org/officeDocument/2006/relationships" xmlns:p="http://schemas.openxmlformats.org/presentationml/2006/main" type="vertTx" preserve="1">
+  <p:cSld name="Title and Vertical Text">
+    <p:spTree>
+      <p:nvGrpSpPr>
+        <p:cNvPr id="1" name=""/>
+        <p:cNvGrpSpPr/>
+        <p:nvPr/>
+      </p:nvGrpSpPr>
+      <p:grpSpPr>
+        <a:xfrm>
+          <a:off x="0" y="0"/>
+          <a:ext cx="0" cy="0"/>
+          <a:chOff x="0" y="0"/>
+          <a:chExt cx="0" cy="0"/>
+        </a:xfrm>
+      </p:grpSpPr>
+      <p:sp>
+        <p:nvSpPr>
+          <p:cNvPr id="7" name="Rectangle 6"/>
+          <p:cNvSpPr>
+            <a:spLocks noChangeAspect="1"/>
+          </p:cNvSpPr>
+          <p:nvPr/>
+        </p:nvSpPr>
+        <p:spPr>
+          <a:xfrm>
+            <a:off x="448092" y="599725"/>
+            <a:ext cx="8238707" cy="1258827"/>
+          </a:xfrm>
+          <a:prstGeom prst="rect">
+            <a:avLst/>
+          </a:prstGeom>
+          <a:solidFill>
+            <a:schemeClr val="accent1"/>
+          </a:solidFill>
+          <a:ln>
+            <a:noFill/>
+          </a:ln>
+          <a:effectLst/>
+        </p:spPr>
+        <p:style>
+          <a:lnRef idx="1">
+            <a:schemeClr val="accent1"/>
+          </a:lnRef>
+          <a:fillRef idx="3">
+            <a:schemeClr val="accent1"/>
+          </a:fillRef>
+          <a:effectRef idx="2">
+            <a:schemeClr val="accent1"/>
+          </a:effectRef>
+          <a:fontRef idx="minor">
+            <a:schemeClr val="lt1"/>
+          </a:fontRef>
+        </p:style>
+      </p:sp>
+      <p:sp>
+        <p:nvSpPr>
+          <p:cNvPr id="2" name="Title 1"/>
+          <p:cNvSpPr>
+            <a:spLocks noGrp="1"/>
+          </p:cNvSpPr>
+          <p:nvPr>
+            <p:ph type="title"/>
+          </p:nvPr>
+        </p:nvSpPr>
+        <p:spPr/>
+        <p:txBody>
+          <a:bodyPr/>
+          <a:lstStyle/>
+          <a:p>
+            <a:r>
+              <a:rPr lang="en-US"/>
+              <a:t>Click to edit Master title style</a:t>
+            </a:r>
+            <a:endParaRPr lang="en-US" dirty="0"/>
+          </a:p>
+        </p:txBody>
+      </p:sp>
+      <p:sp>
+        <p:nvSpPr>
+          <p:cNvPr id="3" name="Vertical Text Placeholder 2"/>
+          <p:cNvSpPr>
+            <a:spLocks noGrp="1"/>
+          </p:cNvSpPr>
+          <p:nvPr>
+            <p:ph type="body" orient="vert" idx="1"/>
+          </p:nvPr>
+        </p:nvSpPr>
+        <p:spPr/>
+        <p:txBody>
+          <a:bodyPr vert="eaVert" anchor="t"/>
+          <a:lstStyle>
+            <a:lvl1pPr algn="l">
+              <a:defRPr/>
+            </a:lvl1pPr>
+            <a:lvl2pPr algn="l">
+              <a:defRPr/>
+            </a:lvl2pPr>
+            <a:lvl3pPr algn="l">
+              <a:defRPr/>
+            </a:lvl3pPr>
+            <a:lvl4pPr algn="l">
+              <a:defRPr/>
+            </a:lvl4pPr>
+            <a:lvl5pPr algn="l">
+              <a:defRPr/>
+            </a:lvl5pPr>
+          </a:lstStyle>
+          <a:p>
+            <a:pPr lvl="0"/>
+            <a:r>
+              <a:rPr lang="en-US"/>
+              <a:t>Edit Master text styles</a:t>
+            </a:r>
+          </a:p>
+          <a:p>
+            <a:pPr lvl="1"/>
+            <a:r>
+              <a:rPr lang="en-US"/>
+              <a:t>Second level</a:t>
+            </a:r>
+          </a:p>
+          <a:p>
+            <a:pPr lvl="2"/>
+            <a:r>
+              <a:rPr lang="en-US"/>
+              <a:t>Third level</a:t>
+            </a:r>
+          </a:p>
+          <a:p>
+            <a:pPr lvl="3"/>
+            <a:r>
+              <a:rPr lang="en-US"/>
+              <a:t>Fourth level</a:t>
+            </a:r>
+          </a:p>
+          <a:p>
+            <a:pPr lvl="4"/>
+            <a:r>
+              <a:rPr lang="en-US"/>
+              <a:t>Fifth level</a:t>
+            </a:r>
+            <a:endParaRPr lang="en-US" dirty="0"/>
+          </a:p>
+        </p:txBody>
+      </p:sp>
+      <p:sp>
+        <p:nvSpPr>
+          <p:cNvPr id="4" name="Date Placeholder 3"/>
+          <p:cNvSpPr>
+            <a:spLocks noGrp="1"/>
+          </p:cNvSpPr>
+          <p:nvPr>
+            <p:ph type="dt" sz="half" idx="10"/>
+          </p:nvPr>
+        </p:nvSpPr>
+        <p:spPr>
+          <a:xfrm>
+            <a:off x="5559327" y="5956136"/>
+            <a:ext cx="2133600" cy="365125"/>
+          </a:xfrm>
+          <a:prstGeom prst="rect">
+            <a:avLst/>
+          </a:prstGeom>
+        </p:spPr>
+        <p:txBody>
+          <a:bodyPr/>
+          <a:lstStyle/>
+          <a:p>
+            <a:fld id="{4A91ED1B-73F7-4D63-BDAE-5A2C3A784198}" type="datetime1">
+              <a:rPr lang="en-US" smtClean="0"/>
+              <a:t>6/11/18</a:t>
+            </a:fld>
+            <a:endParaRPr lang="en-US"/>
+          </a:p>
+        </p:txBody>
+      </p:sp>
+      <p:sp>
+        <p:nvSpPr>
+          <p:cNvPr id="5" name="Footer Placeholder 4"/>
+          <p:cNvSpPr>
+            <a:spLocks noGrp="1"/>
+          </p:cNvSpPr>
+          <p:nvPr>
+            <p:ph type="ftr" sz="quarter" idx="11"/>
+          </p:nvPr>
+        </p:nvSpPr>
+        <p:spPr>
+          <a:xfrm>
+            <a:off x="581192" y="5951810"/>
+            <a:ext cx="4870585" cy="365125"/>
+          </a:xfrm>
+          <a:prstGeom prst="rect">
+            <a:avLst/>
+          </a:prstGeom>
+        </p:spPr>
+        <p:txBody>
+          <a:bodyPr/>
+          <a:lstStyle/>
+          <a:p>
+            <a:r>
+              <a:rPr lang="en-US"/>
+              <a:t>© 2018, FLL Tutorials, Last Edit 6/11/2018</a:t>
+            </a:r>
+          </a:p>
+        </p:txBody>
+      </p:sp>
+      <p:sp>
+        <p:nvSpPr>
+          <p:cNvPr id="6" name="Slide Number Placeholder 5"/>
+          <p:cNvSpPr>
+            <a:spLocks noGrp="1"/>
+          </p:cNvSpPr>
+          <p:nvPr>
+            <p:ph type="sldNum" sz="quarter" idx="12"/>
+          </p:nvPr>
+        </p:nvSpPr>
+        <p:spPr>
+          <a:xfrm>
+            <a:off x="7800476" y="5956136"/>
+            <a:ext cx="770468" cy="365125"/>
+          </a:xfrm>
+          <a:prstGeom prst="rect">
+            <a:avLst/>
+          </a:prstGeom>
+        </p:spPr>
+        <p:txBody>
+          <a:bodyPr/>
+          <a:lstStyle/>
+          <a:p>
+            <a:fld id="{4DBC7FC8-25FB-FC45-8177-2B991DA6778C}" type="slidenum">
+              <a:rPr lang="en-US" smtClean="0"/>
+              <a:t>‹#›</a:t>
+            </a:fld>
+            <a:endParaRPr lang="en-US"/>
+          </a:p>
+        </p:txBody>
+      </p:sp>
+    </p:spTree>
+    <p:extLst>
+      <p:ext uri="{BB962C8B-B14F-4D97-AF65-F5344CB8AC3E}">
+        <p14:creationId xmlns:p14="http://schemas.microsoft.com/office/powerpoint/2010/main" val="954150561"/>
+      </p:ext>
+    </p:extLst>
+  </p:cSld>
+  <p:clrMapOvr>
+    <a:masterClrMapping/>
+  </p:clrMapOvr>
+</p:sldLayout>
+</file>
+
+<file path=ppt/slideLayouts/slideLayout77.xml><?xml version="1.0" encoding="utf-8"?>
+<p:sldLayout xmlns:a="http://schemas.openxmlformats.org/drawingml/2006/main" xmlns:r="http://schemas.openxmlformats.org/officeDocument/2006/relationships" xmlns:p="http://schemas.openxmlformats.org/presentationml/2006/main" type="vertTitleAndTx" preserve="1">
+  <p:cSld name="Vertical Title and Text">
+    <p:spTree>
+      <p:nvGrpSpPr>
+        <p:cNvPr id="1" name=""/>
+        <p:cNvGrpSpPr/>
+        <p:nvPr/>
+      </p:nvGrpSpPr>
+      <p:grpSpPr>
+        <a:xfrm>
+          <a:off x="0" y="0"/>
+          <a:ext cx="0" cy="0"/>
+          <a:chOff x="0" y="0"/>
+          <a:chExt cx="0" cy="0"/>
+        </a:xfrm>
+      </p:grpSpPr>
+      <p:sp>
+        <p:nvSpPr>
+          <p:cNvPr id="7" name="Rectangle 6"/>
+          <p:cNvSpPr>
+            <a:spLocks noChangeAspect="1"/>
+          </p:cNvSpPr>
+          <p:nvPr/>
+        </p:nvSpPr>
+        <p:spPr>
+          <a:xfrm>
+            <a:off x="6629400" y="599725"/>
+            <a:ext cx="2057399" cy="5816950"/>
+          </a:xfrm>
+          <a:prstGeom prst="rect">
+            <a:avLst/>
+          </a:prstGeom>
+          <a:solidFill>
+            <a:schemeClr val="accent1"/>
+          </a:solidFill>
+          <a:ln>
+            <a:noFill/>
+          </a:ln>
+          <a:effectLst/>
+        </p:spPr>
+        <p:style>
+          <a:lnRef idx="1">
+            <a:schemeClr val="accent1"/>
+          </a:lnRef>
+          <a:fillRef idx="3">
+            <a:schemeClr val="accent1"/>
+          </a:fillRef>
+          <a:effectRef idx="2">
+            <a:schemeClr val="accent1"/>
+          </a:effectRef>
+          <a:fontRef idx="minor">
+            <a:schemeClr val="lt1"/>
+          </a:fontRef>
+        </p:style>
+      </p:sp>
+      <p:sp>
+        <p:nvSpPr>
+          <p:cNvPr id="2" name="Vertical Title 1"/>
+          <p:cNvSpPr>
+            <a:spLocks noGrp="1"/>
+          </p:cNvSpPr>
+          <p:nvPr>
+            <p:ph type="title" orient="vert"/>
+          </p:nvPr>
+        </p:nvSpPr>
+        <p:spPr>
+          <a:xfrm>
+            <a:off x="6629400" y="675725"/>
+            <a:ext cx="1503123" cy="5183073"/>
+          </a:xfrm>
+        </p:spPr>
+        <p:txBody>
+          <a:bodyPr vert="eaVert"/>
+          <a:lstStyle/>
+          <a:p>
+            <a:r>
+              <a:rPr lang="en-US"/>
+              <a:t>Click to edit Master title style</a:t>
+            </a:r>
+            <a:endParaRPr lang="en-US" dirty="0"/>
+          </a:p>
+        </p:txBody>
+      </p:sp>
+      <p:sp>
+        <p:nvSpPr>
+          <p:cNvPr id="3" name="Vertical Text Placeholder 2"/>
+          <p:cNvSpPr>
+            <a:spLocks noGrp="1"/>
+          </p:cNvSpPr>
+          <p:nvPr>
+            <p:ph type="body" orient="vert" idx="1"/>
+          </p:nvPr>
+        </p:nvSpPr>
+        <p:spPr>
+          <a:xfrm>
+            <a:off x="581192" y="675725"/>
+            <a:ext cx="5922209" cy="5183073"/>
+          </a:xfrm>
+        </p:spPr>
+        <p:txBody>
+          <a:bodyPr vert="eaVert" anchor="t"/>
+          <a:lstStyle/>
+          <a:p>
+            <a:pPr lvl="0"/>
+            <a:r>
+              <a:rPr lang="en-US"/>
+              <a:t>Edit Master text styles</a:t>
+            </a:r>
+          </a:p>
+          <a:p>
+            <a:pPr lvl="1"/>
+            <a:r>
+              <a:rPr lang="en-US"/>
+              <a:t>Second level</a:t>
+            </a:r>
+          </a:p>
+          <a:p>
+            <a:pPr lvl="2"/>
+            <a:r>
+              <a:rPr lang="en-US"/>
+              <a:t>Third level</a:t>
+            </a:r>
+          </a:p>
+          <a:p>
+            <a:pPr lvl="3"/>
+            <a:r>
+              <a:rPr lang="en-US"/>
+              <a:t>Fourth level</a:t>
+            </a:r>
+          </a:p>
+          <a:p>
+            <a:pPr lvl="4"/>
+            <a:r>
+              <a:rPr lang="en-US"/>
+              <a:t>Fifth level</a:t>
+            </a:r>
+            <a:endParaRPr lang="en-US" dirty="0"/>
+          </a:p>
+        </p:txBody>
+      </p:sp>
+      <p:sp>
+        <p:nvSpPr>
+          <p:cNvPr id="4" name="Date Placeholder 3"/>
+          <p:cNvSpPr>
+            <a:spLocks noGrp="1"/>
+          </p:cNvSpPr>
+          <p:nvPr>
+            <p:ph type="dt" sz="half" idx="10"/>
+          </p:nvPr>
+        </p:nvSpPr>
+        <p:spPr>
+          <a:xfrm>
+            <a:off x="6745255" y="5956136"/>
+            <a:ext cx="947672" cy="365125"/>
+          </a:xfrm>
+          <a:prstGeom prst="rect">
+            <a:avLst/>
+          </a:prstGeom>
+        </p:spPr>
+        <p:txBody>
+          <a:bodyPr/>
+          <a:lstStyle>
+            <a:lvl1pPr>
+              <a:defRPr>
+                <a:solidFill>
+                  <a:schemeClr val="accent1">
+                    <a:lumMod val="75000"/>
+                    <a:lumOff val="25000"/>
+                  </a:schemeClr>
+                </a:solidFill>
+              </a:defRPr>
+            </a:lvl1pPr>
+          </a:lstStyle>
+          <a:p>
+            <a:fld id="{27D7011D-52F7-4023-8B6B-5220E4BAD453}" type="datetime1">
+              <a:rPr lang="en-US" smtClean="0"/>
+              <a:t>6/11/18</a:t>
+            </a:fld>
+            <a:endParaRPr lang="en-US"/>
+          </a:p>
+        </p:txBody>
+      </p:sp>
+      <p:sp>
+        <p:nvSpPr>
+          <p:cNvPr id="5" name="Footer Placeholder 4"/>
+          <p:cNvSpPr>
+            <a:spLocks noGrp="1"/>
+          </p:cNvSpPr>
+          <p:nvPr>
+            <p:ph type="ftr" sz="quarter" idx="11"/>
+          </p:nvPr>
+        </p:nvSpPr>
+        <p:spPr>
+          <a:xfrm>
+            <a:off x="581192" y="5951810"/>
+            <a:ext cx="5922209" cy="365125"/>
+          </a:xfrm>
+          <a:prstGeom prst="rect">
+            <a:avLst/>
+          </a:prstGeom>
+        </p:spPr>
+        <p:txBody>
+          <a:bodyPr/>
+          <a:lstStyle/>
+          <a:p>
+            <a:r>
+              <a:rPr lang="en-US"/>
+              <a:t>© 2018, FLL Tutorials, Last Edit 6/11/2018</a:t>
+            </a:r>
+          </a:p>
+        </p:txBody>
+      </p:sp>
+      <p:sp>
+        <p:nvSpPr>
+          <p:cNvPr id="6" name="Slide Number Placeholder 5"/>
+          <p:cNvSpPr>
+            <a:spLocks noGrp="1"/>
+          </p:cNvSpPr>
+          <p:nvPr>
+            <p:ph type="sldNum" sz="quarter" idx="12"/>
+          </p:nvPr>
+        </p:nvSpPr>
+        <p:spPr>
+          <a:xfrm>
+            <a:off x="7800476" y="5956136"/>
+            <a:ext cx="770468" cy="365125"/>
+          </a:xfrm>
+          <a:prstGeom prst="rect">
+            <a:avLst/>
+          </a:prstGeom>
+        </p:spPr>
+        <p:txBody>
+          <a:bodyPr/>
+          <a:lstStyle>
+            <a:lvl1pPr>
+              <a:defRPr>
+                <a:solidFill>
+                  <a:schemeClr val="accent1">
+                    <a:lumMod val="75000"/>
+                    <a:lumOff val="25000"/>
+                  </a:schemeClr>
+                </a:solidFill>
+              </a:defRPr>
+            </a:lvl1pPr>
+          </a:lstStyle>
+          <a:p>
+            <a:fld id="{4DBC7FC8-25FB-FC45-8177-2B991DA6778C}" type="slidenum">
+              <a:rPr lang="en-US" smtClean="0"/>
+              <a:t>‹#›</a:t>
+            </a:fld>
+            <a:endParaRPr lang="en-US"/>
+          </a:p>
+        </p:txBody>
+      </p:sp>
+    </p:spTree>
+    <p:extLst>
+      <p:ext uri="{BB962C8B-B14F-4D97-AF65-F5344CB8AC3E}">
+        <p14:creationId xmlns:p14="http://schemas.microsoft.com/office/powerpoint/2010/main" val="4117712719"/>
       </p:ext>
     </p:extLst>
   </p:cSld>
@@ -18675,9 +22295,9 @@
           <a:bodyPr/>
           <a:lstStyle/>
           <a:p>
-            <a:fld id="{64452C4B-41DC-417D-9C48-88CCFCA60F0E}" type="datetime1">
+            <a:fld id="{CB23D568-1D2F-4DD9-9160-0DF45602DE04}" type="datetime1">
               <a:rPr lang="en-US" smtClean="0"/>
-              <a:t>6/7/18</a:t>
+              <a:t>6/11/18</a:t>
             </a:fld>
             <a:endParaRPr lang="en-US"/>
           </a:p>
@@ -18700,7 +22320,7 @@
           <a:p>
             <a:r>
               <a:rPr lang="en-US"/>
-              <a:t>© 2018, FLL Tutorials, Last Edit 7/13/2016</a:t>
+              <a:t>© 2018, FLL Tutorials, Last Edit 6/11/2018</a:t>
             </a:r>
           </a:p>
         </p:txBody>
@@ -18975,9 +22595,9 @@
           <a:bodyPr/>
           <a:lstStyle/>
           <a:p>
-            <a:fld id="{388EEB59-7260-4B95-AE1E-FDC46D7B4FD4}" type="datetime1">
+            <a:fld id="{15FFEEA4-3729-4E9A-B292-3EFB071C0976}" type="datetime1">
               <a:rPr lang="en-US" smtClean="0"/>
-              <a:t>6/7/18</a:t>
+              <a:t>6/11/18</a:t>
             </a:fld>
             <a:endParaRPr lang="en-US"/>
           </a:p>
@@ -19000,7 +22620,7 @@
           <a:p>
             <a:r>
               <a:rPr lang="en-US"/>
-              <a:t>© 2018, FLL Tutorials, Last Edit 7/13/2016</a:t>
+              <a:t>© 2018, FLL Tutorials, Last Edit 6/11/2018</a:t>
             </a:r>
           </a:p>
         </p:txBody>
@@ -19276,9 +22896,9 @@
             </a:lvl1pPr>
           </a:lstStyle>
           <a:p>
-            <a:fld id="{E2543D76-B615-4114-986E-68EE63EC5C7A}" type="datetime1">
+            <a:fld id="{DAB87264-29EA-4AFA-B938-D48B40A8AE01}" type="datetime1">
               <a:rPr lang="en-US" smtClean="0"/>
-              <a:t>6/7/18</a:t>
+              <a:t>6/11/18</a:t>
             </a:fld>
             <a:endParaRPr lang="en-US"/>
           </a:p>
@@ -19317,7 +22937,7 @@
           <a:p>
             <a:r>
               <a:rPr lang="en-US"/>
-              <a:t>© 2018, FLL Tutorials, Last Edit 7/13/2016</a:t>
+              <a:t>© 2018, FLL Tutorials, Last Edit 6/11/2018</a:t>
             </a:r>
           </a:p>
         </p:txBody>
@@ -19799,7 +23419,7 @@
     <p:sldLayoutId id="2147483845" r:id="rId10"/>
     <p:sldLayoutId id="2147483846" r:id="rId11"/>
   </p:sldLayoutIdLst>
-  <p:hf hdr="0" dt="0"/>
+  <p:hf sldNum="0" hdr="0" dt="0"/>
   <p:txStyles>
     <p:titleStyle>
       <a:lvl1pPr algn="l" defTabSz="914400" rtl="0" eaLnBrk="1" latinLnBrk="0" hangingPunct="1">
@@ -20228,9 +23848,9 @@
             </a:lvl1pPr>
           </a:lstStyle>
           <a:p>
-            <a:fld id="{D3A78B6B-B545-4D27-ABB4-4515487691D4}" type="datetime1">
+            <a:fld id="{E2A0F731-C666-44B8-9A47-D47185E1694B}" type="datetime1">
               <a:rPr lang="en-US" smtClean="0"/>
-              <a:t>6/7/18</a:t>
+              <a:t>6/11/18</a:t>
             </a:fld>
             <a:endParaRPr lang="en-US"/>
           </a:p>
@@ -20269,7 +23889,7 @@
           <a:p>
             <a:r>
               <a:rPr lang="en-US"/>
-              <a:t>© 2018, FLL Tutorials, Last Edit 7/13/2016</a:t>
+              <a:t>© 2018, FLL Tutorials, Last Edit 6/11/2018</a:t>
             </a:r>
           </a:p>
         </p:txBody>
@@ -20857,7 +24477,7 @@
     <p:sldLayoutId id="2147483857" r:id="rId10"/>
     <p:sldLayoutId id="2147483858" r:id="rId11"/>
   </p:sldLayoutIdLst>
-  <p:hf hdr="0" dt="0"/>
+  <p:hf sldNum="0" hdr="0" dt="0"/>
   <p:txStyles>
     <p:titleStyle>
       <a:lvl1pPr algn="l" defTabSz="914400" rtl="0" eaLnBrk="1" latinLnBrk="0" hangingPunct="1">
@@ -21286,9 +24906,9 @@
             </a:lvl1pPr>
           </a:lstStyle>
           <a:p>
-            <a:fld id="{6BB0A23C-7E20-40EF-9AF5-29287D989CA3}" type="datetime1">
+            <a:fld id="{50B6538E-8C39-44B9-A1A0-D2D25F1F318B}" type="datetime1">
               <a:rPr lang="en-US" smtClean="0"/>
-              <a:t>6/7/18</a:t>
+              <a:t>6/11/18</a:t>
             </a:fld>
             <a:endParaRPr lang="en-US"/>
           </a:p>
@@ -21329,7 +24949,7 @@
           <a:p>
             <a:r>
               <a:rPr lang="en-US"/>
-              <a:t>© 2018, FLL Tutorials, Last Edit 7/13/2016</a:t>
+              <a:t>© 2018, FLL Tutorials, Last Edit 6/11/2018</a:t>
             </a:r>
           </a:p>
         </p:txBody>
@@ -21396,7 +25016,7 @@
     <p:sldLayoutId id="2147483869" r:id="rId10"/>
     <p:sldLayoutId id="2147483870" r:id="rId11"/>
   </p:sldLayoutIdLst>
-  <p:hf hdr="0" dt="0"/>
+  <p:hf sldNum="0" hdr="0" dt="0"/>
   <p:txStyles>
     <p:titleStyle>
       <a:lvl1pPr algn="l" defTabSz="914400" rtl="0" eaLnBrk="1" latinLnBrk="0" hangingPunct="1">
@@ -21828,9 +25448,9 @@
             </a:lvl1pPr>
           </a:lstStyle>
           <a:p>
-            <a:fld id="{60DC0A4A-5F1B-4436-9378-D0E89C290226}" type="datetime1">
+            <a:fld id="{CDBDACD6-394F-4292-B47C-2F8270AE138A}" type="datetime1">
               <a:rPr lang="en-US" smtClean="0"/>
-              <a:t>6/7/18</a:t>
+              <a:t>6/11/18</a:t>
             </a:fld>
             <a:endParaRPr lang="en-US"/>
           </a:p>
@@ -21869,7 +25489,7 @@
           <a:p>
             <a:r>
               <a:rPr lang="en-US"/>
-              <a:t>© 2018, FLL Tutorials, Last Edit 7/13/2016</a:t>
+              <a:t>© 2018, FLL Tutorials, Last Edit 6/11/2018</a:t>
             </a:r>
           </a:p>
         </p:txBody>
@@ -22768,7 +26388,7 @@
     <p:sldLayoutId id="2147483881" r:id="rId10"/>
     <p:sldLayoutId id="2147483882" r:id="rId11"/>
   </p:sldLayoutIdLst>
-  <p:hf hdr="0" dt="0"/>
+  <p:hf sldNum="0" hdr="0" dt="0"/>
   <p:txStyles>
     <p:titleStyle>
       <a:lvl1pPr algn="l" defTabSz="914400" rtl="0" eaLnBrk="1" latinLnBrk="0" hangingPunct="1">
@@ -23197,9 +26817,9 @@
             </a:lvl1pPr>
           </a:lstStyle>
           <a:p>
-            <a:fld id="{E1B9294F-5E5E-4144-8893-363F5F0C613A}" type="datetime1">
+            <a:fld id="{272F0CC6-F7BB-4ABA-A8ED-AB16E737A846}" type="datetime1">
               <a:rPr lang="en-US" smtClean="0"/>
-              <a:t>6/7/18</a:t>
+              <a:t>6/11/18</a:t>
             </a:fld>
             <a:endParaRPr lang="en-US"/>
           </a:p>
@@ -23238,7 +26858,7 @@
           <a:p>
             <a:r>
               <a:rPr lang="en-US"/>
-              <a:t>© 2018, FLL Tutorials, Last Edit 7/13/2016</a:t>
+              <a:t>© 2018, FLL Tutorials, Last Edit 6/11/2018</a:t>
             </a:r>
           </a:p>
         </p:txBody>
@@ -23846,7 +27466,7 @@
     <p:sldLayoutId id="2147483893" r:id="rId10"/>
     <p:sldLayoutId id="2147483894" r:id="rId11"/>
   </p:sldLayoutIdLst>
-  <p:hf hdr="0" dt="0"/>
+  <p:hf sldNum="0" hdr="0" dt="0"/>
   <p:txStyles>
     <p:titleStyle>
       <a:lvl1pPr algn="l" defTabSz="914400" rtl="0" eaLnBrk="1" latinLnBrk="0" hangingPunct="1">
@@ -24275,9 +27895,9 @@
             </a:lvl1pPr>
           </a:lstStyle>
           <a:p>
-            <a:fld id="{996B63EE-A073-4903-A7A2-09E1C92551A2}" type="datetime1">
+            <a:fld id="{D466388A-4E02-4C6F-8DA9-9E25328FE79A}" type="datetime1">
               <a:rPr lang="en-US" smtClean="0"/>
-              <a:t>6/7/18</a:t>
+              <a:t>6/11/18</a:t>
             </a:fld>
             <a:endParaRPr lang="en-US"/>
           </a:p>
@@ -24318,7 +27938,7 @@
           <a:p>
             <a:r>
               <a:rPr lang="en-US"/>
-              <a:t>© 2018, FLL Tutorials, Last Edit 7/13/2016</a:t>
+              <a:t>© 2018, FLL Tutorials, Last Edit 6/11/2018</a:t>
             </a:r>
           </a:p>
         </p:txBody>
@@ -24385,7 +28005,7 @@
     <p:sldLayoutId id="2147483905" r:id="rId10"/>
     <p:sldLayoutId id="2147483906" r:id="rId11"/>
   </p:sldLayoutIdLst>
-  <p:hf hdr="0" dt="0"/>
+  <p:hf sldNum="0" hdr="0" dt="0"/>
   <p:txStyles>
     <p:titleStyle>
       <a:lvl1pPr algn="l" defTabSz="914400" rtl="0" eaLnBrk="1" latinLnBrk="0" hangingPunct="1">
@@ -24669,6 +28289,771 @@
 </p:sldMaster>
 </file>
 
+<file path=ppt/slideMasters/slideMaster7.xml><?xml version="1.0" encoding="utf-8"?>
+<p:sldMaster xmlns:a="http://schemas.openxmlformats.org/drawingml/2006/main" xmlns:r="http://schemas.openxmlformats.org/officeDocument/2006/relationships" xmlns:p="http://schemas.openxmlformats.org/presentationml/2006/main">
+  <p:cSld>
+    <p:bg>
+      <p:bgRef idx="1001">
+        <a:schemeClr val="bg1"/>
+      </p:bgRef>
+    </p:bg>
+    <p:spTree>
+      <p:nvGrpSpPr>
+        <p:cNvPr id="1" name=""/>
+        <p:cNvGrpSpPr/>
+        <p:nvPr/>
+      </p:nvGrpSpPr>
+      <p:grpSpPr>
+        <a:xfrm>
+          <a:off x="0" y="0"/>
+          <a:ext cx="0" cy="0"/>
+          <a:chOff x="0" y="0"/>
+          <a:chExt cx="0" cy="0"/>
+        </a:xfrm>
+      </p:grpSpPr>
+      <p:sp>
+        <p:nvSpPr>
+          <p:cNvPr id="2" name="Title Placeholder 1"/>
+          <p:cNvSpPr>
+            <a:spLocks noGrp="1"/>
+          </p:cNvSpPr>
+          <p:nvPr>
+            <p:ph type="title"/>
+          </p:nvPr>
+        </p:nvSpPr>
+        <p:spPr>
+          <a:xfrm>
+            <a:off x="581192" y="687474"/>
+            <a:ext cx="7989752" cy="1083329"/>
+          </a:xfrm>
+          <a:prstGeom prst="rect">
+            <a:avLst/>
+          </a:prstGeom>
+        </p:spPr>
+        <p:txBody>
+          <a:bodyPr vert="horz" lIns="91440" tIns="45720" rIns="91440" bIns="45720" rtlCol="0" anchor="b">
+            <a:normAutofit/>
+          </a:bodyPr>
+          <a:lstStyle/>
+          <a:p>
+            <a:r>
+              <a:rPr lang="en-US"/>
+              <a:t>Click to edit Master title style</a:t>
+            </a:r>
+            <a:endParaRPr lang="en-US" dirty="0"/>
+          </a:p>
+        </p:txBody>
+      </p:sp>
+      <p:sp>
+        <p:nvSpPr>
+          <p:cNvPr id="3" name="Text Placeholder 2"/>
+          <p:cNvSpPr>
+            <a:spLocks noGrp="1"/>
+          </p:cNvSpPr>
+          <p:nvPr>
+            <p:ph type="body" idx="1"/>
+          </p:nvPr>
+        </p:nvSpPr>
+        <p:spPr>
+          <a:xfrm>
+            <a:off x="581192" y="2228003"/>
+            <a:ext cx="7989752" cy="3630794"/>
+          </a:xfrm>
+          <a:prstGeom prst="rect">
+            <a:avLst/>
+          </a:prstGeom>
+        </p:spPr>
+        <p:txBody>
+          <a:bodyPr vert="horz" lIns="91440" tIns="45720" rIns="91440" bIns="45720" rtlCol="0" anchor="ctr">
+            <a:normAutofit/>
+          </a:bodyPr>
+          <a:lstStyle/>
+          <a:p>
+            <a:pPr lvl="0"/>
+            <a:r>
+              <a:rPr lang="en-US"/>
+              <a:t>Edit Master text styles</a:t>
+            </a:r>
+          </a:p>
+          <a:p>
+            <a:pPr lvl="1"/>
+            <a:r>
+              <a:rPr lang="en-US"/>
+              <a:t>Second level</a:t>
+            </a:r>
+          </a:p>
+          <a:p>
+            <a:pPr lvl="2"/>
+            <a:r>
+              <a:rPr lang="en-US"/>
+              <a:t>Third level</a:t>
+            </a:r>
+          </a:p>
+          <a:p>
+            <a:pPr lvl="3"/>
+            <a:r>
+              <a:rPr lang="en-US"/>
+              <a:t>Fourth level</a:t>
+            </a:r>
+          </a:p>
+          <a:p>
+            <a:pPr lvl="4"/>
+            <a:r>
+              <a:rPr lang="en-US"/>
+              <a:t>Fifth level</a:t>
+            </a:r>
+            <a:endParaRPr lang="en-US" dirty="0"/>
+          </a:p>
+        </p:txBody>
+      </p:sp>
+      <p:sp>
+        <p:nvSpPr>
+          <p:cNvPr id="9" name="Rectangle 8"/>
+          <p:cNvSpPr/>
+          <p:nvPr/>
+        </p:nvSpPr>
+        <p:spPr>
+          <a:xfrm>
+            <a:off x="448091" y="441325"/>
+            <a:ext cx="2719909" cy="108000"/>
+          </a:xfrm>
+          <a:prstGeom prst="rect">
+            <a:avLst/>
+          </a:prstGeom>
+          <a:solidFill>
+            <a:schemeClr val="accent1"/>
+          </a:solidFill>
+          <a:ln>
+            <a:noFill/>
+          </a:ln>
+          <a:effectLst/>
+        </p:spPr>
+        <p:style>
+          <a:lnRef idx="1">
+            <a:schemeClr val="accent1"/>
+          </a:lnRef>
+          <a:fillRef idx="3">
+            <a:schemeClr val="accent1"/>
+          </a:fillRef>
+          <a:effectRef idx="2">
+            <a:schemeClr val="accent1"/>
+          </a:effectRef>
+          <a:fontRef idx="minor">
+            <a:schemeClr val="lt1"/>
+          </a:fontRef>
+        </p:style>
+      </p:sp>
+      <p:sp>
+        <p:nvSpPr>
+          <p:cNvPr id="10" name="Rectangle 9"/>
+          <p:cNvSpPr/>
+          <p:nvPr/>
+        </p:nvSpPr>
+        <p:spPr>
+          <a:xfrm>
+            <a:off x="5976001" y="441325"/>
+            <a:ext cx="2710800" cy="108000"/>
+          </a:xfrm>
+          <a:prstGeom prst="rect">
+            <a:avLst/>
+          </a:prstGeom>
+          <a:solidFill>
+            <a:schemeClr val="accent4"/>
+          </a:solidFill>
+          <a:ln>
+            <a:noFill/>
+          </a:ln>
+          <a:effectLst/>
+        </p:spPr>
+        <p:style>
+          <a:lnRef idx="1">
+            <a:schemeClr val="accent1"/>
+          </a:lnRef>
+          <a:fillRef idx="3">
+            <a:schemeClr val="accent1"/>
+          </a:fillRef>
+          <a:effectRef idx="2">
+            <a:schemeClr val="accent1"/>
+          </a:effectRef>
+          <a:fontRef idx="minor">
+            <a:schemeClr val="lt1"/>
+          </a:fontRef>
+        </p:style>
+      </p:sp>
+      <p:sp>
+        <p:nvSpPr>
+          <p:cNvPr id="11" name="Rectangle 10"/>
+          <p:cNvSpPr/>
+          <p:nvPr/>
+        </p:nvSpPr>
+        <p:spPr>
+          <a:xfrm>
+            <a:off x="3216601" y="441325"/>
+            <a:ext cx="2710800" cy="108000"/>
+          </a:xfrm>
+          <a:prstGeom prst="rect">
+            <a:avLst/>
+          </a:prstGeom>
+          <a:solidFill>
+            <a:schemeClr val="accent2"/>
+          </a:solidFill>
+          <a:ln>
+            <a:noFill/>
+          </a:ln>
+          <a:effectLst/>
+        </p:spPr>
+        <p:style>
+          <a:lnRef idx="1">
+            <a:schemeClr val="accent1"/>
+          </a:lnRef>
+          <a:fillRef idx="3">
+            <a:schemeClr val="accent1"/>
+          </a:fillRef>
+          <a:effectRef idx="2">
+            <a:schemeClr val="accent1"/>
+          </a:effectRef>
+          <a:fontRef idx="minor">
+            <a:schemeClr val="lt1"/>
+          </a:fontRef>
+        </p:style>
+      </p:sp>
+      <p:sp>
+        <p:nvSpPr>
+          <p:cNvPr id="12" name="Date Placeholder 3">
+            <a:extLst>
+              <a:ext uri="{FF2B5EF4-FFF2-40B4-BE49-F238E27FC236}">
+                <a16:creationId xmlns:a16="http://schemas.microsoft.com/office/drawing/2014/main" id="{0AAE8D72-8133-BD4C-9ABB-B6CCBBAC2CA1}"/>
+              </a:ext>
+            </a:extLst>
+          </p:cNvPr>
+          <p:cNvSpPr>
+            <a:spLocks noGrp="1"/>
+          </p:cNvSpPr>
+          <p:nvPr>
+            <p:ph type="dt" sz="half" idx="2"/>
+          </p:nvPr>
+        </p:nvSpPr>
+        <p:spPr>
+          <a:xfrm>
+            <a:off x="5559327" y="6392242"/>
+            <a:ext cx="2133600" cy="365125"/>
+          </a:xfrm>
+          <a:prstGeom prst="rect">
+            <a:avLst/>
+          </a:prstGeom>
+        </p:spPr>
+        <p:txBody>
+          <a:bodyPr/>
+          <a:lstStyle>
+            <a:lvl1pPr>
+              <a:defRPr>
+                <a:solidFill>
+                  <a:schemeClr val="accent1">
+                    <a:lumMod val="75000"/>
+                    <a:lumOff val="25000"/>
+                  </a:schemeClr>
+                </a:solidFill>
+              </a:defRPr>
+            </a:lvl1pPr>
+          </a:lstStyle>
+          <a:p>
+            <a:fld id="{DAB87264-29EA-4AFA-B938-D48B40A8AE01}" type="datetime1">
+              <a:rPr lang="en-US" smtClean="0"/>
+              <a:t>6/11/18</a:t>
+            </a:fld>
+            <a:endParaRPr lang="en-US"/>
+          </a:p>
+        </p:txBody>
+      </p:sp>
+      <p:sp>
+        <p:nvSpPr>
+          <p:cNvPr id="13" name="Footer Placeholder 4">
+            <a:extLst>
+              <a:ext uri="{FF2B5EF4-FFF2-40B4-BE49-F238E27FC236}">
+                <a16:creationId xmlns:a16="http://schemas.microsoft.com/office/drawing/2014/main" id="{CAB9BFBD-8489-AA40-9E3F-B3F63A8BD518}"/>
+              </a:ext>
+            </a:extLst>
+          </p:cNvPr>
+          <p:cNvSpPr>
+            <a:spLocks noGrp="1"/>
+          </p:cNvSpPr>
+          <p:nvPr>
+            <p:ph type="ftr" sz="quarter" idx="3"/>
+          </p:nvPr>
+        </p:nvSpPr>
+        <p:spPr>
+          <a:xfrm>
+            <a:off x="581192" y="6387916"/>
+            <a:ext cx="4870585" cy="365125"/>
+          </a:xfrm>
+          <a:prstGeom prst="rect">
+            <a:avLst/>
+          </a:prstGeom>
+        </p:spPr>
+        <p:txBody>
+          <a:bodyPr/>
+          <a:lstStyle>
+            <a:lvl1pPr>
+              <a:defRPr>
+                <a:solidFill>
+                  <a:schemeClr val="accent1">
+                    <a:lumMod val="75000"/>
+                    <a:lumOff val="25000"/>
+                  </a:schemeClr>
+                </a:solidFill>
+              </a:defRPr>
+            </a:lvl1pPr>
+          </a:lstStyle>
+          <a:p>
+            <a:r>
+              <a:rPr lang="en-US"/>
+              <a:t>© 2018, FLL Tutorials, Last Edit 6/11/2018</a:t>
+            </a:r>
+          </a:p>
+        </p:txBody>
+      </p:sp>
+      <p:sp>
+        <p:nvSpPr>
+          <p:cNvPr id="14" name="Slide Number Placeholder 5">
+            <a:extLst>
+              <a:ext uri="{FF2B5EF4-FFF2-40B4-BE49-F238E27FC236}">
+                <a16:creationId xmlns:a16="http://schemas.microsoft.com/office/drawing/2014/main" id="{B04709EF-0344-434E-8D31-15D41ADEE43F}"/>
+              </a:ext>
+            </a:extLst>
+          </p:cNvPr>
+          <p:cNvSpPr>
+            <a:spLocks noGrp="1"/>
+          </p:cNvSpPr>
+          <p:nvPr>
+            <p:ph type="sldNum" sz="quarter" idx="4"/>
+          </p:nvPr>
+        </p:nvSpPr>
+        <p:spPr>
+          <a:xfrm>
+            <a:off x="7800476" y="6392242"/>
+            <a:ext cx="770468" cy="365125"/>
+          </a:xfrm>
+          <a:prstGeom prst="rect">
+            <a:avLst/>
+          </a:prstGeom>
+        </p:spPr>
+        <p:txBody>
+          <a:bodyPr/>
+          <a:lstStyle>
+            <a:lvl1pPr>
+              <a:defRPr>
+                <a:solidFill>
+                  <a:schemeClr val="accent1">
+                    <a:lumMod val="75000"/>
+                    <a:lumOff val="25000"/>
+                  </a:schemeClr>
+                </a:solidFill>
+              </a:defRPr>
+            </a:lvl1pPr>
+          </a:lstStyle>
+          <a:p>
+            <a:fld id="{4DBC7FC8-25FB-FC45-8177-2B991DA6778C}" type="slidenum">
+              <a:rPr lang="en-US" smtClean="0"/>
+              <a:t>‹#›</a:t>
+            </a:fld>
+            <a:endParaRPr lang="en-US"/>
+          </a:p>
+        </p:txBody>
+      </p:sp>
+    </p:spTree>
+    <p:extLst>
+      <p:ext uri="{BB962C8B-B14F-4D97-AF65-F5344CB8AC3E}">
+        <p14:creationId xmlns:p14="http://schemas.microsoft.com/office/powerpoint/2010/main" val="3988324095"/>
+      </p:ext>
+    </p:extLst>
+  </p:cSld>
+  <p:clrMap bg1="lt1" tx1="dk1" bg2="lt2" tx2="dk2" accent1="accent1" accent2="accent2" accent3="accent3" accent4="accent4" accent5="accent5" accent6="accent6" hlink="hlink" folHlink="folHlink"/>
+  <p:sldLayoutIdLst>
+    <p:sldLayoutId id="2147483908" r:id="rId1"/>
+    <p:sldLayoutId id="2147483909" r:id="rId2"/>
+    <p:sldLayoutId id="2147483910" r:id="rId3"/>
+    <p:sldLayoutId id="2147483911" r:id="rId4"/>
+    <p:sldLayoutId id="2147483912" r:id="rId5"/>
+    <p:sldLayoutId id="2147483913" r:id="rId6"/>
+    <p:sldLayoutId id="2147483914" r:id="rId7"/>
+    <p:sldLayoutId id="2147483915" r:id="rId8"/>
+    <p:sldLayoutId id="2147483916" r:id="rId9"/>
+    <p:sldLayoutId id="2147483917" r:id="rId10"/>
+    <p:sldLayoutId id="2147483918" r:id="rId11"/>
+  </p:sldLayoutIdLst>
+  <p:hf sldNum="0" hdr="0" dt="0"/>
+  <p:txStyles>
+    <p:titleStyle>
+      <a:lvl1pPr algn="l" defTabSz="457200" rtl="0" eaLnBrk="1" latinLnBrk="0" hangingPunct="1">
+        <a:spcBef>
+          <a:spcPct val="0"/>
+        </a:spcBef>
+        <a:buNone/>
+        <a:defRPr sz="2800" b="0" kern="1200" cap="all">
+          <a:solidFill>
+            <a:schemeClr val="bg1"/>
+          </a:solidFill>
+          <a:latin typeface="+mj-lt"/>
+          <a:ea typeface="+mj-ea"/>
+          <a:cs typeface="+mj-cs"/>
+        </a:defRPr>
+      </a:lvl1pPr>
+      <a:lvl2pPr eaLnBrk="1" hangingPunct="1">
+        <a:defRPr>
+          <a:solidFill>
+            <a:schemeClr val="tx2"/>
+          </a:solidFill>
+        </a:defRPr>
+      </a:lvl2pPr>
+      <a:lvl3pPr eaLnBrk="1" hangingPunct="1">
+        <a:defRPr>
+          <a:solidFill>
+            <a:schemeClr val="tx2"/>
+          </a:solidFill>
+        </a:defRPr>
+      </a:lvl3pPr>
+      <a:lvl4pPr eaLnBrk="1" hangingPunct="1">
+        <a:defRPr>
+          <a:solidFill>
+            <a:schemeClr val="tx2"/>
+          </a:solidFill>
+        </a:defRPr>
+      </a:lvl4pPr>
+      <a:lvl5pPr eaLnBrk="1" hangingPunct="1">
+        <a:defRPr>
+          <a:solidFill>
+            <a:schemeClr val="tx2"/>
+          </a:solidFill>
+        </a:defRPr>
+      </a:lvl5pPr>
+      <a:lvl6pPr eaLnBrk="1" hangingPunct="1">
+        <a:defRPr>
+          <a:solidFill>
+            <a:schemeClr val="tx2"/>
+          </a:solidFill>
+        </a:defRPr>
+      </a:lvl6pPr>
+      <a:lvl7pPr eaLnBrk="1" hangingPunct="1">
+        <a:defRPr>
+          <a:solidFill>
+            <a:schemeClr val="tx2"/>
+          </a:solidFill>
+        </a:defRPr>
+      </a:lvl7pPr>
+      <a:lvl8pPr eaLnBrk="1" hangingPunct="1">
+        <a:defRPr>
+          <a:solidFill>
+            <a:schemeClr val="tx2"/>
+          </a:solidFill>
+        </a:defRPr>
+      </a:lvl8pPr>
+      <a:lvl9pPr eaLnBrk="1" hangingPunct="1">
+        <a:defRPr>
+          <a:solidFill>
+            <a:schemeClr val="tx2"/>
+          </a:solidFill>
+        </a:defRPr>
+      </a:lvl9pPr>
+    </p:titleStyle>
+    <p:bodyStyle>
+      <a:lvl1pPr marL="306000" indent="-306000" algn="l" defTabSz="457200" rtl="0" eaLnBrk="1" latinLnBrk="0" hangingPunct="1">
+        <a:spcBef>
+          <a:spcPct val="20000"/>
+        </a:spcBef>
+        <a:spcAft>
+          <a:spcPts val="600"/>
+        </a:spcAft>
+        <a:buClr>
+          <a:schemeClr val="accent2"/>
+        </a:buClr>
+        <a:buSzPct val="92000"/>
+        <a:buFont typeface="Wingdings 2" panose="05020102010507070707" pitchFamily="18" charset="2"/>
+        <a:buChar char=""/>
+        <a:defRPr sz="1800" kern="1200">
+          <a:solidFill>
+            <a:schemeClr val="tx2"/>
+          </a:solidFill>
+          <a:latin typeface="+mn-lt"/>
+          <a:ea typeface="+mn-ea"/>
+          <a:cs typeface="+mn-cs"/>
+        </a:defRPr>
+      </a:lvl1pPr>
+      <a:lvl2pPr marL="630000" indent="-306000" algn="l" defTabSz="457200" rtl="0" eaLnBrk="1" latinLnBrk="0" hangingPunct="1">
+        <a:spcBef>
+          <a:spcPct val="20000"/>
+        </a:spcBef>
+        <a:spcAft>
+          <a:spcPts val="600"/>
+        </a:spcAft>
+        <a:buClr>
+          <a:schemeClr val="accent2"/>
+        </a:buClr>
+        <a:buSzPct val="92000"/>
+        <a:buFont typeface="Wingdings 2" panose="05020102010507070707" pitchFamily="18" charset="2"/>
+        <a:buChar char=""/>
+        <a:defRPr sz="1600" kern="1200">
+          <a:solidFill>
+            <a:schemeClr val="tx2"/>
+          </a:solidFill>
+          <a:latin typeface="+mn-lt"/>
+          <a:ea typeface="+mn-ea"/>
+          <a:cs typeface="+mn-cs"/>
+        </a:defRPr>
+      </a:lvl2pPr>
+      <a:lvl3pPr marL="900000" indent="-270000" algn="l" defTabSz="457200" rtl="0" eaLnBrk="1" latinLnBrk="0" hangingPunct="1">
+        <a:spcBef>
+          <a:spcPct val="20000"/>
+        </a:spcBef>
+        <a:spcAft>
+          <a:spcPts val="600"/>
+        </a:spcAft>
+        <a:buClr>
+          <a:schemeClr val="accent2"/>
+        </a:buClr>
+        <a:buSzPct val="92000"/>
+        <a:buFont typeface="Wingdings 2" panose="05020102010507070707" pitchFamily="18" charset="2"/>
+        <a:buChar char=""/>
+        <a:defRPr sz="1400" kern="1200">
+          <a:solidFill>
+            <a:schemeClr val="tx2"/>
+          </a:solidFill>
+          <a:latin typeface="+mn-lt"/>
+          <a:ea typeface="+mn-ea"/>
+          <a:cs typeface="+mn-cs"/>
+        </a:defRPr>
+      </a:lvl3pPr>
+      <a:lvl4pPr marL="1242000" indent="-234000" algn="l" defTabSz="457200" rtl="0" eaLnBrk="1" latinLnBrk="0" hangingPunct="1">
+        <a:spcBef>
+          <a:spcPct val="20000"/>
+        </a:spcBef>
+        <a:spcAft>
+          <a:spcPts val="600"/>
+        </a:spcAft>
+        <a:buClr>
+          <a:schemeClr val="accent2"/>
+        </a:buClr>
+        <a:buSzPct val="92000"/>
+        <a:buFont typeface="Wingdings 2" panose="05020102010507070707" pitchFamily="18" charset="2"/>
+        <a:buChar char=""/>
+        <a:defRPr sz="1200" kern="1200">
+          <a:solidFill>
+            <a:schemeClr val="tx2"/>
+          </a:solidFill>
+          <a:latin typeface="+mn-lt"/>
+          <a:ea typeface="+mn-ea"/>
+          <a:cs typeface="+mn-cs"/>
+        </a:defRPr>
+      </a:lvl4pPr>
+      <a:lvl5pPr marL="1602000" indent="-234000" algn="l" defTabSz="457200" rtl="0" eaLnBrk="1" latinLnBrk="0" hangingPunct="1">
+        <a:spcBef>
+          <a:spcPct val="20000"/>
+        </a:spcBef>
+        <a:spcAft>
+          <a:spcPts val="600"/>
+        </a:spcAft>
+        <a:buClr>
+          <a:schemeClr val="accent2"/>
+        </a:buClr>
+        <a:buSzPct val="92000"/>
+        <a:buFont typeface="Wingdings 2" panose="05020102010507070707" pitchFamily="18" charset="2"/>
+        <a:buChar char=""/>
+        <a:defRPr sz="1200" kern="1200">
+          <a:solidFill>
+            <a:schemeClr val="tx2"/>
+          </a:solidFill>
+          <a:latin typeface="+mn-lt"/>
+          <a:ea typeface="+mn-ea"/>
+          <a:cs typeface="+mn-cs"/>
+        </a:defRPr>
+      </a:lvl5pPr>
+      <a:lvl6pPr marL="1900000" indent="-228600" algn="l" defTabSz="457200" rtl="0" eaLnBrk="1" latinLnBrk="0" hangingPunct="1">
+        <a:spcBef>
+          <a:spcPct val="20000"/>
+        </a:spcBef>
+        <a:spcAft>
+          <a:spcPts val="600"/>
+        </a:spcAft>
+        <a:buClr>
+          <a:schemeClr val="accent2"/>
+        </a:buClr>
+        <a:buSzPct val="92000"/>
+        <a:buFont typeface="Wingdings 2" panose="05020102010507070707" pitchFamily="18" charset="2"/>
+        <a:buChar char=""/>
+        <a:defRPr sz="1200" kern="1200">
+          <a:solidFill>
+            <a:schemeClr val="tx2"/>
+          </a:solidFill>
+          <a:latin typeface="+mn-lt"/>
+          <a:ea typeface="+mn-ea"/>
+          <a:cs typeface="+mn-cs"/>
+        </a:defRPr>
+      </a:lvl6pPr>
+      <a:lvl7pPr marL="2200000" indent="-228600" algn="l" defTabSz="457200" rtl="0" eaLnBrk="1" latinLnBrk="0" hangingPunct="1">
+        <a:spcBef>
+          <a:spcPct val="20000"/>
+        </a:spcBef>
+        <a:spcAft>
+          <a:spcPts val="600"/>
+        </a:spcAft>
+        <a:buClr>
+          <a:schemeClr val="accent2"/>
+        </a:buClr>
+        <a:buSzPct val="92000"/>
+        <a:buFont typeface="Wingdings 2" panose="05020102010507070707" pitchFamily="18" charset="2"/>
+        <a:buChar char=""/>
+        <a:defRPr sz="1200" kern="1200">
+          <a:solidFill>
+            <a:schemeClr val="tx2"/>
+          </a:solidFill>
+          <a:latin typeface="+mn-lt"/>
+          <a:ea typeface="+mn-ea"/>
+          <a:cs typeface="+mn-cs"/>
+        </a:defRPr>
+      </a:lvl7pPr>
+      <a:lvl8pPr marL="2500000" indent="-228600" algn="l" defTabSz="457200" rtl="0" eaLnBrk="1" latinLnBrk="0" hangingPunct="1">
+        <a:spcBef>
+          <a:spcPct val="20000"/>
+        </a:spcBef>
+        <a:spcAft>
+          <a:spcPts val="600"/>
+        </a:spcAft>
+        <a:buClr>
+          <a:schemeClr val="accent2"/>
+        </a:buClr>
+        <a:buSzPct val="92000"/>
+        <a:buFont typeface="Wingdings 2" panose="05020102010507070707" pitchFamily="18" charset="2"/>
+        <a:buChar char=""/>
+        <a:defRPr sz="1200" kern="1200">
+          <a:solidFill>
+            <a:schemeClr val="tx2"/>
+          </a:solidFill>
+          <a:latin typeface="+mn-lt"/>
+          <a:ea typeface="+mn-ea"/>
+          <a:cs typeface="+mn-cs"/>
+        </a:defRPr>
+      </a:lvl8pPr>
+      <a:lvl9pPr marL="2800000" indent="-228600" algn="l" defTabSz="457200" rtl="0" eaLnBrk="1" latinLnBrk="0" hangingPunct="1">
+        <a:spcBef>
+          <a:spcPct val="20000"/>
+        </a:spcBef>
+        <a:spcAft>
+          <a:spcPts val="600"/>
+        </a:spcAft>
+        <a:buClr>
+          <a:schemeClr val="accent2"/>
+        </a:buClr>
+        <a:buSzPct val="92000"/>
+        <a:buFont typeface="Wingdings 2" panose="05020102010507070707" pitchFamily="18" charset="2"/>
+        <a:buChar char=""/>
+        <a:defRPr sz="1200" kern="1200">
+          <a:solidFill>
+            <a:schemeClr val="tx2"/>
+          </a:solidFill>
+          <a:latin typeface="+mn-lt"/>
+          <a:ea typeface="+mn-ea"/>
+          <a:cs typeface="+mn-cs"/>
+        </a:defRPr>
+      </a:lvl9pPr>
+    </p:bodyStyle>
+    <p:otherStyle>
+      <a:defPPr>
+        <a:defRPr lang="en-US"/>
+      </a:defPPr>
+      <a:lvl1pPr marL="0" algn="l" defTabSz="457200" rtl="0" eaLnBrk="1" latinLnBrk="0" hangingPunct="1">
+        <a:defRPr sz="1800" kern="1200">
+          <a:solidFill>
+            <a:schemeClr val="tx1"/>
+          </a:solidFill>
+          <a:latin typeface="+mn-lt"/>
+          <a:ea typeface="+mn-ea"/>
+          <a:cs typeface="+mn-cs"/>
+        </a:defRPr>
+      </a:lvl1pPr>
+      <a:lvl2pPr marL="457200" algn="l" defTabSz="457200" rtl="0" eaLnBrk="1" latinLnBrk="0" hangingPunct="1">
+        <a:defRPr sz="1800" kern="1200">
+          <a:solidFill>
+            <a:schemeClr val="tx1"/>
+          </a:solidFill>
+          <a:latin typeface="+mn-lt"/>
+          <a:ea typeface="+mn-ea"/>
+          <a:cs typeface="+mn-cs"/>
+        </a:defRPr>
+      </a:lvl2pPr>
+      <a:lvl3pPr marL="914400" algn="l" defTabSz="457200" rtl="0" eaLnBrk="1" latinLnBrk="0" hangingPunct="1">
+        <a:defRPr sz="1800" kern="1200">
+          <a:solidFill>
+            <a:schemeClr val="tx1"/>
+          </a:solidFill>
+          <a:latin typeface="+mn-lt"/>
+          <a:ea typeface="+mn-ea"/>
+          <a:cs typeface="+mn-cs"/>
+        </a:defRPr>
+      </a:lvl3pPr>
+      <a:lvl4pPr marL="1371600" algn="l" defTabSz="457200" rtl="0" eaLnBrk="1" latinLnBrk="0" hangingPunct="1">
+        <a:defRPr sz="1800" kern="1200">
+          <a:solidFill>
+            <a:schemeClr val="tx1"/>
+          </a:solidFill>
+          <a:latin typeface="+mn-lt"/>
+          <a:ea typeface="+mn-ea"/>
+          <a:cs typeface="+mn-cs"/>
+        </a:defRPr>
+      </a:lvl4pPr>
+      <a:lvl5pPr marL="1828800" algn="l" defTabSz="457200" rtl="0" eaLnBrk="1" latinLnBrk="0" hangingPunct="1">
+        <a:defRPr sz="1800" kern="1200">
+          <a:solidFill>
+            <a:schemeClr val="tx1"/>
+          </a:solidFill>
+          <a:latin typeface="+mn-lt"/>
+          <a:ea typeface="+mn-ea"/>
+          <a:cs typeface="+mn-cs"/>
+        </a:defRPr>
+      </a:lvl5pPr>
+      <a:lvl6pPr marL="2286000" algn="l" defTabSz="457200" rtl="0" eaLnBrk="1" latinLnBrk="0" hangingPunct="1">
+        <a:defRPr sz="1800" kern="1200">
+          <a:solidFill>
+            <a:schemeClr val="tx1"/>
+          </a:solidFill>
+          <a:latin typeface="+mn-lt"/>
+          <a:ea typeface="+mn-ea"/>
+          <a:cs typeface="+mn-cs"/>
+        </a:defRPr>
+      </a:lvl6pPr>
+      <a:lvl7pPr marL="2743200" algn="l" defTabSz="457200" rtl="0" eaLnBrk="1" latinLnBrk="0" hangingPunct="1">
+        <a:defRPr sz="1800" kern="1200">
+          <a:solidFill>
+            <a:schemeClr val="tx1"/>
+          </a:solidFill>
+          <a:latin typeface="+mn-lt"/>
+          <a:ea typeface="+mn-ea"/>
+          <a:cs typeface="+mn-cs"/>
+        </a:defRPr>
+      </a:lvl7pPr>
+      <a:lvl8pPr marL="3200400" algn="l" defTabSz="457200" rtl="0" eaLnBrk="1" latinLnBrk="0" hangingPunct="1">
+        <a:defRPr sz="1800" kern="1200">
+          <a:solidFill>
+            <a:schemeClr val="tx1"/>
+          </a:solidFill>
+          <a:latin typeface="+mn-lt"/>
+          <a:ea typeface="+mn-ea"/>
+          <a:cs typeface="+mn-cs"/>
+        </a:defRPr>
+      </a:lvl8pPr>
+      <a:lvl9pPr marL="3657600" algn="l" defTabSz="457200" rtl="0" eaLnBrk="1" latinLnBrk="0" hangingPunct="1">
+        <a:defRPr sz="1800" kern="1200">
+          <a:solidFill>
+            <a:schemeClr val="tx1"/>
+          </a:solidFill>
+          <a:latin typeface="+mn-lt"/>
+          <a:ea typeface="+mn-ea"/>
+          <a:cs typeface="+mn-cs"/>
+        </a:defRPr>
+      </a:lvl9pPr>
+    </p:otherStyle>
+  </p:txStyles>
+</p:sldMaster>
+</file>
+
 <file path=ppt/slides/slide1.xml><?xml version="1.0" encoding="utf-8"?>
 <p:sld xmlns:a="http://schemas.openxmlformats.org/drawingml/2006/main" xmlns:r="http://schemas.openxmlformats.org/officeDocument/2006/relationships" xmlns:p="http://schemas.openxmlformats.org/presentationml/2006/main">
   <p:cSld>
@@ -24688,6 +29073,29 @@
       </p:grpSpPr>
       <p:sp>
         <p:nvSpPr>
+          <p:cNvPr id="3" name="Title 2"/>
+          <p:cNvSpPr>
+            <a:spLocks noGrp="1"/>
+          </p:cNvSpPr>
+          <p:nvPr>
+            <p:ph type="ctrTitle"/>
+          </p:nvPr>
+        </p:nvSpPr>
+        <p:spPr/>
+        <p:txBody>
+          <a:bodyPr/>
+          <a:lstStyle/>
+          <a:p>
+            <a:pPr algn="ctr"/>
+            <a:r>
+              <a:rPr lang="en-US" dirty="0"/>
+              <a:t>Robot DESIGN Lesson</a:t>
+            </a:r>
+          </a:p>
+        </p:txBody>
+      </p:sp>
+      <p:sp>
+        <p:nvSpPr>
           <p:cNvPr id="2" name="Subtitle 1"/>
           <p:cNvSpPr>
             <a:spLocks noGrp="1"/>
@@ -24708,58 +29116,6 @@
           </a:p>
         </p:txBody>
       </p:sp>
-      <p:sp>
-        <p:nvSpPr>
-          <p:cNvPr id="3" name="Title 2"/>
-          <p:cNvSpPr>
-            <a:spLocks noGrp="1"/>
-          </p:cNvSpPr>
-          <p:nvPr>
-            <p:ph type="ctrTitle"/>
-          </p:nvPr>
-        </p:nvSpPr>
-        <p:spPr/>
-        <p:txBody>
-          <a:bodyPr/>
-          <a:lstStyle/>
-          <a:p>
-            <a:pPr algn="ctr"/>
-            <a:r>
-              <a:rPr lang="en-US" dirty="0"/>
-              <a:t>Robot DESIGN Lesson</a:t>
-            </a:r>
-          </a:p>
-        </p:txBody>
-      </p:sp>
-      <p:pic>
-        <p:nvPicPr>
-          <p:cNvPr id="4" name="Picture 3"/>
-          <p:cNvPicPr>
-            <a:picLocks noChangeAspect="1"/>
-          </p:cNvPicPr>
-          <p:nvPr/>
-        </p:nvPicPr>
-        <p:blipFill rotWithShape="1">
-          <a:blip r:embed="rId2" cstate="email">
-            <a:extLst>
-              <a:ext uri="{28A0092B-C50C-407E-A947-70E740481C1C}">
-                <a14:useLocalDpi xmlns:a14="http://schemas.microsoft.com/office/drawing/2010/main" val="0"/>
-              </a:ext>
-            </a:extLst>
-          </a:blip>
-          <a:srcRect l="4523" t="17619" r="3095" b="25000"/>
-          <a:stretch/>
-        </p:blipFill>
-        <p:spPr>
-          <a:xfrm>
-            <a:off x="3793356" y="4564606"/>
-            <a:ext cx="1536320" cy="954261"/>
-          </a:xfrm>
-          <a:prstGeom prst="rect">
-            <a:avLst/>
-          </a:prstGeom>
-        </p:spPr>
-      </p:pic>
     </p:spTree>
     <p:extLst>
       <p:ext uri="{BB962C8B-B14F-4D97-AF65-F5344CB8AC3E}">
@@ -24832,7 +29188,9 @@
         </p:nvSpPr>
         <p:spPr/>
         <p:txBody>
-          <a:bodyPr/>
+          <a:bodyPr>
+            <a:normAutofit fontScale="90000"/>
+          </a:bodyPr>
           <a:lstStyle/>
           <a:p>
             <a:r>
@@ -24860,7 +29218,7 @@
         </p:spPr>
         <p:txBody>
           <a:bodyPr>
-            <a:normAutofit/>
+            <a:normAutofit fontScale="70000" lnSpcReduction="20000"/>
           </a:bodyPr>
           <a:lstStyle/>
           <a:p>
@@ -24902,31 +29260,8 @@
           <a:p>
             <a:r>
               <a:rPr lang="en-US"/>
-              <a:t>© 2018, FLL Tutorials, Last Edit 7/13/2016</a:t>
-            </a:r>
-          </a:p>
-        </p:txBody>
-      </p:sp>
-      <p:sp>
-        <p:nvSpPr>
-          <p:cNvPr id="5" name="Slide Number Placeholder 4"/>
-          <p:cNvSpPr>
-            <a:spLocks noGrp="1"/>
-          </p:cNvSpPr>
-          <p:nvPr>
-            <p:ph type="sldNum" sz="quarter" idx="12"/>
-          </p:nvPr>
-        </p:nvSpPr>
-        <p:spPr/>
-        <p:txBody>
-          <a:bodyPr/>
-          <a:lstStyle/>
-          <a:p>
-            <a:fld id="{4DBC7FC8-25FB-FC45-8177-2B991DA6778C}" type="slidenum">
-              <a:rPr lang="en-US" smtClean="0"/>
-              <a:t>2</a:t>
-            </a:fld>
-            <a:endParaRPr lang="en-US" dirty="0"/>
+              <a:t>© 2018, FLL Tutorials, Last Edit 6/11/2018</a:t>
+            </a:r>
           </a:p>
         </p:txBody>
       </p:sp>
@@ -25000,7 +29335,7 @@
         </p:spPr>
         <p:txBody>
           <a:bodyPr>
-            <a:normAutofit/>
+            <a:normAutofit fontScale="62500" lnSpcReduction="20000"/>
           </a:bodyPr>
           <a:lstStyle/>
           <a:p>
@@ -25076,31 +29411,8 @@
           <a:p>
             <a:r>
               <a:rPr lang="en-US"/>
-              <a:t>© 2018, FLL Tutorials, Last Edit 7/13/2016</a:t>
-            </a:r>
-          </a:p>
-        </p:txBody>
-      </p:sp>
-      <p:sp>
-        <p:nvSpPr>
-          <p:cNvPr id="5" name="Slide Number Placeholder 4"/>
-          <p:cNvSpPr>
-            <a:spLocks noGrp="1"/>
-          </p:cNvSpPr>
-          <p:nvPr>
-            <p:ph type="sldNum" sz="quarter" idx="12"/>
-          </p:nvPr>
-        </p:nvSpPr>
-        <p:spPr/>
-        <p:txBody>
-          <a:bodyPr/>
-          <a:lstStyle/>
-          <a:p>
-            <a:fld id="{4DBC7FC8-25FB-FC45-8177-2B991DA6778C}" type="slidenum">
-              <a:rPr lang="en-US" smtClean="0"/>
-              <a:t>3</a:t>
-            </a:fld>
-            <a:endParaRPr lang="en-US" dirty="0"/>
+              <a:t>© 2018, FLL Tutorials, Last Edit 6/11/2018</a:t>
+            </a:r>
           </a:p>
         </p:txBody>
       </p:sp>
@@ -25189,7 +29501,9 @@
         </p:nvSpPr>
         <p:spPr/>
         <p:txBody>
-          <a:bodyPr/>
+          <a:bodyPr>
+            <a:normAutofit fontScale="90000"/>
+          </a:bodyPr>
           <a:lstStyle/>
           <a:p>
             <a:r>
@@ -25217,7 +29531,7 @@
         </p:spPr>
         <p:txBody>
           <a:bodyPr>
-            <a:normAutofit lnSpcReduction="10000"/>
+            <a:normAutofit/>
           </a:bodyPr>
           <a:lstStyle/>
           <a:p>
@@ -25292,31 +29606,8 @@
           <a:p>
             <a:r>
               <a:rPr lang="en-US"/>
-              <a:t>© 2018, FLL Tutorials, Last Edit 7/13/2016</a:t>
-            </a:r>
-          </a:p>
-        </p:txBody>
-      </p:sp>
-      <p:sp>
-        <p:nvSpPr>
-          <p:cNvPr id="5" name="Slide Number Placeholder 4"/>
-          <p:cNvSpPr>
-            <a:spLocks noGrp="1"/>
-          </p:cNvSpPr>
-          <p:nvPr>
-            <p:ph type="sldNum" sz="quarter" idx="12"/>
-          </p:nvPr>
-        </p:nvSpPr>
-        <p:spPr/>
-        <p:txBody>
-          <a:bodyPr/>
-          <a:lstStyle/>
-          <a:p>
-            <a:fld id="{4DBC7FC8-25FB-FC45-8177-2B991DA6778C}" type="slidenum">
-              <a:rPr lang="en-US" smtClean="0"/>
-              <a:t>4</a:t>
-            </a:fld>
-            <a:endParaRPr lang="en-US" dirty="0"/>
+              <a:t>© 2018, FLL Tutorials, Last Edit 6/11/2018</a:t>
+            </a:r>
           </a:p>
         </p:txBody>
       </p:sp>
@@ -25471,13 +29762,13 @@
         </p:nvSpPr>
         <p:spPr>
           <a:xfrm>
-            <a:off x="457200" y="1201455"/>
-            <a:ext cx="4003432" cy="2465052"/>
+            <a:off x="457200" y="1543049"/>
+            <a:ext cx="4003432" cy="2123457"/>
           </a:xfrm>
         </p:spPr>
         <p:txBody>
           <a:bodyPr>
-            <a:normAutofit/>
+            <a:normAutofit fontScale="55000" lnSpcReduction="20000"/>
           </a:bodyPr>
           <a:lstStyle/>
           <a:p>
@@ -25512,32 +29803,9 @@
           <a:p>
             <a:r>
               <a:rPr lang="en-US"/>
-              <a:t>© 2018, FLL Tutorials, Last Edit 7/13/2016</a:t>
+              <a:t>© 2018, FLL Tutorials, Last Edit 6/11/2018</a:t>
             </a:r>
             <a:endParaRPr lang="en-US" dirty="0"/>
-          </a:p>
-        </p:txBody>
-      </p:sp>
-      <p:sp>
-        <p:nvSpPr>
-          <p:cNvPr id="3" name="Slide Number Placeholder 2"/>
-          <p:cNvSpPr>
-            <a:spLocks noGrp="1"/>
-          </p:cNvSpPr>
-          <p:nvPr>
-            <p:ph type="sldNum" sz="quarter" idx="12"/>
-          </p:nvPr>
-        </p:nvSpPr>
-        <p:spPr/>
-        <p:txBody>
-          <a:bodyPr/>
-          <a:lstStyle/>
-          <a:p>
-            <a:fld id="{7F5CE407-6216-4202-80E4-A30DC2F709B2}" type="slidenum">
-              <a:rPr lang="en-US" smtClean="0"/>
-              <a:t>5</a:t>
-            </a:fld>
-            <a:endParaRPr lang="en-US"/>
           </a:p>
         </p:txBody>
       </p:sp>
@@ -25714,6 +29982,35 @@
       </p:sp>
       <p:sp>
         <p:nvSpPr>
+          <p:cNvPr id="8" name="Content Placeholder 8"/>
+          <p:cNvSpPr>
+            <a:spLocks noGrp="1"/>
+          </p:cNvSpPr>
+          <p:nvPr>
+            <p:ph idx="1"/>
+          </p:nvPr>
+        </p:nvSpPr>
+        <p:spPr>
+          <a:xfrm>
+            <a:off x="457200" y="1495629"/>
+            <a:ext cx="8000183" cy="894045"/>
+          </a:xfrm>
+        </p:spPr>
+        <p:txBody>
+          <a:bodyPr>
+            <a:normAutofit fontScale="85000" lnSpcReduction="20000"/>
+          </a:bodyPr>
+          <a:lstStyle/>
+          <a:p>
+            <a:r>
+              <a:rPr lang="en-US" dirty="0"/>
+              <a:t>If the shielding is low to the ground, make sure that you are not scraping the ground.</a:t>
+            </a:r>
+          </a:p>
+        </p:txBody>
+      </p:sp>
+      <p:sp>
+        <p:nvSpPr>
           <p:cNvPr id="2" name="Footer Placeholder 1"/>
           <p:cNvSpPr>
             <a:spLocks noGrp="1"/>
@@ -25729,32 +30026,9 @@
           <a:p>
             <a:r>
               <a:rPr lang="en-US"/>
-              <a:t>© 2018, FLL Tutorials, Last Edit 7/13/2016</a:t>
+              <a:t>© 2018, FLL Tutorials, Last Edit 6/11/2018</a:t>
             </a:r>
             <a:endParaRPr lang="en-US" dirty="0"/>
-          </a:p>
-        </p:txBody>
-      </p:sp>
-      <p:sp>
-        <p:nvSpPr>
-          <p:cNvPr id="3" name="Slide Number Placeholder 2"/>
-          <p:cNvSpPr>
-            <a:spLocks noGrp="1"/>
-          </p:cNvSpPr>
-          <p:nvPr>
-            <p:ph type="sldNum" sz="quarter" idx="12"/>
-          </p:nvPr>
-        </p:nvSpPr>
-        <p:spPr/>
-        <p:txBody>
-          <a:bodyPr/>
-          <a:lstStyle/>
-          <a:p>
-            <a:fld id="{7F5CE407-6216-4202-80E4-A30DC2F709B2}" type="slidenum">
-              <a:rPr lang="en-US" smtClean="0"/>
-              <a:t>6</a:t>
-            </a:fld>
-            <a:endParaRPr lang="en-US"/>
           </a:p>
         </p:txBody>
       </p:sp>
@@ -25780,7 +30054,7 @@
         </p:blipFill>
         <p:spPr>
           <a:xfrm>
-            <a:off x="838381" y="2365509"/>
+            <a:off x="838381" y="2601032"/>
             <a:ext cx="4392095" cy="2918526"/>
           </a:xfrm>
           <a:prstGeom prst="rect">
@@ -25823,7 +30097,7 @@
         </p:blipFill>
         <p:spPr>
           <a:xfrm>
-            <a:off x="5523250" y="2365509"/>
+            <a:off x="5523250" y="2601032"/>
             <a:ext cx="2934133" cy="2918526"/>
           </a:xfrm>
           <a:prstGeom prst="rect">
@@ -25845,40 +30119,6 @@
           </a:effectLst>
         </p:spPr>
       </p:pic>
-      <p:sp>
-        <p:nvSpPr>
-          <p:cNvPr id="8" name="Content Placeholder 8"/>
-          <p:cNvSpPr>
-            <a:spLocks noGrp="1"/>
-          </p:cNvSpPr>
-          <p:nvPr>
-            <p:ph idx="1"/>
-          </p:nvPr>
-        </p:nvSpPr>
-        <p:spPr>
-          <a:xfrm>
-            <a:off x="457200" y="1201455"/>
-            <a:ext cx="8000183" cy="894045"/>
-          </a:xfrm>
-        </p:spPr>
-        <p:txBody>
-          <a:bodyPr>
-            <a:normAutofit/>
-          </a:bodyPr>
-          <a:lstStyle/>
-          <a:p>
-            <a:r>
-              <a:rPr lang="en-US" dirty="0"/>
-              <a:t>If the shielding is low to the ground, make sure that you are </a:t>
-            </a:r>
-            <a:r>
-              <a:rPr lang="en-US"/>
-              <a:t>not scraping the ground.</a:t>
-            </a:r>
-            <a:endParaRPr lang="en-US" dirty="0"/>
-          </a:p>
-        </p:txBody>
-      </p:sp>
     </p:spTree>
     <p:extLst>
       <p:ext uri="{BB962C8B-B14F-4D97-AF65-F5344CB8AC3E}">
@@ -25933,6 +30173,35 @@
       </p:sp>
       <p:sp>
         <p:nvSpPr>
+          <p:cNvPr id="9" name="Content Placeholder 8"/>
+          <p:cNvSpPr>
+            <a:spLocks noGrp="1"/>
+          </p:cNvSpPr>
+          <p:nvPr>
+            <p:ph idx="1"/>
+          </p:nvPr>
+        </p:nvSpPr>
+        <p:spPr>
+          <a:xfrm>
+            <a:off x="457201" y="1524317"/>
+            <a:ext cx="1574800" cy="2703149"/>
+          </a:xfrm>
+        </p:spPr>
+        <p:txBody>
+          <a:bodyPr>
+            <a:normAutofit/>
+          </a:bodyPr>
+          <a:lstStyle/>
+          <a:p>
+            <a:r>
+              <a:rPr lang="en-US" sz="1800" dirty="0"/>
+              <a:t>Experiment with different LEGO elements when you build your shield</a:t>
+            </a:r>
+          </a:p>
+        </p:txBody>
+      </p:sp>
+      <p:sp>
+        <p:nvSpPr>
           <p:cNvPr id="2" name="Footer Placeholder 1"/>
           <p:cNvSpPr>
             <a:spLocks noGrp="1"/>
@@ -25948,32 +30217,9 @@
           <a:p>
             <a:r>
               <a:rPr lang="en-US"/>
-              <a:t>© 2018, FLL Tutorials, Last Edit 7/13/2016</a:t>
+              <a:t>© 2018, FLL Tutorials, Last Edit 6/11/2018</a:t>
             </a:r>
             <a:endParaRPr lang="en-US" dirty="0"/>
-          </a:p>
-        </p:txBody>
-      </p:sp>
-      <p:sp>
-        <p:nvSpPr>
-          <p:cNvPr id="3" name="Slide Number Placeholder 2"/>
-          <p:cNvSpPr>
-            <a:spLocks noGrp="1"/>
-          </p:cNvSpPr>
-          <p:nvPr>
-            <p:ph type="sldNum" sz="quarter" idx="12"/>
-          </p:nvPr>
-        </p:nvSpPr>
-        <p:spPr/>
-        <p:txBody>
-          <a:bodyPr/>
-          <a:lstStyle/>
-          <a:p>
-            <a:fld id="{7F5CE407-6216-4202-80E4-A30DC2F709B2}" type="slidenum">
-              <a:rPr lang="en-US" smtClean="0"/>
-              <a:t>7</a:t>
-            </a:fld>
-            <a:endParaRPr lang="en-US"/>
           </a:p>
         </p:txBody>
       </p:sp>
@@ -26106,35 +30352,6 @@
           </a:effectLst>
         </p:spPr>
       </p:pic>
-      <p:sp>
-        <p:nvSpPr>
-          <p:cNvPr id="9" name="Content Placeholder 8"/>
-          <p:cNvSpPr>
-            <a:spLocks noGrp="1"/>
-          </p:cNvSpPr>
-          <p:nvPr>
-            <p:ph idx="1"/>
-          </p:nvPr>
-        </p:nvSpPr>
-        <p:spPr>
-          <a:xfrm>
-            <a:off x="457201" y="1524317"/>
-            <a:ext cx="1574800" cy="2703149"/>
-          </a:xfrm>
-        </p:spPr>
-        <p:txBody>
-          <a:bodyPr>
-            <a:normAutofit/>
-          </a:bodyPr>
-          <a:lstStyle/>
-          <a:p>
-            <a:r>
-              <a:rPr lang="en-US" dirty="0"/>
-              <a:t>Experiment with different LEGO elements when you build your shield</a:t>
-            </a:r>
-          </a:p>
-        </p:txBody>
-      </p:sp>
     </p:spTree>
     <p:extLst>
       <p:ext uri="{BB962C8B-B14F-4D97-AF65-F5344CB8AC3E}">
@@ -26199,7 +30416,9 @@
         </p:nvSpPr>
         <p:spPr/>
         <p:txBody>
-          <a:bodyPr/>
+          <a:bodyPr>
+            <a:normAutofit/>
+          </a:bodyPr>
           <a:lstStyle/>
           <a:p>
             <a:pPr marL="342900" indent="-342900">
@@ -26207,22 +30426,22 @@
               <a:buChar char="•"/>
             </a:pPr>
             <a:r>
-              <a:rPr lang="en-US" dirty="0"/>
+              <a:rPr lang="en-US" sz="2400" dirty="0"/>
               <a:t>This tutorial was created by Sanjay </a:t>
             </a:r>
             <a:r>
-              <a:rPr lang="en-US" dirty="0" err="1"/>
+              <a:rPr lang="en-US" sz="2400" dirty="0" err="1"/>
               <a:t>Seshan</a:t>
             </a:r>
             <a:r>
-              <a:rPr lang="en-US" dirty="0"/>
+              <a:rPr lang="en-US" sz="2400" dirty="0"/>
               <a:t> and Arvind </a:t>
             </a:r>
             <a:r>
-              <a:rPr lang="en-US" dirty="0" err="1"/>
+              <a:rPr lang="en-US" sz="2400" dirty="0" err="1"/>
               <a:t>Seshan</a:t>
             </a:r>
-            <a:endParaRPr lang="en-US" dirty="0"/>
+            <a:endParaRPr lang="en-US" sz="2400" dirty="0"/>
           </a:p>
           <a:p>
             <a:pPr marL="342900" indent="-342900">
@@ -26230,23 +30449,23 @@
               <a:buChar char="•"/>
             </a:pPr>
             <a:r>
-              <a:rPr lang="en-US" dirty="0"/>
+              <a:rPr lang="en-US" sz="2400" dirty="0"/>
               <a:t>Images of shielded sensors provided by FTC Team 8393 The Giant </a:t>
             </a:r>
             <a:r>
-              <a:rPr lang="en-US" dirty="0" err="1"/>
+              <a:rPr lang="en-US" sz="2400" dirty="0" err="1"/>
               <a:t>Dienciphalic</a:t>
             </a:r>
             <a:r>
-              <a:rPr lang="en-US" dirty="0"/>
+              <a:rPr lang="en-US" sz="2400" dirty="0"/>
               <a:t> </a:t>
             </a:r>
             <a:r>
-              <a:rPr lang="en-US" dirty="0" err="1"/>
+              <a:rPr lang="en-US" sz="2400" dirty="0" err="1"/>
               <a:t>BrainSTEM</a:t>
             </a:r>
             <a:r>
-              <a:rPr lang="en-US" dirty="0"/>
+              <a:rPr lang="en-US" sz="2400" dirty="0"/>
               <a:t> Robotics Team</a:t>
             </a:r>
           </a:p>
@@ -26256,37 +30475,33 @@
               <a:buChar char="•"/>
             </a:pPr>
             <a:r>
-              <a:rPr lang="en-US" dirty="0"/>
+              <a:rPr lang="en-US" sz="2400" dirty="0"/>
               <a:t>More lessons at </a:t>
             </a:r>
             <a:r>
-              <a:rPr lang="en-US" dirty="0">
+              <a:rPr lang="en-US" sz="2400" dirty="0">
                 <a:hlinkClick r:id="rId3"/>
               </a:rPr>
               <a:t>www.ev3lessons.com</a:t>
             </a:r>
             <a:r>
-              <a:rPr lang="en-US" dirty="0"/>
-              <a:t> </a:t>
-            </a:r>
-            <a:r>
-              <a:rPr lang="en-US"/>
-              <a:t>and </a:t>
-            </a:r>
-            <a:r>
-              <a:rPr lang="en-US">
+              <a:rPr lang="en-US" sz="2400" dirty="0"/>
+              <a:t> and </a:t>
+            </a:r>
+            <a:r>
+              <a:rPr lang="en-US" sz="2400" dirty="0">
                 <a:hlinkClick r:id="rId4"/>
               </a:rPr>
               <a:t>www.flltutorials.com</a:t>
             </a:r>
-            <a:endParaRPr lang="en-US"/>
+            <a:endParaRPr lang="en-US" sz="2400" dirty="0"/>
           </a:p>
           <a:p>
             <a:pPr marL="342900" indent="-342900">
               <a:buFont typeface="Arial" charset="0"/>
               <a:buChar char="•"/>
             </a:pPr>
-            <a:endParaRPr lang="en-US" dirty="0"/>
+            <a:endParaRPr lang="en-US" sz="2400" dirty="0"/>
           </a:p>
         </p:txBody>
       </p:sp>
@@ -26307,32 +30522,8 @@
           <a:p>
             <a:r>
               <a:rPr lang="en-US"/>
-              <a:t>© 2018, FLL Tutorials, Last Edit 7/13/2016</a:t>
-            </a:r>
-          </a:p>
-        </p:txBody>
-      </p:sp>
-      <p:sp>
-        <p:nvSpPr>
-          <p:cNvPr id="7" name="Slide Number Placeholder 6"/>
-          <p:cNvSpPr>
-            <a:spLocks noGrp="1"/>
-          </p:cNvSpPr>
-          <p:nvPr>
-            <p:ph type="sldNum" sz="quarter" idx="12"/>
-          </p:nvPr>
-        </p:nvSpPr>
-        <p:spPr/>
-        <p:txBody>
-          <a:bodyPr/>
-          <a:lstStyle/>
-          <a:p>
-            <a:fld id="{4382A7F7-08BF-4252-8141-63FB96055BBB}" type="slidenum">
-              <a:rPr lang="en-US" smtClean="0"/>
-              <a:pPr/>
-              <a:t>8</a:t>
-            </a:fld>
-            <a:endParaRPr lang="en-US"/>
+              <a:t>© 2018, FLL Tutorials, Last Edit 6/11/2018</a:t>
+            </a:r>
           </a:p>
         </p:txBody>
       </p:sp>
@@ -26361,7 +30552,7 @@
           <a:effectLst/>
           <a:extLst>
             <a:ext uri="{91240B29-F687-4f45-9708-019B960494DF}">
-              <a14:hiddenLine xmlns="" xmlns:a14="http://schemas.microsoft.com/office/drawing/2010/main" w="9525">
+              <a14:hiddenLine xmlns:a14="http://schemas.microsoft.com/office/drawing/2010/main" xmlns="" w="9525">
                 <a:solidFill>
                   <a:schemeClr val="tx1"/>
                 </a:solidFill>
@@ -26371,7 +30562,7 @@
               </a14:hiddenLine>
             </a:ext>
             <a:ext uri="{AF507438-7753-43e0-B8FC-AC1667EBCBE1}">
-              <a14:hiddenEffects xmlns="" xmlns:a14="http://schemas.microsoft.com/office/drawing/2010/main">
+              <a14:hiddenEffects xmlns:a14="http://schemas.microsoft.com/office/drawing/2010/main" xmlns="">
                 <a:effectLst>
                   <a:outerShdw dist="35921" dir="2700000" algn="ctr" rotWithShape="0">
                     <a:schemeClr val="bg2"/>
@@ -26712,7 +30903,7 @@
           <a:noFill/>
           <a:extLst>
             <a:ext uri="{909E8E84-426E-40dd-AFC4-6F175D3DCCD1}">
-              <a14:hiddenFill xmlns="" xmlns:a14="http://schemas.microsoft.com/office/drawing/2010/main">
+              <a14:hiddenFill xmlns:a14="http://schemas.microsoft.com/office/drawing/2010/main" xmlns="">
                 <a:solidFill>
                   <a:srgbClr val="FFFFFF"/>
                 </a:solidFill>
@@ -28284,9 +32475,9 @@
 </file>
 
 <file path=ppt/theme/theme7.xml><?xml version="1.0" encoding="utf-8"?>
-<a:theme xmlns:a="http://schemas.openxmlformats.org/drawingml/2006/main" name="Office Theme">
+<a:theme xmlns:a="http://schemas.openxmlformats.org/drawingml/2006/main" name="Dividend">
   <a:themeElements>
-    <a:clrScheme name="Office">
+    <a:clrScheme name="Dividend">
       <a:dk1>
         <a:sysClr val="windowText" lastClr="000000"/>
       </a:dk1>
@@ -28294,81 +32485,48 @@
         <a:sysClr val="window" lastClr="FFFFFF"/>
       </a:lt1>
       <a:dk2>
-        <a:srgbClr val="1F497D"/>
+        <a:srgbClr val="3D3D3D"/>
       </a:dk2>
       <a:lt2>
-        <a:srgbClr val="EEECE1"/>
+        <a:srgbClr val="EBEBEB"/>
       </a:lt2>
       <a:accent1>
-        <a:srgbClr val="4F81BD"/>
+        <a:srgbClr val="1A3260"/>
       </a:accent1>
       <a:accent2>
-        <a:srgbClr val="C0504D"/>
+        <a:srgbClr val="4590B8"/>
       </a:accent2>
       <a:accent3>
-        <a:srgbClr val="9BBB59"/>
+        <a:srgbClr val="45CBE8"/>
       </a:accent3>
       <a:accent4>
-        <a:srgbClr val="8064A2"/>
+        <a:srgbClr val="969FA7"/>
       </a:accent4>
       <a:accent5>
-        <a:srgbClr val="4BACC6"/>
+        <a:srgbClr val="A2C777"/>
       </a:accent5>
       <a:accent6>
-        <a:srgbClr val="F79646"/>
+        <a:srgbClr val="42955F"/>
       </a:accent6>
       <a:hlink>
-        <a:srgbClr val="0000FF"/>
+        <a:srgbClr val="828282"/>
       </a:hlink>
       <a:folHlink>
-        <a:srgbClr val="800080"/>
+        <a:srgbClr val="A5A5A5"/>
       </a:folHlink>
     </a:clrScheme>
-    <a:fontScheme name="Office">
+    <a:fontScheme name="Dividend">
       <a:majorFont>
-        <a:latin typeface="Calibri"/>
+        <a:latin typeface="Gill Sans MT" panose="020B0502020104020203"/>
         <a:ea typeface=""/>
         <a:cs typeface=""/>
-        <a:font script="Jpan" typeface="ＭＳ Ｐゴシック"/>
-        <a:font script="Hang" typeface="맑은 고딕"/>
-        <a:font script="Hans" typeface="宋体"/>
-        <a:font script="Hant" typeface="新細明體"/>
-        <a:font script="Arab" typeface="Times New Roman"/>
-        <a:font script="Hebr" typeface="Times New Roman"/>
-        <a:font script="Thai" typeface="Angsana New"/>
-        <a:font script="Ethi" typeface="Nyala"/>
-        <a:font script="Beng" typeface="Vrinda"/>
-        <a:font script="Gujr" typeface="Shruti"/>
-        <a:font script="Khmr" typeface="MoolBoran"/>
-        <a:font script="Knda" typeface="Tunga"/>
-        <a:font script="Guru" typeface="Raavi"/>
-        <a:font script="Cans" typeface="Euphemia"/>
-        <a:font script="Cher" typeface="Plantagenet Cherokee"/>
-        <a:font script="Yiii" typeface="Microsoft Yi Baiti"/>
-        <a:font script="Tibt" typeface="Microsoft Himalaya"/>
-        <a:font script="Thaa" typeface="MV Boli"/>
-        <a:font script="Deva" typeface="Mangal"/>
-        <a:font script="Telu" typeface="Gautami"/>
-        <a:font script="Taml" typeface="Latha"/>
-        <a:font script="Syrc" typeface="Estrangelo Edessa"/>
-        <a:font script="Orya" typeface="Kalinga"/>
-        <a:font script="Mlym" typeface="Kartika"/>
-        <a:font script="Laoo" typeface="DokChampa"/>
-        <a:font script="Sinh" typeface="Iskoola Pota"/>
-        <a:font script="Mong" typeface="Mongolian Baiti"/>
-        <a:font script="Viet" typeface="Times New Roman"/>
-        <a:font script="Uigh" typeface="Microsoft Uighur"/>
-        <a:font script="Geor" typeface="Sylfaen"/>
-      </a:majorFont>
-      <a:minorFont>
-        <a:latin typeface="Calibri"/>
-        <a:ea typeface=""/>
-        <a:cs typeface=""/>
-        <a:font script="Jpan" typeface="ＭＳ Ｐゴシック"/>
-        <a:font script="Hang" typeface="맑은 고딕"/>
-        <a:font script="Hans" typeface="宋体"/>
-        <a:font script="Hant" typeface="新細明體"/>
-        <a:font script="Arab" typeface="Arial"/>
+        <a:font script="Grek" typeface="Corbel"/>
+        <a:font script="Cyrl" typeface="Corbel"/>
+        <a:font script="Jpan" typeface="HGｺﾞｼｯｸE"/>
+        <a:font script="Hang" typeface="휴먼매직체"/>
+        <a:font script="Hans" typeface="华文中宋"/>
+        <a:font script="Hant" typeface="微軟正黑體"/>
+        <a:font script="Arab" typeface="Majalla UI"/>
         <a:font script="Hebr" typeface="Arial"/>
         <a:font script="Thai" typeface="Cordia New"/>
         <a:font script="Ethi" typeface="Nyala"/>
@@ -28391,12 +32549,49 @@
         <a:font script="Laoo" typeface="DokChampa"/>
         <a:font script="Sinh" typeface="Iskoola Pota"/>
         <a:font script="Mong" typeface="Mongolian Baiti"/>
-        <a:font script="Viet" typeface="Arial"/>
+        <a:font script="Viet" typeface="Tahoma"/>
+        <a:font script="Uigh" typeface="Microsoft Uighur"/>
+        <a:font script="Geor" typeface="Sylfaen"/>
+      </a:majorFont>
+      <a:minorFont>
+        <a:latin typeface="Gill Sans MT" panose="020B0502020104020203"/>
+        <a:ea typeface=""/>
+        <a:cs typeface=""/>
+        <a:font script="Grek" typeface="Corbel"/>
+        <a:font script="Cyrl" typeface="Corbel"/>
+        <a:font script="Jpan" typeface="HGｺﾞｼｯｸE"/>
+        <a:font script="Hang" typeface="휴먼매직체"/>
+        <a:font script="Hans" typeface="华文中宋"/>
+        <a:font script="Hant" typeface="微軟正黑體"/>
+        <a:font script="Arab" typeface="Majalla UI"/>
+        <a:font script="Hebr" typeface="Arial"/>
+        <a:font script="Thai" typeface="Cordia New"/>
+        <a:font script="Ethi" typeface="Nyala"/>
+        <a:font script="Beng" typeface="Vrinda"/>
+        <a:font script="Gujr" typeface="Shruti"/>
+        <a:font script="Khmr" typeface="DaunPenh"/>
+        <a:font script="Knda" typeface="Tunga"/>
+        <a:font script="Guru" typeface="Raavi"/>
+        <a:font script="Cans" typeface="Euphemia"/>
+        <a:font script="Cher" typeface="Plantagenet Cherokee"/>
+        <a:font script="Yiii" typeface="Microsoft Yi Baiti"/>
+        <a:font script="Tibt" typeface="Microsoft Himalaya"/>
+        <a:font script="Thaa" typeface="MV Boli"/>
+        <a:font script="Deva" typeface="Mangal"/>
+        <a:font script="Telu" typeface="Gautami"/>
+        <a:font script="Taml" typeface="Latha"/>
+        <a:font script="Syrc" typeface="Estrangelo Edessa"/>
+        <a:font script="Orya" typeface="Kalinga"/>
+        <a:font script="Mlym" typeface="Kartika"/>
+        <a:font script="Laoo" typeface="DokChampa"/>
+        <a:font script="Sinh" typeface="Iskoola Pota"/>
+        <a:font script="Mong" typeface="Mongolian Baiti"/>
+        <a:font script="Viet" typeface="Tahoma"/>
         <a:font script="Uigh" typeface="Microsoft Uighur"/>
         <a:font script="Geor" typeface="Sylfaen"/>
       </a:minorFont>
     </a:fontScheme>
-    <a:fmtScheme name="Office">
+    <a:fmtScheme name="Dividend">
       <a:fillStyleLst>
         <a:solidFill>
           <a:schemeClr val="phClr"/>
@@ -28405,62 +32600,54 @@
           <a:gsLst>
             <a:gs pos="0">
               <a:schemeClr val="phClr">
-                <a:tint val="50000"/>
-                <a:satMod val="300000"/>
-              </a:schemeClr>
-            </a:gs>
-            <a:gs pos="35000">
-              <a:schemeClr val="phClr">
-                <a:tint val="37000"/>
-                <a:satMod val="300000"/>
+                <a:tint val="68000"/>
+                <a:alpha val="90000"/>
+                <a:lumMod val="100000"/>
               </a:schemeClr>
             </a:gs>
             <a:gs pos="100000">
               <a:schemeClr val="phClr">
-                <a:tint val="15000"/>
-                <a:satMod val="350000"/>
+                <a:tint val="90000"/>
+                <a:lumMod val="95000"/>
               </a:schemeClr>
             </a:gs>
           </a:gsLst>
-          <a:lin ang="16200000" scaled="1"/>
+          <a:lin ang="5400000" scaled="1"/>
         </a:gradFill>
         <a:gradFill rotWithShape="1">
           <a:gsLst>
             <a:gs pos="0">
               <a:schemeClr val="phClr">
-                <a:tint val="100000"/>
-                <a:shade val="100000"/>
-                <a:satMod val="130000"/>
+                <a:tint val="98000"/>
+                <a:lumMod val="110000"/>
               </a:schemeClr>
             </a:gs>
-            <a:gs pos="100000">
+            <a:gs pos="84000">
               <a:schemeClr val="phClr">
-                <a:tint val="50000"/>
-                <a:shade val="100000"/>
-                <a:satMod val="350000"/>
+                <a:shade val="90000"/>
+                <a:lumMod val="88000"/>
               </a:schemeClr>
             </a:gs>
           </a:gsLst>
-          <a:lin ang="16200000" scaled="0"/>
+          <a:lin ang="5400000" scaled="0"/>
         </a:gradFill>
       </a:fillStyleLst>
       <a:lnStyleLst>
-        <a:ln w="9525" cap="flat" cmpd="sng" algn="ctr">
+        <a:ln w="12700" cap="rnd" cmpd="sng" algn="ctr">
           <a:solidFill>
             <a:schemeClr val="phClr">
-              <a:shade val="95000"/>
-              <a:satMod val="105000"/>
+              <a:lumMod val="90000"/>
             </a:schemeClr>
           </a:solidFill>
           <a:prstDash val="solid"/>
         </a:ln>
-        <a:ln w="25400" cap="flat" cmpd="sng" algn="ctr">
+        <a:ln w="22225" cap="rnd" cmpd="sng" algn="ctr">
           <a:solidFill>
             <a:schemeClr val="phClr"/>
           </a:solidFill>
           <a:prstDash val="solid"/>
         </a:ln>
-        <a:ln w="38100" cap="flat" cmpd="sng" algn="ctr">
+        <a:ln w="25400" cap="rnd" cmpd="sng" algn="ctr">
           <a:solidFill>
             <a:schemeClr val="phClr"/>
           </a:solidFill>
@@ -28469,28 +32656,22 @@
       </a:lnStyleLst>
       <a:effectStyleLst>
         <a:effectStyle>
+          <a:effectLst/>
+        </a:effectStyle>
+        <a:effectStyle>
           <a:effectLst>
-            <a:outerShdw blurRad="40000" dist="20000" dir="5400000" rotWithShape="0">
+            <a:outerShdw blurRad="38100" dist="25400" dir="5400000" rotWithShape="0">
               <a:srgbClr val="000000">
-                <a:alpha val="38000"/>
+                <a:alpha val="55000"/>
               </a:srgbClr>
             </a:outerShdw>
           </a:effectLst>
         </a:effectStyle>
         <a:effectStyle>
           <a:effectLst>
-            <a:outerShdw blurRad="40000" dist="23000" dir="5400000" rotWithShape="0">
+            <a:outerShdw blurRad="88900" dist="38100" dir="5040000" rotWithShape="0">
               <a:srgbClr val="000000">
-                <a:alpha val="35000"/>
-              </a:srgbClr>
-            </a:outerShdw>
-          </a:effectLst>
-        </a:effectStyle>
-        <a:effectStyle>
-          <a:effectLst>
-            <a:outerShdw blurRad="40000" dist="23000" dir="5400000" rotWithShape="0">
-              <a:srgbClr val="000000">
-                <a:alpha val="35000"/>
+                <a:alpha val="60000"/>
               </a:srgbClr>
             </a:outerShdw>
           </a:effectLst>
@@ -28498,12 +32679,12 @@
             <a:camera prst="orthographicFront">
               <a:rot lat="0" lon="0" rev="0"/>
             </a:camera>
-            <a:lightRig rig="threePt" dir="t">
+            <a:lightRig rig="threePt" dir="tl">
               <a:rot lat="0" lon="0" rev="1200000"/>
             </a:lightRig>
           </a:scene3d>
           <a:sp3d>
-            <a:bevelT w="63500" h="25400"/>
+            <a:bevelT w="38100" h="50800"/>
           </a:sp3d>
         </a:effectStyle>
       </a:effectStyleLst>
@@ -28515,91 +32696,50 @@
           <a:gsLst>
             <a:gs pos="0">
               <a:schemeClr val="phClr">
-                <a:tint val="40000"/>
-                <a:satMod val="350000"/>
+                <a:tint val="90000"/>
+                <a:lumMod val="110000"/>
               </a:schemeClr>
             </a:gs>
-            <a:gs pos="40000">
+            <a:gs pos="88000">
               <a:schemeClr val="phClr">
-                <a:tint val="45000"/>
-                <a:shade val="99000"/>
-                <a:satMod val="350000"/>
-              </a:schemeClr>
-            </a:gs>
-            <a:gs pos="100000">
-              <a:schemeClr val="phClr">
-                <a:shade val="20000"/>
-                <a:satMod val="255000"/>
+                <a:shade val="94000"/>
+                <a:satMod val="110000"/>
+                <a:lumMod val="88000"/>
               </a:schemeClr>
             </a:gs>
           </a:gsLst>
-          <a:path path="circle">
-            <a:fillToRect l="50000" t="-80000" r="50000" b="180000"/>
-          </a:path>
+          <a:lin ang="5400000" scaled="0"/>
         </a:gradFill>
         <a:gradFill rotWithShape="1">
           <a:gsLst>
             <a:gs pos="0">
               <a:schemeClr val="phClr">
-                <a:tint val="80000"/>
-                <a:satMod val="300000"/>
+                <a:tint val="90000"/>
+                <a:lumMod val="110000"/>
               </a:schemeClr>
             </a:gs>
             <a:gs pos="100000">
               <a:schemeClr val="phClr">
-                <a:shade val="30000"/>
-                <a:satMod val="200000"/>
+                <a:shade val="98000"/>
+                <a:satMod val="110000"/>
+                <a:lumMod val="86000"/>
               </a:schemeClr>
             </a:gs>
           </a:gsLst>
           <a:path path="circle">
-            <a:fillToRect l="50000" t="50000" r="50000" b="50000"/>
+            <a:fillToRect l="50000" t="50000" r="100000" b="100000"/>
           </a:path>
         </a:gradFill>
       </a:bgFillStyleLst>
     </a:fmtScheme>
   </a:themeElements>
-  <a:objectDefaults>
-    <a:spDef>
-      <a:spPr/>
-      <a:bodyPr/>
-      <a:lstStyle/>
-      <a:style>
-        <a:lnRef idx="1">
-          <a:schemeClr val="accent1"/>
-        </a:lnRef>
-        <a:fillRef idx="3">
-          <a:schemeClr val="accent1"/>
-        </a:fillRef>
-        <a:effectRef idx="2">
-          <a:schemeClr val="accent1"/>
-        </a:effectRef>
-        <a:fontRef idx="minor">
-          <a:schemeClr val="lt1"/>
-        </a:fontRef>
-      </a:style>
-    </a:spDef>
-    <a:lnDef>
-      <a:spPr/>
-      <a:bodyPr/>
-      <a:lstStyle/>
-      <a:style>
-        <a:lnRef idx="2">
-          <a:schemeClr val="accent1"/>
-        </a:lnRef>
-        <a:fillRef idx="0">
-          <a:schemeClr val="accent1"/>
-        </a:fillRef>
-        <a:effectRef idx="1">
-          <a:schemeClr val="accent1"/>
-        </a:effectRef>
-        <a:fontRef idx="minor">
-          <a:schemeClr val="tx1"/>
-        </a:fontRef>
-      </a:style>
-    </a:lnDef>
-  </a:objectDefaults>
+  <a:objectDefaults/>
   <a:extraClrSchemeLst/>
+  <a:extLst>
+    <a:ext uri="{05A4C25C-085E-4340-85A3-A5531E510DB2}">
+      <thm15:themeFamily xmlns:thm15="http://schemas.microsoft.com/office/thememl/2012/main" name="EngineeringJournal" id="{97721FB4-21DC-6D4C-AC10-5E4545120761}" vid="{EB585347-F0B4-B74F-BF80-5185492EFC16}"/>
+    </a:ext>
+  </a:extLst>
 </a:theme>
 </file>
 
@@ -28921,4 +33061,324 @@
   </a:objectDefaults>
   <a:extraClrSchemeLst/>
 </a:theme>
+</file>
+
+<file path=ppt/theme/theme9.xml><?xml version="1.0" encoding="utf-8"?>
+<a:theme xmlns:a="http://schemas.openxmlformats.org/drawingml/2006/main" name="Office Theme">
+  <a:themeElements>
+    <a:clrScheme name="Office">
+      <a:dk1>
+        <a:sysClr val="windowText" lastClr="000000"/>
+      </a:dk1>
+      <a:lt1>
+        <a:sysClr val="window" lastClr="FFFFFF"/>
+      </a:lt1>
+      <a:dk2>
+        <a:srgbClr val="1F497D"/>
+      </a:dk2>
+      <a:lt2>
+        <a:srgbClr val="EEECE1"/>
+      </a:lt2>
+      <a:accent1>
+        <a:srgbClr val="4F81BD"/>
+      </a:accent1>
+      <a:accent2>
+        <a:srgbClr val="C0504D"/>
+      </a:accent2>
+      <a:accent3>
+        <a:srgbClr val="9BBB59"/>
+      </a:accent3>
+      <a:accent4>
+        <a:srgbClr val="8064A2"/>
+      </a:accent4>
+      <a:accent5>
+        <a:srgbClr val="4BACC6"/>
+      </a:accent5>
+      <a:accent6>
+        <a:srgbClr val="F79646"/>
+      </a:accent6>
+      <a:hlink>
+        <a:srgbClr val="0000FF"/>
+      </a:hlink>
+      <a:folHlink>
+        <a:srgbClr val="800080"/>
+      </a:folHlink>
+    </a:clrScheme>
+    <a:fontScheme name="Office">
+      <a:majorFont>
+        <a:latin typeface="Calibri"/>
+        <a:ea typeface=""/>
+        <a:cs typeface=""/>
+        <a:font script="Jpan" typeface="ＭＳ Ｐゴシック"/>
+        <a:font script="Hang" typeface="맑은 고딕"/>
+        <a:font script="Hans" typeface="宋体"/>
+        <a:font script="Hant" typeface="新細明體"/>
+        <a:font script="Arab" typeface="Times New Roman"/>
+        <a:font script="Hebr" typeface="Times New Roman"/>
+        <a:font script="Thai" typeface="Angsana New"/>
+        <a:font script="Ethi" typeface="Nyala"/>
+        <a:font script="Beng" typeface="Vrinda"/>
+        <a:font script="Gujr" typeface="Shruti"/>
+        <a:font script="Khmr" typeface="MoolBoran"/>
+        <a:font script="Knda" typeface="Tunga"/>
+        <a:font script="Guru" typeface="Raavi"/>
+        <a:font script="Cans" typeface="Euphemia"/>
+        <a:font script="Cher" typeface="Plantagenet Cherokee"/>
+        <a:font script="Yiii" typeface="Microsoft Yi Baiti"/>
+        <a:font script="Tibt" typeface="Microsoft Himalaya"/>
+        <a:font script="Thaa" typeface="MV Boli"/>
+        <a:font script="Deva" typeface="Mangal"/>
+        <a:font script="Telu" typeface="Gautami"/>
+        <a:font script="Taml" typeface="Latha"/>
+        <a:font script="Syrc" typeface="Estrangelo Edessa"/>
+        <a:font script="Orya" typeface="Kalinga"/>
+        <a:font script="Mlym" typeface="Kartika"/>
+        <a:font script="Laoo" typeface="DokChampa"/>
+        <a:font script="Sinh" typeface="Iskoola Pota"/>
+        <a:font script="Mong" typeface="Mongolian Baiti"/>
+        <a:font script="Viet" typeface="Times New Roman"/>
+        <a:font script="Uigh" typeface="Microsoft Uighur"/>
+        <a:font script="Geor" typeface="Sylfaen"/>
+      </a:majorFont>
+      <a:minorFont>
+        <a:latin typeface="Calibri"/>
+        <a:ea typeface=""/>
+        <a:cs typeface=""/>
+        <a:font script="Jpan" typeface="ＭＳ Ｐゴシック"/>
+        <a:font script="Hang" typeface="맑은 고딕"/>
+        <a:font script="Hans" typeface="宋体"/>
+        <a:font script="Hant" typeface="新細明體"/>
+        <a:font script="Arab" typeface="Arial"/>
+        <a:font script="Hebr" typeface="Arial"/>
+        <a:font script="Thai" typeface="Cordia New"/>
+        <a:font script="Ethi" typeface="Nyala"/>
+        <a:font script="Beng" typeface="Vrinda"/>
+        <a:font script="Gujr" typeface="Shruti"/>
+        <a:font script="Khmr" typeface="DaunPenh"/>
+        <a:font script="Knda" typeface="Tunga"/>
+        <a:font script="Guru" typeface="Raavi"/>
+        <a:font script="Cans" typeface="Euphemia"/>
+        <a:font script="Cher" typeface="Plantagenet Cherokee"/>
+        <a:font script="Yiii" typeface="Microsoft Yi Baiti"/>
+        <a:font script="Tibt" typeface="Microsoft Himalaya"/>
+        <a:font script="Thaa" typeface="MV Boli"/>
+        <a:font script="Deva" typeface="Mangal"/>
+        <a:font script="Telu" typeface="Gautami"/>
+        <a:font script="Taml" typeface="Latha"/>
+        <a:font script="Syrc" typeface="Estrangelo Edessa"/>
+        <a:font script="Orya" typeface="Kalinga"/>
+        <a:font script="Mlym" typeface="Kartika"/>
+        <a:font script="Laoo" typeface="DokChampa"/>
+        <a:font script="Sinh" typeface="Iskoola Pota"/>
+        <a:font script="Mong" typeface="Mongolian Baiti"/>
+        <a:font script="Viet" typeface="Arial"/>
+        <a:font script="Uigh" typeface="Microsoft Uighur"/>
+        <a:font script="Geor" typeface="Sylfaen"/>
+      </a:minorFont>
+    </a:fontScheme>
+    <a:fmtScheme name="Office">
+      <a:fillStyleLst>
+        <a:solidFill>
+          <a:schemeClr val="phClr"/>
+        </a:solidFill>
+        <a:gradFill rotWithShape="1">
+          <a:gsLst>
+            <a:gs pos="0">
+              <a:schemeClr val="phClr">
+                <a:tint val="50000"/>
+                <a:satMod val="300000"/>
+              </a:schemeClr>
+            </a:gs>
+            <a:gs pos="35000">
+              <a:schemeClr val="phClr">
+                <a:tint val="37000"/>
+                <a:satMod val="300000"/>
+              </a:schemeClr>
+            </a:gs>
+            <a:gs pos="100000">
+              <a:schemeClr val="phClr">
+                <a:tint val="15000"/>
+                <a:satMod val="350000"/>
+              </a:schemeClr>
+            </a:gs>
+          </a:gsLst>
+          <a:lin ang="16200000" scaled="1"/>
+        </a:gradFill>
+        <a:gradFill rotWithShape="1">
+          <a:gsLst>
+            <a:gs pos="0">
+              <a:schemeClr val="phClr">
+                <a:tint val="100000"/>
+                <a:shade val="100000"/>
+                <a:satMod val="130000"/>
+              </a:schemeClr>
+            </a:gs>
+            <a:gs pos="100000">
+              <a:schemeClr val="phClr">
+                <a:tint val="50000"/>
+                <a:shade val="100000"/>
+                <a:satMod val="350000"/>
+              </a:schemeClr>
+            </a:gs>
+          </a:gsLst>
+          <a:lin ang="16200000" scaled="0"/>
+        </a:gradFill>
+      </a:fillStyleLst>
+      <a:lnStyleLst>
+        <a:ln w="9525" cap="flat" cmpd="sng" algn="ctr">
+          <a:solidFill>
+            <a:schemeClr val="phClr">
+              <a:shade val="95000"/>
+              <a:satMod val="105000"/>
+            </a:schemeClr>
+          </a:solidFill>
+          <a:prstDash val="solid"/>
+        </a:ln>
+        <a:ln w="25400" cap="flat" cmpd="sng" algn="ctr">
+          <a:solidFill>
+            <a:schemeClr val="phClr"/>
+          </a:solidFill>
+          <a:prstDash val="solid"/>
+        </a:ln>
+        <a:ln w="38100" cap="flat" cmpd="sng" algn="ctr">
+          <a:solidFill>
+            <a:schemeClr val="phClr"/>
+          </a:solidFill>
+          <a:prstDash val="solid"/>
+        </a:ln>
+      </a:lnStyleLst>
+      <a:effectStyleLst>
+        <a:effectStyle>
+          <a:effectLst>
+            <a:outerShdw blurRad="40000" dist="20000" dir="5400000" rotWithShape="0">
+              <a:srgbClr val="000000">
+                <a:alpha val="38000"/>
+              </a:srgbClr>
+            </a:outerShdw>
+          </a:effectLst>
+        </a:effectStyle>
+        <a:effectStyle>
+          <a:effectLst>
+            <a:outerShdw blurRad="40000" dist="23000" dir="5400000" rotWithShape="0">
+              <a:srgbClr val="000000">
+                <a:alpha val="35000"/>
+              </a:srgbClr>
+            </a:outerShdw>
+          </a:effectLst>
+        </a:effectStyle>
+        <a:effectStyle>
+          <a:effectLst>
+            <a:outerShdw blurRad="40000" dist="23000" dir="5400000" rotWithShape="0">
+              <a:srgbClr val="000000">
+                <a:alpha val="35000"/>
+              </a:srgbClr>
+            </a:outerShdw>
+          </a:effectLst>
+          <a:scene3d>
+            <a:camera prst="orthographicFront">
+              <a:rot lat="0" lon="0" rev="0"/>
+            </a:camera>
+            <a:lightRig rig="threePt" dir="t">
+              <a:rot lat="0" lon="0" rev="1200000"/>
+            </a:lightRig>
+          </a:scene3d>
+          <a:sp3d>
+            <a:bevelT w="63500" h="25400"/>
+          </a:sp3d>
+        </a:effectStyle>
+      </a:effectStyleLst>
+      <a:bgFillStyleLst>
+        <a:solidFill>
+          <a:schemeClr val="phClr"/>
+        </a:solidFill>
+        <a:gradFill rotWithShape="1">
+          <a:gsLst>
+            <a:gs pos="0">
+              <a:schemeClr val="phClr">
+                <a:tint val="40000"/>
+                <a:satMod val="350000"/>
+              </a:schemeClr>
+            </a:gs>
+            <a:gs pos="40000">
+              <a:schemeClr val="phClr">
+                <a:tint val="45000"/>
+                <a:shade val="99000"/>
+                <a:satMod val="350000"/>
+              </a:schemeClr>
+            </a:gs>
+            <a:gs pos="100000">
+              <a:schemeClr val="phClr">
+                <a:shade val="20000"/>
+                <a:satMod val="255000"/>
+              </a:schemeClr>
+            </a:gs>
+          </a:gsLst>
+          <a:path path="circle">
+            <a:fillToRect l="50000" t="-80000" r="50000" b="180000"/>
+          </a:path>
+        </a:gradFill>
+        <a:gradFill rotWithShape="1">
+          <a:gsLst>
+            <a:gs pos="0">
+              <a:schemeClr val="phClr">
+                <a:tint val="80000"/>
+                <a:satMod val="300000"/>
+              </a:schemeClr>
+            </a:gs>
+            <a:gs pos="100000">
+              <a:schemeClr val="phClr">
+                <a:shade val="30000"/>
+                <a:satMod val="200000"/>
+              </a:schemeClr>
+            </a:gs>
+          </a:gsLst>
+          <a:path path="circle">
+            <a:fillToRect l="50000" t="50000" r="50000" b="50000"/>
+          </a:path>
+        </a:gradFill>
+      </a:bgFillStyleLst>
+    </a:fmtScheme>
+  </a:themeElements>
+  <a:objectDefaults>
+    <a:spDef>
+      <a:spPr/>
+      <a:bodyPr/>
+      <a:lstStyle/>
+      <a:style>
+        <a:lnRef idx="1">
+          <a:schemeClr val="accent1"/>
+        </a:lnRef>
+        <a:fillRef idx="3">
+          <a:schemeClr val="accent1"/>
+        </a:fillRef>
+        <a:effectRef idx="2">
+          <a:schemeClr val="accent1"/>
+        </a:effectRef>
+        <a:fontRef idx="minor">
+          <a:schemeClr val="lt1"/>
+        </a:fontRef>
+      </a:style>
+    </a:spDef>
+    <a:lnDef>
+      <a:spPr/>
+      <a:bodyPr/>
+      <a:lstStyle/>
+      <a:style>
+        <a:lnRef idx="2">
+          <a:schemeClr val="accent1"/>
+        </a:lnRef>
+        <a:fillRef idx="0">
+          <a:schemeClr val="accent1"/>
+        </a:fillRef>
+        <a:effectRef idx="1">
+          <a:schemeClr val="accent1"/>
+        </a:effectRef>
+        <a:fontRef idx="minor">
+          <a:schemeClr val="tx1"/>
+        </a:fontRef>
+      </a:style>
+    </a:lnDef>
+  </a:objectDefaults>
+  <a:extraClrSchemeLst/>
+</a:theme>
 </file>
--- a/translations/en-us/RobotGame/Shielding.pptx
+++ b/translations/en-us/RobotGame/Shielding.pptx
@@ -2230,7 +2230,7 @@
           <a:noFill/>
           <a:extLst>
             <a:ext uri="{909E8E84-426E-40dd-AFC4-6F175D3DCCD1}">
-              <a14:hiddenFill xmlns="" xmlns:a14="http://schemas.microsoft.com/office/drawing/2010/main">
+              <a14:hiddenFill xmlns:a14="http://schemas.microsoft.com/office/drawing/2010/main" xmlns="">
                 <a:solidFill>
                   <a:srgbClr val="FFFFFF"/>
                 </a:solidFill>
@@ -29083,13 +29083,15 @@
         </p:nvSpPr>
         <p:spPr/>
         <p:txBody>
-          <a:bodyPr/>
+          <a:bodyPr>
+            <a:normAutofit fontScale="90000"/>
+          </a:bodyPr>
           <a:lstStyle/>
           <a:p>
             <a:pPr algn="ctr"/>
             <a:r>
               <a:rPr lang="en-US" dirty="0"/>
-              <a:t>Robot DESIGN Lesson</a:t>
+              <a:t>Color sensor positioning &amp; shielding</a:t>
             </a:r>
           </a:p>
         </p:txBody>
@@ -29110,9 +29112,10 @@
           <a:lstStyle/>
           <a:p>
             <a:r>
-              <a:rPr lang="en-US" dirty="0"/>
-              <a:t>Color Sensor Positioning and Shielding</a:t>
-            </a:r>
+              <a:rPr lang="en-US"/>
+              <a:t>Seshan brothers</a:t>
+            </a:r>
+            <a:endParaRPr lang="en-US" dirty="0"/>
           </a:p>
         </p:txBody>
       </p:sp>
@@ -30552,7 +30555,7 @@
           <a:effectLst/>
           <a:extLst>
             <a:ext uri="{91240B29-F687-4f45-9708-019B960494DF}">
-              <a14:hiddenLine xmlns:a14="http://schemas.microsoft.com/office/drawing/2010/main" xmlns="" w="9525">
+              <a14:hiddenLine xmlns="" xmlns:a14="http://schemas.microsoft.com/office/drawing/2010/main" w="9525">
                 <a:solidFill>
                   <a:schemeClr val="tx1"/>
                 </a:solidFill>
@@ -30562,7 +30565,7 @@
               </a14:hiddenLine>
             </a:ext>
             <a:ext uri="{AF507438-7753-43e0-B8FC-AC1667EBCBE1}">
-              <a14:hiddenEffects xmlns:a14="http://schemas.microsoft.com/office/drawing/2010/main" xmlns="">
+              <a14:hiddenEffects xmlns="" xmlns:a14="http://schemas.microsoft.com/office/drawing/2010/main">
                 <a:effectLst>
                   <a:outerShdw dist="35921" dir="2700000" algn="ctr" rotWithShape="0">
                     <a:schemeClr val="bg2"/>
@@ -30903,7 +30906,7 @@
           <a:noFill/>
           <a:extLst>
             <a:ext uri="{909E8E84-426E-40dd-AFC4-6F175D3DCCD1}">
-              <a14:hiddenFill xmlns:a14="http://schemas.microsoft.com/office/drawing/2010/main" xmlns="">
+              <a14:hiddenFill xmlns="" xmlns:a14="http://schemas.microsoft.com/office/drawing/2010/main">
                 <a:solidFill>
                   <a:srgbClr val="FFFFFF"/>
                 </a:solidFill>

--- a/translations/en-us/RobotGame/Shielding.pptx
+++ b/translations/en-us/RobotGame/Shielding.pptx
@@ -224,7 +224,7 @@
           <a:p>
             <a:fld id="{E354B44E-40A3-0E46-B16A-9BF1250A248B}" type="datetimeFigureOut">
               <a:rPr lang="en-US" smtClean="0"/>
-              <a:t>10/28/22</a:t>
+              <a:t>5/29/23</a:t>
             </a:fld>
             <a:endParaRPr lang="en-US"/>
           </a:p>
@@ -390,7 +390,7 @@
           <a:p>
             <a:fld id="{C86AD16C-2DB4-6642-BAD4-9ED973A087A0}" type="datetimeFigureOut">
               <a:rPr lang="en-US" smtClean="0"/>
-              <a:t>10/28/22</a:t>
+              <a:t>5/29/23</a:t>
             </a:fld>
             <a:endParaRPr lang="en-US"/>
           </a:p>
@@ -1017,9 +1017,9 @@
           <a:bodyPr/>
           <a:lstStyle/>
           <a:p>
-            <a:fld id="{DBB6341E-EEC8-1C48-8C36-F6A56A1BD518}" type="datetime1">
+            <a:fld id="{06D8E8B9-1896-B542-AC4F-F4BCA1927C7C}" type="datetime1">
               <a:rPr lang="en-US" smtClean="0"/>
-              <a:t>10/28/22</a:t>
+              <a:t>5/29/23</a:t>
             </a:fld>
             <a:endParaRPr lang="en-US"/>
           </a:p>
@@ -1042,7 +1042,7 @@
           <a:p>
             <a:r>
               <a:rPr lang="en-US"/>
-              <a:t>© 2022, FLL Tutorials</a:t>
+              <a:t>© 2023, FLLTutorials.com. Last Edit 5/29/2023</a:t>
             </a:r>
           </a:p>
         </p:txBody>
@@ -1613,9 +1613,9 @@
           <a:bodyPr/>
           <a:lstStyle/>
           <a:p>
-            <a:fld id="{EE1F1209-12CE-0D46-B0E2-D7BC94A3A314}" type="datetime1">
+            <a:fld id="{5CE6D5FB-BBAB-4047-B505-D0EF578E3791}" type="datetime1">
               <a:rPr lang="en-US" smtClean="0"/>
-              <a:t>10/28/22</a:t>
+              <a:t>5/29/23</a:t>
             </a:fld>
             <a:endParaRPr lang="en-US"/>
           </a:p>
@@ -1638,7 +1638,7 @@
           <a:p>
             <a:r>
               <a:rPr lang="en-US"/>
-              <a:t>© 2022, FLL Tutorials</a:t>
+              <a:t>© 2023, FLLTutorials.com. Last Edit 5/29/2023</a:t>
             </a:r>
           </a:p>
         </p:txBody>
@@ -1794,9 +1794,9 @@
           <a:bodyPr/>
           <a:lstStyle/>
           <a:p>
-            <a:fld id="{8BCE2023-2669-714F-98BD-AE0C74B05662}" type="datetime1">
+            <a:fld id="{3BEBC507-1DCF-AA4E-9CFF-E43E7D0AB895}" type="datetime1">
               <a:rPr lang="en-US" smtClean="0"/>
-              <a:t>10/28/22</a:t>
+              <a:t>5/29/23</a:t>
             </a:fld>
             <a:endParaRPr lang="en-US"/>
           </a:p>
@@ -1819,7 +1819,7 @@
           <a:p>
             <a:r>
               <a:rPr lang="en-US"/>
-              <a:t>© 2022, FLL Tutorials</a:t>
+              <a:t>© 2023, FLLTutorials.com. Last Edit 5/29/2023</a:t>
             </a:r>
           </a:p>
         </p:txBody>
@@ -2010,9 +2010,9 @@
           <a:bodyPr/>
           <a:lstStyle/>
           <a:p>
-            <a:fld id="{13B9E716-1A02-4F46-8919-9C2A54591FE4}" type="datetime1">
+            <a:fld id="{45882756-E77F-7849-B31B-F7AEEE4D2E23}" type="datetime1">
               <a:rPr lang="en-US" smtClean="0"/>
-              <a:t>10/28/22</a:t>
+              <a:t>5/29/23</a:t>
             </a:fld>
             <a:endParaRPr lang="en-US"/>
           </a:p>
@@ -2040,7 +2040,7 @@
           <a:p>
             <a:r>
               <a:rPr lang="en-US"/>
-              <a:t>© 2022, FLL Tutorials</a:t>
+              <a:t>© 2023, FLLTutorials.com. Last Edit 5/29/2023</a:t>
             </a:r>
           </a:p>
         </p:txBody>
@@ -2230,7 +2230,7 @@
           <a:noFill/>
           <a:extLst>
             <a:ext uri="{909E8E84-426E-40dd-AFC4-6F175D3DCCD1}">
-              <a14:hiddenFill xmlns="" xmlns:a14="http://schemas.microsoft.com/office/drawing/2010/main">
+              <a14:hiddenFill xmlns:a14="http://schemas.microsoft.com/office/drawing/2010/main" xmlns="">
                 <a:solidFill>
                   <a:srgbClr val="FFFFFF"/>
                 </a:solidFill>
@@ -2854,9 +2854,9 @@
           <a:bodyPr/>
           <a:lstStyle/>
           <a:p>
-            <a:fld id="{318B68D9-F021-2342-8B34-BD69457CA268}" type="datetime1">
+            <a:fld id="{A7D974C4-E784-654F-A596-1652CD9C4E6B}" type="datetime1">
               <a:rPr lang="en-US" smtClean="0"/>
-              <a:t>10/28/22</a:t>
+              <a:t>5/29/23</a:t>
             </a:fld>
             <a:endParaRPr lang="en-US"/>
           </a:p>
@@ -2879,7 +2879,7 @@
           <a:p>
             <a:r>
               <a:rPr lang="en-US"/>
-              <a:t>© 2022, FLL Tutorials</a:t>
+              <a:t>© 2023, FLLTutorials.com. Last Edit 5/29/2023</a:t>
             </a:r>
           </a:p>
         </p:txBody>
@@ -3119,9 +3119,9 @@
           <a:bodyPr/>
           <a:lstStyle/>
           <a:p>
-            <a:fld id="{17A0DA58-1C36-EE4E-AA63-C770730556A8}" type="datetime1">
+            <a:fld id="{0DEA5B16-3335-A441-9835-FF4435898D5F}" type="datetime1">
               <a:rPr lang="en-US" smtClean="0"/>
-              <a:t>10/28/22</a:t>
+              <a:t>5/29/23</a:t>
             </a:fld>
             <a:endParaRPr lang="en-US"/>
           </a:p>
@@ -3175,7 +3175,7 @@
           <a:p>
             <a:r>
               <a:rPr lang="en-US"/>
-              <a:t>© 2022, FLL Tutorials</a:t>
+              <a:t>© 2023, FLLTutorials.com. Last Edit 5/29/2023</a:t>
             </a:r>
           </a:p>
         </p:txBody>
@@ -3422,9 +3422,9 @@
           <a:bodyPr/>
           <a:lstStyle/>
           <a:p>
-            <a:fld id="{52E53A9D-EE90-3B4B-AD71-19B076217C18}" type="datetime1">
+            <a:fld id="{5436BD21-8EBA-2749-9852-AB991FD118E6}" type="datetime1">
               <a:rPr lang="en-US" smtClean="0"/>
-              <a:t>10/28/22</a:t>
+              <a:t>5/29/23</a:t>
             </a:fld>
             <a:endParaRPr lang="en-US"/>
           </a:p>
@@ -3447,7 +3447,7 @@
           <a:p>
             <a:r>
               <a:rPr lang="en-US"/>
-              <a:t>© 2022, FLL Tutorials</a:t>
+              <a:t>© 2023, FLLTutorials.com. Last Edit 5/29/2023</a:t>
             </a:r>
           </a:p>
         </p:txBody>
@@ -3876,9 +3876,9 @@
           <a:bodyPr/>
           <a:lstStyle/>
           <a:p>
-            <a:fld id="{882DA6D4-2207-9E49-B6BF-9994C3EF247D}" type="datetime1">
+            <a:fld id="{95F8C3D3-395A-0E4B-AEF6-0A2007DEA68F}" type="datetime1">
               <a:rPr lang="en-US" smtClean="0"/>
-              <a:t>10/28/22</a:t>
+              <a:t>5/29/23</a:t>
             </a:fld>
             <a:endParaRPr lang="en-US"/>
           </a:p>
@@ -3901,7 +3901,7 @@
           <a:p>
             <a:r>
               <a:rPr lang="en-US"/>
-              <a:t>© 2022, FLL Tutorials</a:t>
+              <a:t>© 2023, FLLTutorials.com. Last Edit 5/29/2023</a:t>
             </a:r>
           </a:p>
         </p:txBody>
@@ -4004,9 +4004,9 @@
           <a:bodyPr/>
           <a:lstStyle/>
           <a:p>
-            <a:fld id="{67D9B1AE-B149-1848-9DCB-7050AAFCEE1D}" type="datetime1">
+            <a:fld id="{D00046A8-C50C-3542-8A70-C39921236C0B}" type="datetime1">
               <a:rPr lang="en-US" smtClean="0"/>
-              <a:t>10/28/22</a:t>
+              <a:t>5/29/23</a:t>
             </a:fld>
             <a:endParaRPr lang="en-US"/>
           </a:p>
@@ -4029,7 +4029,7 @@
           <a:p>
             <a:r>
               <a:rPr lang="en-US"/>
-              <a:t>© 2022, FLL Tutorials</a:t>
+              <a:t>© 2023, FLLTutorials.com. Last Edit 5/29/2023</a:t>
             </a:r>
           </a:p>
         </p:txBody>
@@ -4110,9 +4110,9 @@
           <a:bodyPr/>
           <a:lstStyle/>
           <a:p>
-            <a:fld id="{9667A87D-611F-AF47-8BC4-C502AACCB9C3}" type="datetime1">
+            <a:fld id="{E26205D8-737E-E84E-8459-B0333E4E4D4B}" type="datetime1">
               <a:rPr lang="en-US" smtClean="0"/>
-              <a:t>10/28/22</a:t>
+              <a:t>5/29/23</a:t>
             </a:fld>
             <a:endParaRPr lang="en-US"/>
           </a:p>
@@ -4135,7 +4135,7 @@
           <a:p>
             <a:r>
               <a:rPr lang="en-US"/>
-              <a:t>© 2022, FLL Tutorials</a:t>
+              <a:t>© 2023, FLLTutorials.com. Last Edit 5/29/2023</a:t>
             </a:r>
           </a:p>
         </p:txBody>
@@ -4368,9 +4368,9 @@
           <a:bodyPr/>
           <a:lstStyle/>
           <a:p>
-            <a:fld id="{B98EB033-BF00-5F4A-BE1A-A75C0A44D5FA}" type="datetime1">
+            <a:fld id="{DAEF9F67-4CB7-2E45-A188-03BC42AEEF92}" type="datetime1">
               <a:rPr lang="en-US" smtClean="0"/>
-              <a:t>10/28/22</a:t>
+              <a:t>5/29/23</a:t>
             </a:fld>
             <a:endParaRPr lang="en-US"/>
           </a:p>
@@ -4393,7 +4393,7 @@
           <a:p>
             <a:r>
               <a:rPr lang="en-US"/>
-              <a:t>© 2022, FLL Tutorials</a:t>
+              <a:t>© 2023, FLLTutorials.com. Last Edit 5/29/2023</a:t>
             </a:r>
           </a:p>
         </p:txBody>
@@ -4580,9 +4580,9 @@
           <a:bodyPr/>
           <a:lstStyle/>
           <a:p>
-            <a:fld id="{F41E9B39-E715-CD44-B67F-3B6CC5243319}" type="datetime1">
+            <a:fld id="{10FC1B72-DFA8-E94F-87EC-C07B68C62065}" type="datetime1">
               <a:rPr lang="en-US" smtClean="0"/>
-              <a:t>10/28/22</a:t>
+              <a:t>5/29/23</a:t>
             </a:fld>
             <a:endParaRPr lang="en-US"/>
           </a:p>
@@ -4605,7 +4605,7 @@
           <a:p>
             <a:r>
               <a:rPr lang="en-US"/>
-              <a:t>© 2022, FLL Tutorials</a:t>
+              <a:t>© 2023, FLLTutorials.com. Last Edit 5/29/2023</a:t>
             </a:r>
           </a:p>
         </p:txBody>
@@ -4863,9 +4863,9 @@
           <a:bodyPr/>
           <a:lstStyle/>
           <a:p>
-            <a:fld id="{8A1F7F04-3DC0-2A44-9BC9-524186B740EC}" type="datetime1">
+            <a:fld id="{95A1E072-CA7E-A343-A61C-89D97724849E}" type="datetime1">
               <a:rPr lang="en-US" smtClean="0"/>
-              <a:t>10/28/22</a:t>
+              <a:t>5/29/23</a:t>
             </a:fld>
             <a:endParaRPr lang="en-US"/>
           </a:p>
@@ -4888,7 +4888,7 @@
           <a:p>
             <a:r>
               <a:rPr lang="en-US"/>
-              <a:t>© 2022, FLL Tutorials</a:t>
+              <a:t>© 2023, FLLTutorials.com. Last Edit 5/29/2023</a:t>
             </a:r>
           </a:p>
         </p:txBody>
@@ -5130,9 +5130,9 @@
           <a:bodyPr/>
           <a:lstStyle/>
           <a:p>
-            <a:fld id="{4236740C-FA49-4E44-A63B-A3C9E6D9DC8E}" type="datetime1">
+            <a:fld id="{DF79536F-680F-2C44-BFB1-90014A0F3659}" type="datetime1">
               <a:rPr lang="en-US" smtClean="0"/>
-              <a:t>10/28/22</a:t>
+              <a:t>5/29/23</a:t>
             </a:fld>
             <a:endParaRPr lang="en-US"/>
           </a:p>
@@ -5155,7 +5155,7 @@
           <a:p>
             <a:r>
               <a:rPr lang="en-US"/>
-              <a:t>© 2022, FLL Tutorials</a:t>
+              <a:t>© 2023, FLLTutorials.com. Last Edit 5/29/2023</a:t>
             </a:r>
           </a:p>
         </p:txBody>
@@ -5319,9 +5319,9 @@
           <a:bodyPr/>
           <a:lstStyle/>
           <a:p>
-            <a:fld id="{6A795FC1-31A6-B946-B63E-0E7CC9729020}" type="datetime1">
+            <a:fld id="{1536EE3D-7EF7-8A4D-A914-F69BE95AA692}" type="datetime1">
               <a:rPr lang="en-US" smtClean="0"/>
-              <a:t>10/28/22</a:t>
+              <a:t>5/29/23</a:t>
             </a:fld>
             <a:endParaRPr lang="en-US"/>
           </a:p>
@@ -5344,7 +5344,7 @@
           <a:p>
             <a:r>
               <a:rPr lang="en-US"/>
-              <a:t>© 2022, FLL Tutorials</a:t>
+              <a:t>© 2023, FLLTutorials.com. Last Edit 5/29/2023</a:t>
             </a:r>
           </a:p>
         </p:txBody>
@@ -5520,9 +5520,9 @@
           <a:bodyPr/>
           <a:lstStyle/>
           <a:p>
-            <a:fld id="{827F0AD7-2C04-4E41-88F0-1CBDB0AF8402}" type="datetime1">
+            <a:fld id="{0C90A4DA-9442-0D4E-8E3A-0D3936FFB7A8}" type="datetime1">
               <a:rPr lang="en-US" smtClean="0"/>
-              <a:t>10/28/22</a:t>
+              <a:t>5/29/23</a:t>
             </a:fld>
             <a:endParaRPr lang="en-US"/>
           </a:p>
@@ -5545,7 +5545,7 @@
           <a:p>
             <a:r>
               <a:rPr lang="en-US"/>
-              <a:t>© 2022, FLL Tutorials</a:t>
+              <a:t>© 2023, FLLTutorials.com. Last Edit 5/29/2023</a:t>
             </a:r>
           </a:p>
         </p:txBody>
@@ -5691,9 +5691,9 @@
           <a:bodyPr/>
           <a:lstStyle/>
           <a:p>
-            <a:fld id="{7B7440FD-6D6F-3845-9ACA-27064F046E4F}" type="datetime1">
+            <a:fld id="{5C44DA06-8CD1-A04F-9F35-7077EC6F4B29}" type="datetime1">
               <a:rPr lang="en-US" smtClean="0"/>
-              <a:t>10/28/22</a:t>
+              <a:t>5/29/23</a:t>
             </a:fld>
             <a:endParaRPr lang="en-US"/>
           </a:p>
@@ -5716,7 +5716,7 @@
           <a:p>
             <a:r>
               <a:rPr lang="en-US"/>
-              <a:t>© 2022, FLL Tutorials</a:t>
+              <a:t>© 2023, FLLTutorials.com. Last Edit 5/29/2023</a:t>
             </a:r>
           </a:p>
         </p:txBody>
@@ -5939,9 +5939,9 @@
           <a:bodyPr/>
           <a:lstStyle/>
           <a:p>
-            <a:fld id="{335143AF-07E0-AD4D-B417-948B5F9C4C8A}" type="datetime1">
+            <a:fld id="{0DC24D2B-C0FA-0647-9507-025FCD46CD3D}" type="datetime1">
               <a:rPr lang="en-US" smtClean="0"/>
-              <a:t>10/28/22</a:t>
+              <a:t>5/29/23</a:t>
             </a:fld>
             <a:endParaRPr lang="en-US"/>
           </a:p>
@@ -5964,7 +5964,7 @@
           <a:p>
             <a:r>
               <a:rPr lang="en-US"/>
-              <a:t>© 2022, FLL Tutorials</a:t>
+              <a:t>© 2023, FLLTutorials.com. Last Edit 5/29/2023</a:t>
             </a:r>
           </a:p>
         </p:txBody>
@@ -6171,9 +6171,9 @@
           <a:bodyPr/>
           <a:lstStyle/>
           <a:p>
-            <a:fld id="{8B23F049-A8E1-034F-82EF-80ADD7E92585}" type="datetime1">
+            <a:fld id="{81C0676B-8691-9C40-9C6C-3BF2E8D1E9FB}" type="datetime1">
               <a:rPr lang="en-US" smtClean="0"/>
-              <a:t>10/28/22</a:t>
+              <a:t>5/29/23</a:t>
             </a:fld>
             <a:endParaRPr lang="en-US"/>
           </a:p>
@@ -6196,7 +6196,7 @@
           <a:p>
             <a:r>
               <a:rPr lang="en-US"/>
-              <a:t>© 2022, FLL Tutorials</a:t>
+              <a:t>© 2023, FLLTutorials.com. Last Edit 5/29/2023</a:t>
             </a:r>
           </a:p>
         </p:txBody>
@@ -6538,9 +6538,9 @@
           <a:bodyPr/>
           <a:lstStyle/>
           <a:p>
-            <a:fld id="{8E713E2D-A0DA-2F4F-A3F4-79F8D24AE626}" type="datetime1">
+            <a:fld id="{659CA1A1-C1CA-D34B-B64B-09F294BA290B}" type="datetime1">
               <a:rPr lang="en-US" smtClean="0"/>
-              <a:t>10/28/22</a:t>
+              <a:t>5/29/23</a:t>
             </a:fld>
             <a:endParaRPr lang="en-US"/>
           </a:p>
@@ -6563,7 +6563,7 @@
           <a:p>
             <a:r>
               <a:rPr lang="en-US"/>
-              <a:t>© 2022, FLL Tutorials</a:t>
+              <a:t>© 2023, FLLTutorials.com. Last Edit 5/29/2023</a:t>
             </a:r>
           </a:p>
         </p:txBody>
@@ -6658,9 +6658,9 @@
           <a:bodyPr/>
           <a:lstStyle/>
           <a:p>
-            <a:fld id="{54A0D486-F0C8-344C-9CF0-E5C882E1D271}" type="datetime1">
+            <a:fld id="{005C9F3E-A7EC-F744-AA8D-9170BFA8EC94}" type="datetime1">
               <a:rPr lang="en-US" smtClean="0"/>
-              <a:t>10/28/22</a:t>
+              <a:t>5/29/23</a:t>
             </a:fld>
             <a:endParaRPr lang="en-US"/>
           </a:p>
@@ -6683,7 +6683,7 @@
           <a:p>
             <a:r>
               <a:rPr lang="en-US"/>
-              <a:t>© 2022, FLL Tutorials</a:t>
+              <a:t>© 2023, FLLTutorials.com. Last Edit 5/29/2023</a:t>
             </a:r>
           </a:p>
         </p:txBody>
@@ -6756,9 +6756,9 @@
           <a:bodyPr/>
           <a:lstStyle/>
           <a:p>
-            <a:fld id="{2CBE5D0B-BE38-3141-8548-DEA0B6F9B639}" type="datetime1">
+            <a:fld id="{9E0E97B0-8FD1-8041-9B4E-8D176286FF25}" type="datetime1">
               <a:rPr lang="en-US" smtClean="0"/>
-              <a:t>10/28/22</a:t>
+              <a:t>5/29/23</a:t>
             </a:fld>
             <a:endParaRPr lang="en-US"/>
           </a:p>
@@ -6781,7 +6781,7 @@
           <a:p>
             <a:r>
               <a:rPr lang="en-US"/>
-              <a:t>© 2022, FLL Tutorials</a:t>
+              <a:t>© 2023, FLLTutorials.com. Last Edit 5/29/2023</a:t>
             </a:r>
           </a:p>
         </p:txBody>
@@ -7013,9 +7013,9 @@
           <a:bodyPr/>
           <a:lstStyle/>
           <a:p>
-            <a:fld id="{D2E33830-EF31-9A44-9FA3-1DDD07A1C999}" type="datetime1">
+            <a:fld id="{DAFAF498-D80E-2043-BAE9-AB6760133C53}" type="datetime1">
               <a:rPr lang="en-US" smtClean="0"/>
-              <a:t>10/28/22</a:t>
+              <a:t>5/29/23</a:t>
             </a:fld>
             <a:endParaRPr lang="en-US"/>
           </a:p>
@@ -7061,7 +7061,7 @@
           <a:p>
             <a:r>
               <a:rPr lang="en-US"/>
-              <a:t>© 2022, FLL Tutorials</a:t>
+              <a:t>© 2023, FLLTutorials.com. Last Edit 5/29/2023</a:t>
             </a:r>
           </a:p>
         </p:txBody>
@@ -7291,9 +7291,9 @@
           <a:bodyPr/>
           <a:lstStyle/>
           <a:p>
-            <a:fld id="{9BAE9E7E-9EFA-2642-B30E-6FA7AE1B1C68}" type="datetime1">
+            <a:fld id="{591C5E91-B9E9-7644-82D9-EAED9C86B2CF}" type="datetime1">
               <a:rPr lang="en-US" smtClean="0"/>
-              <a:t>10/28/22</a:t>
+              <a:t>5/29/23</a:t>
             </a:fld>
             <a:endParaRPr lang="en-US"/>
           </a:p>
@@ -7316,7 +7316,7 @@
           <a:p>
             <a:r>
               <a:rPr lang="en-US"/>
-              <a:t>© 2022, FLL Tutorials</a:t>
+              <a:t>© 2023, FLLTutorials.com. Last Edit 5/29/2023</a:t>
             </a:r>
           </a:p>
         </p:txBody>
@@ -7549,9 +7549,9 @@
           <a:bodyPr/>
           <a:lstStyle/>
           <a:p>
-            <a:fld id="{1B9CF468-4981-7A40-A807-3B08C163EDC5}" type="datetime1">
+            <a:fld id="{FF1C9505-5175-5B43-8D2A-AE56AC013CB1}" type="datetime1">
               <a:rPr lang="en-US" smtClean="0"/>
-              <a:t>10/28/22</a:t>
+              <a:t>5/29/23</a:t>
             </a:fld>
             <a:endParaRPr lang="en-US"/>
           </a:p>
@@ -7574,7 +7574,7 @@
           <a:p>
             <a:r>
               <a:rPr lang="en-US"/>
-              <a:t>© 2022, FLL Tutorials</a:t>
+              <a:t>© 2023, FLLTutorials.com. Last Edit 5/29/2023</a:t>
             </a:r>
           </a:p>
         </p:txBody>
@@ -7720,9 +7720,9 @@
           <a:bodyPr/>
           <a:lstStyle/>
           <a:p>
-            <a:fld id="{17A36871-95EE-4448-98EB-0F0A3DC71F4B}" type="datetime1">
+            <a:fld id="{579FDA02-0B02-4A46-8CCA-0D2E630E261E}" type="datetime1">
               <a:rPr lang="en-US" smtClean="0"/>
-              <a:t>10/28/22</a:t>
+              <a:t>5/29/23</a:t>
             </a:fld>
             <a:endParaRPr lang="en-US"/>
           </a:p>
@@ -7745,7 +7745,7 @@
           <a:p>
             <a:r>
               <a:rPr lang="en-US"/>
-              <a:t>© 2022, FLL Tutorials</a:t>
+              <a:t>© 2023, FLLTutorials.com. Last Edit 5/29/2023</a:t>
             </a:r>
           </a:p>
         </p:txBody>
@@ -7901,9 +7901,9 @@
           <a:bodyPr/>
           <a:lstStyle/>
           <a:p>
-            <a:fld id="{ADDD1D69-9795-5245-8175-06150096A74E}" type="datetime1">
+            <a:fld id="{4923389E-7803-D04C-8D52-DE060354A897}" type="datetime1">
               <a:rPr lang="en-US" smtClean="0"/>
-              <a:t>10/28/22</a:t>
+              <a:t>5/29/23</a:t>
             </a:fld>
             <a:endParaRPr lang="en-US"/>
           </a:p>
@@ -7926,7 +7926,7 @@
           <a:p>
             <a:r>
               <a:rPr lang="en-US"/>
-              <a:t>© 2022, FLL Tutorials</a:t>
+              <a:t>© 2023, FLLTutorials.com. Last Edit 5/29/2023</a:t>
             </a:r>
           </a:p>
         </p:txBody>
@@ -8158,9 +8158,9 @@
           <a:bodyPr/>
           <a:lstStyle/>
           <a:p>
-            <a:fld id="{653BCB5D-FA56-3F4E-9CD0-3277584D34EB}" type="datetime1">
+            <a:fld id="{D9F6685F-ED1E-F147-AA8D-73E20E98157A}" type="datetime1">
               <a:rPr lang="en-US" smtClean="0"/>
-              <a:t>10/28/22</a:t>
+              <a:t>5/29/23</a:t>
             </a:fld>
             <a:endParaRPr lang="en-US"/>
           </a:p>
@@ -8183,7 +8183,7 @@
           <a:p>
             <a:r>
               <a:rPr lang="en-US"/>
-              <a:t>© 2022, FLL Tutorials</a:t>
+              <a:t>© 2023, FLLTutorials.com. Last Edit 5/29/2023</a:t>
             </a:r>
           </a:p>
         </p:txBody>
@@ -9182,9 +9182,9 @@
           <a:bodyPr/>
           <a:lstStyle/>
           <a:p>
-            <a:fld id="{8EA12634-9CE0-474E-9EBA-D8AF1B50F16F}" type="datetime1">
+            <a:fld id="{CD617B47-14D1-C441-97E9-8E22566C3674}" type="datetime1">
               <a:rPr lang="en-US" smtClean="0"/>
-              <a:t>10/28/22</a:t>
+              <a:t>5/29/23</a:t>
             </a:fld>
             <a:endParaRPr lang="en-US"/>
           </a:p>
@@ -9207,7 +9207,7 @@
           <a:p>
             <a:r>
               <a:rPr lang="en-US"/>
-              <a:t>© 2022, FLL Tutorials</a:t>
+              <a:t>© 2023, FLLTutorials.com. Last Edit 5/29/2023</a:t>
             </a:r>
           </a:p>
         </p:txBody>
@@ -9444,9 +9444,9 @@
           <a:bodyPr/>
           <a:lstStyle/>
           <a:p>
-            <a:fld id="{90C7DCCE-48B8-6348-91C4-97CB73083528}" type="datetime1">
+            <a:fld id="{BF07ECDC-B431-9A4B-99BB-8ACD867CE7D1}" type="datetime1">
               <a:rPr lang="en-US" smtClean="0"/>
-              <a:t>10/28/22</a:t>
+              <a:t>5/29/23</a:t>
             </a:fld>
             <a:endParaRPr lang="en-US"/>
           </a:p>
@@ -9492,7 +9492,7 @@
           <a:p>
             <a:r>
               <a:rPr lang="en-US"/>
-              <a:t>© 2022, FLL Tutorials</a:t>
+              <a:t>© 2023, FLLTutorials.com. Last Edit 5/29/2023</a:t>
             </a:r>
           </a:p>
         </p:txBody>
@@ -9739,9 +9739,9 @@
           <a:bodyPr/>
           <a:lstStyle/>
           <a:p>
-            <a:fld id="{38553DBC-B12B-AA4D-BA69-428A2D2E54D9}" type="datetime1">
+            <a:fld id="{9ABD70A7-ABEE-DB42-9852-2E88B1E9081B}" type="datetime1">
               <a:rPr lang="en-US" smtClean="0"/>
-              <a:t>10/28/22</a:t>
+              <a:t>5/29/23</a:t>
             </a:fld>
             <a:endParaRPr lang="en-US"/>
           </a:p>
@@ -9764,7 +9764,7 @@
           <a:p>
             <a:r>
               <a:rPr lang="en-US"/>
-              <a:t>© 2022, FLL Tutorials</a:t>
+              <a:t>© 2023, FLLTutorials.com. Last Edit 5/29/2023</a:t>
             </a:r>
           </a:p>
         </p:txBody>
@@ -10185,9 +10185,9 @@
           <a:bodyPr/>
           <a:lstStyle/>
           <a:p>
-            <a:fld id="{F16BEB11-9633-E04F-8286-27B6BCBB2B3F}" type="datetime1">
+            <a:fld id="{7EC98C63-319A-AF45-8113-79D563743D37}" type="datetime1">
               <a:rPr lang="en-US" smtClean="0"/>
-              <a:t>10/28/22</a:t>
+              <a:t>5/29/23</a:t>
             </a:fld>
             <a:endParaRPr lang="en-US"/>
           </a:p>
@@ -10210,7 +10210,7 @@
           <a:p>
             <a:r>
               <a:rPr lang="en-US"/>
-              <a:t>© 2022, FLL Tutorials</a:t>
+              <a:t>© 2023, FLLTutorials.com. Last Edit 5/29/2023</a:t>
             </a:r>
           </a:p>
         </p:txBody>
@@ -10305,9 +10305,9 @@
           <a:bodyPr/>
           <a:lstStyle/>
           <a:p>
-            <a:fld id="{9ADF19DD-CA93-9F4F-83B1-5C6BA5C5DA30}" type="datetime1">
+            <a:fld id="{63336F62-E8D7-0B4C-BE9A-175013DA2CE2}" type="datetime1">
               <a:rPr lang="en-US" smtClean="0"/>
-              <a:t>10/28/22</a:t>
+              <a:t>5/29/23</a:t>
             </a:fld>
             <a:endParaRPr lang="en-US"/>
           </a:p>
@@ -10330,7 +10330,7 @@
           <a:p>
             <a:r>
               <a:rPr lang="en-US"/>
-              <a:t>© 2022, FLL Tutorials</a:t>
+              <a:t>© 2023, FLLTutorials.com. Last Edit 5/29/2023</a:t>
             </a:r>
           </a:p>
         </p:txBody>
@@ -10599,9 +10599,9 @@
           <a:bodyPr/>
           <a:lstStyle/>
           <a:p>
-            <a:fld id="{DA8D629B-B15A-824B-B804-96B54BE015CF}" type="datetime1">
+            <a:fld id="{216BC5DA-FEDA-4A47-BF63-D0E289BD208C}" type="datetime1">
               <a:rPr lang="en-US" smtClean="0"/>
-              <a:t>10/28/22</a:t>
+              <a:t>5/29/23</a:t>
             </a:fld>
             <a:endParaRPr lang="en-US"/>
           </a:p>
@@ -10624,7 +10624,7 @@
           <a:p>
             <a:r>
               <a:rPr lang="en-US"/>
-              <a:t>© 2022, FLL Tutorials</a:t>
+              <a:t>© 2023, FLLTutorials.com. Last Edit 5/29/2023</a:t>
             </a:r>
           </a:p>
         </p:txBody>
@@ -10697,9 +10697,9 @@
           <a:bodyPr/>
           <a:lstStyle/>
           <a:p>
-            <a:fld id="{91909391-A48E-3943-96CF-4E78CBA3223F}" type="datetime1">
+            <a:fld id="{89115200-51C3-AC4D-ABAD-12EFD2D161A4}" type="datetime1">
               <a:rPr lang="en-US" smtClean="0"/>
-              <a:t>10/28/22</a:t>
+              <a:t>5/29/23</a:t>
             </a:fld>
             <a:endParaRPr lang="en-US"/>
           </a:p>
@@ -10722,7 +10722,7 @@
           <a:p>
             <a:r>
               <a:rPr lang="en-US"/>
-              <a:t>© 2022, FLL Tutorials</a:t>
+              <a:t>© 2023, FLLTutorials.com. Last Edit 5/29/2023</a:t>
             </a:r>
           </a:p>
         </p:txBody>
@@ -10947,9 +10947,9 @@
           <a:bodyPr/>
           <a:lstStyle/>
           <a:p>
-            <a:fld id="{AF8B2A03-7527-7F4A-90D7-6979382201D7}" type="datetime1">
+            <a:fld id="{0B9D0205-736C-F24D-9664-18B0AC21CB84}" type="datetime1">
               <a:rPr lang="en-US" smtClean="0"/>
-              <a:t>10/28/22</a:t>
+              <a:t>5/29/23</a:t>
             </a:fld>
             <a:endParaRPr lang="en-US"/>
           </a:p>
@@ -10972,7 +10972,7 @@
           <a:p>
             <a:r>
               <a:rPr lang="en-US"/>
-              <a:t>© 2022, FLL Tutorials</a:t>
+              <a:t>© 2023, FLLTutorials.com. Last Edit 5/29/2023</a:t>
             </a:r>
           </a:p>
         </p:txBody>
@@ -11247,9 +11247,9 @@
           <a:bodyPr/>
           <a:lstStyle/>
           <a:p>
-            <a:fld id="{2A828DFE-A99A-134F-AD9D-FE837690CEFD}" type="datetime1">
+            <a:fld id="{4305C5D0-23E1-E246-8B44-4436AA2944D0}" type="datetime1">
               <a:rPr lang="en-US" smtClean="0"/>
-              <a:t>10/28/22</a:t>
+              <a:t>5/29/23</a:t>
             </a:fld>
             <a:endParaRPr lang="en-US"/>
           </a:p>
@@ -11272,7 +11272,7 @@
           <a:p>
             <a:r>
               <a:rPr lang="en-US"/>
-              <a:t>© 2022, FLL Tutorials</a:t>
+              <a:t>© 2023, FLLTutorials.com. Last Edit 5/29/2023</a:t>
             </a:r>
           </a:p>
         </p:txBody>
@@ -11506,9 +11506,9 @@
           <a:bodyPr/>
           <a:lstStyle/>
           <a:p>
-            <a:fld id="{D0AC7B8E-BA30-0340-94BD-5CB00A23DCDE}" type="datetime1">
+            <a:fld id="{FB678551-88A2-2A41-877C-84BF13A468F2}" type="datetime1">
               <a:rPr lang="en-US" smtClean="0"/>
-              <a:t>10/28/22</a:t>
+              <a:t>5/29/23</a:t>
             </a:fld>
             <a:endParaRPr lang="en-US"/>
           </a:p>
@@ -11531,7 +11531,7 @@
           <a:p>
             <a:r>
               <a:rPr lang="en-US"/>
-              <a:t>© 2022, FLL Tutorials</a:t>
+              <a:t>© 2023, FLLTutorials.com. Last Edit 5/29/2023</a:t>
             </a:r>
           </a:p>
         </p:txBody>
@@ -11687,9 +11687,9 @@
           <a:bodyPr/>
           <a:lstStyle/>
           <a:p>
-            <a:fld id="{B21D13DF-2CF8-4A47-B3A7-87536DDC3ABB}" type="datetime1">
+            <a:fld id="{8DE6FEA0-A3F3-CA44-BEED-9888912061BC}" type="datetime1">
               <a:rPr lang="en-US" smtClean="0"/>
-              <a:t>10/28/22</a:t>
+              <a:t>5/29/23</a:t>
             </a:fld>
             <a:endParaRPr lang="en-US"/>
           </a:p>
@@ -11712,7 +11712,7 @@
           <a:p>
             <a:r>
               <a:rPr lang="en-US"/>
-              <a:t>© 2022, FLL Tutorials</a:t>
+              <a:t>© 2023, FLLTutorials.com. Last Edit 5/29/2023</a:t>
             </a:r>
           </a:p>
         </p:txBody>
@@ -11903,9 +11903,9 @@
           <a:bodyPr/>
           <a:lstStyle/>
           <a:p>
-            <a:fld id="{9D0B7AF0-FFAF-0748-8CA5-932176C9C38F}" type="datetime1">
+            <a:fld id="{8F95361A-D530-874D-95D1-FE57E7F572E4}" type="datetime1">
               <a:rPr lang="en-US" smtClean="0"/>
-              <a:t>10/28/22</a:t>
+              <a:t>5/29/23</a:t>
             </a:fld>
             <a:endParaRPr lang="en-US"/>
           </a:p>
@@ -11933,7 +11933,7 @@
           <a:p>
             <a:r>
               <a:rPr lang="en-US"/>
-              <a:t>© 2022, FLL Tutorials</a:t>
+              <a:t>© 2023, FLLTutorials.com. Last Edit 5/29/2023</a:t>
             </a:r>
           </a:p>
         </p:txBody>
@@ -13159,9 +13159,9 @@
           <a:bodyPr/>
           <a:lstStyle/>
           <a:p>
-            <a:fld id="{708CE804-FF78-6F4F-96F3-A77A9DAF446A}" type="datetime1">
+            <a:fld id="{38B6ACEA-EA1E-6E45-B7DF-7697F052C974}" type="datetime1">
               <a:rPr lang="en-US" smtClean="0"/>
-              <a:t>10/28/22</a:t>
+              <a:t>5/29/23</a:t>
             </a:fld>
             <a:endParaRPr lang="en-US"/>
           </a:p>
@@ -13184,7 +13184,7 @@
           <a:p>
             <a:r>
               <a:rPr lang="en-US"/>
-              <a:t>© 2022, FLL Tutorials</a:t>
+              <a:t>© 2023, FLLTutorials.com. Last Edit 5/29/2023</a:t>
             </a:r>
           </a:p>
         </p:txBody>
@@ -13424,9 +13424,9 @@
           <a:bodyPr/>
           <a:lstStyle/>
           <a:p>
-            <a:fld id="{DFBA8F63-22AC-2048-957B-2FE5FFA3E3CE}" type="datetime1">
+            <a:fld id="{B9A6AD89-6C3A-D94C-AAB8-CC8F841AF1B7}" type="datetime1">
               <a:rPr lang="en-US" smtClean="0"/>
-              <a:t>10/28/22</a:t>
+              <a:t>5/29/23</a:t>
             </a:fld>
             <a:endParaRPr lang="en-US"/>
           </a:p>
@@ -13480,7 +13480,7 @@
           <a:p>
             <a:r>
               <a:rPr lang="en-US"/>
-              <a:t>© 2022, FLL Tutorials</a:t>
+              <a:t>© 2023, FLLTutorials.com. Last Edit 5/29/2023</a:t>
             </a:r>
           </a:p>
         </p:txBody>
@@ -13727,9 +13727,9 @@
           <a:bodyPr/>
           <a:lstStyle/>
           <a:p>
-            <a:fld id="{481EE238-CBCC-A344-A163-7402B06A4E06}" type="datetime1">
+            <a:fld id="{7827F1B2-B1FD-0940-B440-A34A57B5A0D3}" type="datetime1">
               <a:rPr lang="en-US" smtClean="0"/>
-              <a:t>10/28/22</a:t>
+              <a:t>5/29/23</a:t>
             </a:fld>
             <a:endParaRPr lang="en-US"/>
           </a:p>
@@ -13752,7 +13752,7 @@
           <a:p>
             <a:r>
               <a:rPr lang="en-US"/>
-              <a:t>© 2022, FLL Tutorials</a:t>
+              <a:t>© 2023, FLLTutorials.com. Last Edit 5/29/2023</a:t>
             </a:r>
           </a:p>
         </p:txBody>
@@ -14181,9 +14181,9 @@
           <a:bodyPr/>
           <a:lstStyle/>
           <a:p>
-            <a:fld id="{EC6D4E9E-35AC-C840-BDF8-C2CDA1E7C074}" type="datetime1">
+            <a:fld id="{FA42C825-27BE-984F-A49C-FFFE90747A17}" type="datetime1">
               <a:rPr lang="en-US" smtClean="0"/>
-              <a:t>10/28/22</a:t>
+              <a:t>5/29/23</a:t>
             </a:fld>
             <a:endParaRPr lang="en-US"/>
           </a:p>
@@ -14206,7 +14206,7 @@
           <a:p>
             <a:r>
               <a:rPr lang="en-US"/>
-              <a:t>© 2022, FLL Tutorials</a:t>
+              <a:t>© 2023, FLLTutorials.com. Last Edit 5/29/2023</a:t>
             </a:r>
           </a:p>
         </p:txBody>
@@ -14635,9 +14635,9 @@
           <a:bodyPr/>
           <a:lstStyle/>
           <a:p>
-            <a:fld id="{E87A3AD4-4B4B-E743-90E2-71939D1BCD21}" type="datetime1">
+            <a:fld id="{09206FD7-5DF4-5B4F-ABEB-2FEE868B2306}" type="datetime1">
               <a:rPr lang="en-US" smtClean="0"/>
-              <a:t>10/28/22</a:t>
+              <a:t>5/29/23</a:t>
             </a:fld>
             <a:endParaRPr lang="en-US"/>
           </a:p>
@@ -14660,7 +14660,7 @@
           <a:p>
             <a:r>
               <a:rPr lang="en-US"/>
-              <a:t>© 2022, FLL Tutorials</a:t>
+              <a:t>© 2023, FLLTutorials.com. Last Edit 5/29/2023</a:t>
             </a:r>
           </a:p>
         </p:txBody>
@@ -14755,9 +14755,9 @@
           <a:bodyPr/>
           <a:lstStyle/>
           <a:p>
-            <a:fld id="{25BAF417-F9B6-7C47-B3A2-B472D364C089}" type="datetime1">
+            <a:fld id="{08996C55-C43F-F345-A9C9-20F23164C05B}" type="datetime1">
               <a:rPr lang="en-US" smtClean="0"/>
-              <a:t>10/28/22</a:t>
+              <a:t>5/29/23</a:t>
             </a:fld>
             <a:endParaRPr lang="en-US"/>
           </a:p>
@@ -14780,7 +14780,7 @@
           <a:p>
             <a:r>
               <a:rPr lang="en-US"/>
-              <a:t>© 2022, FLL Tutorials</a:t>
+              <a:t>© 2023, FLLTutorials.com. Last Edit 5/29/2023</a:t>
             </a:r>
           </a:p>
         </p:txBody>
@@ -14861,9 +14861,9 @@
           <a:bodyPr/>
           <a:lstStyle/>
           <a:p>
-            <a:fld id="{1ABDF461-E3EC-954D-AA70-F4D2F8F61512}" type="datetime1">
+            <a:fld id="{A28F2E10-520E-8141-833B-061B6915B03C}" type="datetime1">
               <a:rPr lang="en-US" smtClean="0"/>
-              <a:t>10/28/22</a:t>
+              <a:t>5/29/23</a:t>
             </a:fld>
             <a:endParaRPr lang="en-US"/>
           </a:p>
@@ -14886,7 +14886,7 @@
           <a:p>
             <a:r>
               <a:rPr lang="en-US"/>
-              <a:t>© 2022, FLL Tutorials</a:t>
+              <a:t>© 2023, FLLTutorials.com. Last Edit 5/29/2023</a:t>
             </a:r>
           </a:p>
         </p:txBody>
@@ -15119,9 +15119,9 @@
           <a:bodyPr/>
           <a:lstStyle/>
           <a:p>
-            <a:fld id="{3215EAEE-1672-B546-BE5C-04734C0B81C0}" type="datetime1">
+            <a:fld id="{8EA29123-95AD-4844-98EB-DEE861161D40}" type="datetime1">
               <a:rPr lang="en-US" smtClean="0"/>
-              <a:t>10/28/22</a:t>
+              <a:t>5/29/23</a:t>
             </a:fld>
             <a:endParaRPr lang="en-US"/>
           </a:p>
@@ -15144,7 +15144,7 @@
           <a:p>
             <a:r>
               <a:rPr lang="en-US"/>
-              <a:t>© 2022, FLL Tutorials</a:t>
+              <a:t>© 2023, FLLTutorials.com. Last Edit 5/29/2023</a:t>
             </a:r>
           </a:p>
         </p:txBody>
@@ -15427,9 +15427,9 @@
           <a:bodyPr/>
           <a:lstStyle/>
           <a:p>
-            <a:fld id="{7CBD5554-C5BC-1542-8263-31BD435278DF}" type="datetime1">
+            <a:fld id="{04F612E6-50D0-294A-9199-0BD3369655D1}" type="datetime1">
               <a:rPr lang="en-US" smtClean="0"/>
-              <a:t>10/28/22</a:t>
+              <a:t>5/29/23</a:t>
             </a:fld>
             <a:endParaRPr lang="en-US"/>
           </a:p>
@@ -15452,7 +15452,7 @@
           <a:p>
             <a:r>
               <a:rPr lang="en-US"/>
-              <a:t>© 2022, FLL Tutorials</a:t>
+              <a:t>© 2023, FLLTutorials.com. Last Edit 5/29/2023</a:t>
             </a:r>
           </a:p>
         </p:txBody>
@@ -15694,9 +15694,9 @@
           <a:bodyPr/>
           <a:lstStyle/>
           <a:p>
-            <a:fld id="{35715002-D30F-1E45-BACA-107275F2FFDD}" type="datetime1">
+            <a:fld id="{72817067-4DA3-DE4E-8077-D61C155A30E9}" type="datetime1">
               <a:rPr lang="en-US" smtClean="0"/>
-              <a:t>10/28/22</a:t>
+              <a:t>5/29/23</a:t>
             </a:fld>
             <a:endParaRPr lang="en-US"/>
           </a:p>
@@ -15719,7 +15719,7 @@
           <a:p>
             <a:r>
               <a:rPr lang="en-US"/>
-              <a:t>© 2022, FLL Tutorials</a:t>
+              <a:t>© 2023, FLLTutorials.com. Last Edit 5/29/2023</a:t>
             </a:r>
           </a:p>
         </p:txBody>
@@ -15883,9 +15883,9 @@
           <a:bodyPr/>
           <a:lstStyle/>
           <a:p>
-            <a:fld id="{92563695-1DF2-954D-A50C-5CC9941FA9B9}" type="datetime1">
+            <a:fld id="{9C41DFAB-F176-814C-A7A7-8280B70DFD53}" type="datetime1">
               <a:rPr lang="en-US" smtClean="0"/>
-              <a:t>10/28/22</a:t>
+              <a:t>5/29/23</a:t>
             </a:fld>
             <a:endParaRPr lang="en-US"/>
           </a:p>
@@ -15908,7 +15908,7 @@
           <a:p>
             <a:r>
               <a:rPr lang="en-US"/>
-              <a:t>© 2022, FLL Tutorials</a:t>
+              <a:t>© 2023, FLLTutorials.com. Last Edit 5/29/2023</a:t>
             </a:r>
           </a:p>
         </p:txBody>
@@ -16084,9 +16084,9 @@
           <a:bodyPr/>
           <a:lstStyle/>
           <a:p>
-            <a:fld id="{C29C55E3-36E3-9F46-ADF5-2ECB7D839909}" type="datetime1">
+            <a:fld id="{A95EC1AC-B903-C946-A0CC-0F4E263D546C}" type="datetime1">
               <a:rPr lang="en-US" smtClean="0"/>
-              <a:t>10/28/22</a:t>
+              <a:t>5/29/23</a:t>
             </a:fld>
             <a:endParaRPr lang="en-US"/>
           </a:p>
@@ -16109,7 +16109,7 @@
           <a:p>
             <a:r>
               <a:rPr lang="en-US"/>
-              <a:t>© 2022, FLL Tutorials</a:t>
+              <a:t>© 2023, FLLTutorials.com. Last Edit 5/29/2023</a:t>
             </a:r>
           </a:p>
         </p:txBody>
@@ -16255,9 +16255,9 @@
           <a:bodyPr/>
           <a:lstStyle/>
           <a:p>
-            <a:fld id="{6EA1F752-CA6D-4840-9A71-5B98998B96D9}" type="datetime1">
+            <a:fld id="{34503CED-E11C-BD4D-851F-DC151E8071F0}" type="datetime1">
               <a:rPr lang="en-US" smtClean="0"/>
-              <a:t>10/28/22</a:t>
+              <a:t>5/29/23</a:t>
             </a:fld>
             <a:endParaRPr lang="en-US"/>
           </a:p>
@@ -16280,7 +16280,7 @@
           <a:p>
             <a:r>
               <a:rPr lang="en-US"/>
-              <a:t>© 2022, FLL Tutorials</a:t>
+              <a:t>© 2023, FLLTutorials.com. Last Edit 5/29/2023</a:t>
             </a:r>
           </a:p>
         </p:txBody>
@@ -16503,9 +16503,9 @@
           <a:bodyPr/>
           <a:lstStyle/>
           <a:p>
-            <a:fld id="{36812445-E491-7D4E-B906-EF4257FF0F9B}" type="datetime1">
+            <a:fld id="{01CDA10F-030A-3844-8EB3-8B6E9533AAE8}" type="datetime1">
               <a:rPr lang="en-US" smtClean="0"/>
-              <a:t>10/28/22</a:t>
+              <a:t>5/29/23</a:t>
             </a:fld>
             <a:endParaRPr lang="en-US"/>
           </a:p>
@@ -16528,7 +16528,7 @@
           <a:p>
             <a:r>
               <a:rPr lang="en-US"/>
-              <a:t>© 2022, FLL Tutorials</a:t>
+              <a:t>© 2023, FLLTutorials.com. Last Edit 5/29/2023</a:t>
             </a:r>
           </a:p>
         </p:txBody>
@@ -16735,9 +16735,9 @@
           <a:bodyPr/>
           <a:lstStyle/>
           <a:p>
-            <a:fld id="{44342B9A-ABDE-9D4D-82A6-888FB30FC731}" type="datetime1">
+            <a:fld id="{98CEB030-C45D-8544-AD35-B8071DBDAA4C}" type="datetime1">
               <a:rPr lang="en-US" smtClean="0"/>
-              <a:t>10/28/22</a:t>
+              <a:t>5/29/23</a:t>
             </a:fld>
             <a:endParaRPr lang="en-US"/>
           </a:p>
@@ -16760,7 +16760,7 @@
           <a:p>
             <a:r>
               <a:rPr lang="en-US"/>
-              <a:t>© 2022, FLL Tutorials</a:t>
+              <a:t>© 2023, FLLTutorials.com. Last Edit 5/29/2023</a:t>
             </a:r>
           </a:p>
         </p:txBody>
@@ -16855,9 +16855,9 @@
           <a:bodyPr/>
           <a:lstStyle/>
           <a:p>
-            <a:fld id="{550AE54D-563D-E947-9CF6-F0E674C594E4}" type="datetime1">
+            <a:fld id="{B528B68B-B195-4843-B71F-0606067D59E5}" type="datetime1">
               <a:rPr lang="en-US" smtClean="0"/>
-              <a:t>10/28/22</a:t>
+              <a:t>5/29/23</a:t>
             </a:fld>
             <a:endParaRPr lang="en-US"/>
           </a:p>
@@ -16880,7 +16880,7 @@
           <a:p>
             <a:r>
               <a:rPr lang="en-US"/>
-              <a:t>© 2022, FLL Tutorials</a:t>
+              <a:t>© 2023, FLLTutorials.com. Last Edit 5/29/2023</a:t>
             </a:r>
           </a:p>
         </p:txBody>
@@ -17222,9 +17222,9 @@
           <a:bodyPr/>
           <a:lstStyle/>
           <a:p>
-            <a:fld id="{0136A095-6AA2-964F-9A46-E87245033E46}" type="datetime1">
+            <a:fld id="{AAD68884-A5E4-824B-8738-6DE803BEF3EB}" type="datetime1">
               <a:rPr lang="en-US" smtClean="0"/>
-              <a:t>10/28/22</a:t>
+              <a:t>5/29/23</a:t>
             </a:fld>
             <a:endParaRPr lang="en-US"/>
           </a:p>
@@ -17247,7 +17247,7 @@
           <a:p>
             <a:r>
               <a:rPr lang="en-US"/>
-              <a:t>© 2022, FLL Tutorials</a:t>
+              <a:t>© 2023, FLLTutorials.com. Last Edit 5/29/2023</a:t>
             </a:r>
           </a:p>
         </p:txBody>
@@ -17342,9 +17342,9 @@
           <a:bodyPr/>
           <a:lstStyle/>
           <a:p>
-            <a:fld id="{3D6E1CF8-D40F-D045-84B7-FF7F1017B090}" type="datetime1">
+            <a:fld id="{161F90EA-11B3-204B-B82E-899EB1E98670}" type="datetime1">
               <a:rPr lang="en-US" smtClean="0"/>
-              <a:t>10/28/22</a:t>
+              <a:t>5/29/23</a:t>
             </a:fld>
             <a:endParaRPr lang="en-US"/>
           </a:p>
@@ -17367,7 +17367,7 @@
           <a:p>
             <a:r>
               <a:rPr lang="en-US"/>
-              <a:t>© 2022, FLL Tutorials</a:t>
+              <a:t>© 2023, FLLTutorials.com. Last Edit 5/29/2023</a:t>
             </a:r>
           </a:p>
         </p:txBody>
@@ -17440,9 +17440,9 @@
           <a:bodyPr/>
           <a:lstStyle/>
           <a:p>
-            <a:fld id="{1E96CF66-C066-1141-9EE6-1193F1A8B432}" type="datetime1">
+            <a:fld id="{E4CE10EF-F962-8840-9F6D-D66C4DE59E16}" type="datetime1">
               <a:rPr lang="en-US" smtClean="0"/>
-              <a:t>10/28/22</a:t>
+              <a:t>5/29/23</a:t>
             </a:fld>
             <a:endParaRPr lang="en-US"/>
           </a:p>
@@ -17465,7 +17465,7 @@
           <a:p>
             <a:r>
               <a:rPr lang="en-US"/>
-              <a:t>© 2022, FLL Tutorials</a:t>
+              <a:t>© 2023, FLLTutorials.com. Last Edit 5/29/2023</a:t>
             </a:r>
           </a:p>
         </p:txBody>
@@ -17718,9 +17718,9 @@
           <a:bodyPr/>
           <a:lstStyle/>
           <a:p>
-            <a:fld id="{1434E614-4550-2E46-A92C-C149B8CEB7A8}" type="datetime1">
+            <a:fld id="{A28E83ED-A625-5946-BDB5-C1DF0F44A1F8}" type="datetime1">
               <a:rPr lang="en-US" smtClean="0"/>
-              <a:t>10/28/22</a:t>
+              <a:t>5/29/23</a:t>
             </a:fld>
             <a:endParaRPr lang="en-US"/>
           </a:p>
@@ -17743,7 +17743,7 @@
           <a:p>
             <a:r>
               <a:rPr lang="en-US"/>
-              <a:t>© 2022, FLL Tutorials</a:t>
+              <a:t>© 2023, FLLTutorials.com. Last Edit 5/29/2023</a:t>
             </a:r>
           </a:p>
         </p:txBody>
@@ -17976,9 +17976,9 @@
           <a:bodyPr/>
           <a:lstStyle/>
           <a:p>
-            <a:fld id="{C00EB210-E193-B24B-8F19-85B7F74F70DB}" type="datetime1">
+            <a:fld id="{0549AF3B-F978-8D44-A2F5-B131CD10B913}" type="datetime1">
               <a:rPr lang="en-US" smtClean="0"/>
-              <a:t>10/28/22</a:t>
+              <a:t>5/29/23</a:t>
             </a:fld>
             <a:endParaRPr lang="en-US"/>
           </a:p>
@@ -18001,7 +18001,7 @@
           <a:p>
             <a:r>
               <a:rPr lang="en-US"/>
-              <a:t>© 2022, FLL Tutorials</a:t>
+              <a:t>© 2023, FLLTutorials.com. Last Edit 5/29/2023</a:t>
             </a:r>
           </a:p>
         </p:txBody>
@@ -18147,9 +18147,9 @@
           <a:bodyPr/>
           <a:lstStyle/>
           <a:p>
-            <a:fld id="{9A9E31A6-C52A-D84C-BF09-80817F4087CC}" type="datetime1">
+            <a:fld id="{B2127B0F-586E-BA49-8CA2-B4237E1E8929}" type="datetime1">
               <a:rPr lang="en-US" smtClean="0"/>
-              <a:t>10/28/22</a:t>
+              <a:t>5/29/23</a:t>
             </a:fld>
             <a:endParaRPr lang="en-US"/>
           </a:p>
@@ -18172,7 +18172,7 @@
           <a:p>
             <a:r>
               <a:rPr lang="en-US"/>
-              <a:t>© 2022, FLL Tutorials</a:t>
+              <a:t>© 2023, FLLTutorials.com. Last Edit 5/29/2023</a:t>
             </a:r>
           </a:p>
         </p:txBody>
@@ -18328,9 +18328,9 @@
           <a:bodyPr/>
           <a:lstStyle/>
           <a:p>
-            <a:fld id="{CED3339A-843B-A545-8A7F-3CAB1FFF242A}" type="datetime1">
+            <a:fld id="{3855B3F7-78CB-0B48-B81D-B535BC8BB043}" type="datetime1">
               <a:rPr lang="en-US" smtClean="0"/>
-              <a:t>10/28/22</a:t>
+              <a:t>5/29/23</a:t>
             </a:fld>
             <a:endParaRPr lang="en-US"/>
           </a:p>
@@ -18353,7 +18353,7 @@
           <a:p>
             <a:r>
               <a:rPr lang="en-US"/>
-              <a:t>© 2022, FLL Tutorials</a:t>
+              <a:t>© 2023, FLLTutorials.com. Last Edit 5/29/2023</a:t>
             </a:r>
           </a:p>
         </p:txBody>
@@ -18645,9 +18645,9 @@
             </a:lvl1pPr>
           </a:lstStyle>
           <a:p>
-            <a:fld id="{5DCBD857-826C-6945-8FE3-005D9CE9B796}" type="datetime1">
+            <a:fld id="{B1A74D33-2CA2-7642-93A9-90D5F0F5E8C4}" type="datetime1">
               <a:rPr lang="en-US" smtClean="0"/>
-              <a:t>10/28/22</a:t>
+              <a:t>5/29/23</a:t>
             </a:fld>
             <a:endParaRPr lang="en-US"/>
           </a:p>
@@ -18689,7 +18689,7 @@
           <a:p>
             <a:r>
               <a:rPr lang="en-US"/>
-              <a:t>© 2022, FLL Tutorials</a:t>
+              <a:t>© 2023, FLLTutorials.com. Last Edit 5/29/2023</a:t>
             </a:r>
           </a:p>
         </p:txBody>
@@ -18978,9 +18978,9 @@
             </a:lvl1pPr>
           </a:lstStyle>
           <a:p>
-            <a:fld id="{22F6C7EA-EB78-C04A-8EF6-F0485ED93D5A}" type="datetime1">
+            <a:fld id="{17C5C80D-9C2B-E943-88BD-48268F61E1A0}" type="datetime1">
               <a:rPr lang="en-US" smtClean="0"/>
-              <a:t>10/28/22</a:t>
+              <a:t>5/29/23</a:t>
             </a:fld>
             <a:endParaRPr lang="en-US"/>
           </a:p>
@@ -19025,7 +19025,7 @@
           <a:p>
             <a:r>
               <a:rPr lang="en-US"/>
-              <a:t>© 2022, FLL Tutorials</a:t>
+              <a:t>© 2023, FLLTutorials.com. Last Edit 5/29/2023</a:t>
             </a:r>
           </a:p>
         </p:txBody>
@@ -19432,7 +19432,7 @@
             <a:fld id="{B61BEF0D-F0BB-DE4B-95CE-6DB70DBA9567}" type="datetimeFigureOut">
               <a:rPr lang="en-US" smtClean="0"/>
               <a:pPr/>
-              <a:t>10/28/22</a:t>
+              <a:t>5/29/23</a:t>
             </a:fld>
             <a:endParaRPr lang="en-US" dirty="0"/>
           </a:p>
@@ -19748,9 +19748,9 @@
           <a:bodyPr/>
           <a:lstStyle/>
           <a:p>
-            <a:fld id="{1E627198-F55A-9048-9154-066C696A9482}" type="datetime1">
+            <a:fld id="{34A8A5E2-6FC2-7144-BCC6-816ED83CF048}" type="datetime1">
               <a:rPr lang="en-US" smtClean="0"/>
-              <a:t>10/28/22</a:t>
+              <a:t>5/29/23</a:t>
             </a:fld>
             <a:endParaRPr lang="en-US"/>
           </a:p>
@@ -19773,7 +19773,7 @@
           <a:p>
             <a:r>
               <a:rPr lang="en-US"/>
-              <a:t>© 2022, FLL Tutorials</a:t>
+              <a:t>© 2023, FLLTutorials.com. Last Edit 5/29/2023</a:t>
             </a:r>
           </a:p>
         </p:txBody>
@@ -20034,9 +20034,9 @@
           <a:bodyPr/>
           <a:lstStyle/>
           <a:p>
-            <a:fld id="{79ED4AEE-7EDD-D64A-9188-4CC893F4C027}" type="datetime1">
+            <a:fld id="{68FF972B-0511-6844-AE9A-173D5AD28131}" type="datetime1">
               <a:rPr lang="en-US" smtClean="0"/>
-              <a:t>10/28/22</a:t>
+              <a:t>5/29/23</a:t>
             </a:fld>
             <a:endParaRPr lang="en-US"/>
           </a:p>
@@ -20067,7 +20067,7 @@
           <a:p>
             <a:r>
               <a:rPr lang="en-US"/>
-              <a:t>© 2022, FLL Tutorials</a:t>
+              <a:t>© 2023, FLLTutorials.com. Last Edit 5/29/2023</a:t>
             </a:r>
           </a:p>
         </p:txBody>
@@ -20482,9 +20482,9 @@
           <a:bodyPr/>
           <a:lstStyle/>
           <a:p>
-            <a:fld id="{34738E6C-9ECA-2D40-83C2-6013A0C0F24F}" type="datetime1">
+            <a:fld id="{C2B43378-302C-F545-9EDF-22E58CF324AE}" type="datetime1">
               <a:rPr lang="en-US" smtClean="0"/>
-              <a:t>10/28/22</a:t>
+              <a:t>5/29/23</a:t>
             </a:fld>
             <a:endParaRPr lang="en-US"/>
           </a:p>
@@ -20515,7 +20515,7 @@
           <a:p>
             <a:r>
               <a:rPr lang="en-US"/>
-              <a:t>© 2022, FLL Tutorials</a:t>
+              <a:t>© 2023, FLLTutorials.com. Last Edit 5/29/2023</a:t>
             </a:r>
           </a:p>
         </p:txBody>
@@ -20666,9 +20666,9 @@
           <a:bodyPr/>
           <a:lstStyle/>
           <a:p>
-            <a:fld id="{06D7AE09-61D3-6C45-A34A-33FEE424EAB7}" type="datetime1">
+            <a:fld id="{7583869C-F2C7-0643-8594-CB31E40D858D}" type="datetime1">
               <a:rPr lang="en-US" smtClean="0"/>
-              <a:t>10/28/22</a:t>
+              <a:t>5/29/23</a:t>
             </a:fld>
             <a:endParaRPr lang="en-US"/>
           </a:p>
@@ -20699,7 +20699,7 @@
           <a:p>
             <a:r>
               <a:rPr lang="en-US"/>
-              <a:t>© 2022, FLL Tutorials</a:t>
+              <a:t>© 2023, FLLTutorials.com. Last Edit 5/29/2023</a:t>
             </a:r>
           </a:p>
         </p:txBody>
@@ -20788,9 +20788,9 @@
           <a:bodyPr/>
           <a:lstStyle/>
           <a:p>
-            <a:fld id="{0E69B0BF-DDEA-7640-9209-247188D393B7}" type="datetime1">
+            <a:fld id="{35433F7F-21A3-C74F-945F-6891523D365F}" type="datetime1">
               <a:rPr lang="en-US" smtClean="0"/>
-              <a:t>10/28/22</a:t>
+              <a:t>5/29/23</a:t>
             </a:fld>
             <a:endParaRPr lang="en-US"/>
           </a:p>
@@ -20821,7 +20821,7 @@
           <a:p>
             <a:r>
               <a:rPr lang="en-US"/>
-              <a:t>© 2022, FLL Tutorials</a:t>
+              <a:t>© 2023, FLLTutorials.com. Last Edit 5/29/2023</a:t>
             </a:r>
           </a:p>
         </p:txBody>
@@ -21193,9 +21193,9 @@
             </a:lvl1pPr>
           </a:lstStyle>
           <a:p>
-            <a:fld id="{67520808-BBE1-004F-ADAA-BB59994EB3ED}" type="datetime1">
+            <a:fld id="{FB34398A-F14A-2948-A387-6A7BEB6A580E}" type="datetime1">
               <a:rPr lang="en-US" smtClean="0"/>
-              <a:t>10/28/22</a:t>
+              <a:t>5/29/23</a:t>
             </a:fld>
             <a:endParaRPr lang="en-US"/>
           </a:p>
@@ -21237,7 +21237,7 @@
           <a:p>
             <a:r>
               <a:rPr lang="en-US"/>
-              <a:t>© 2022, FLL Tutorials</a:t>
+              <a:t>© 2023, FLLTutorials.com. Last Edit 5/29/2023</a:t>
             </a:r>
           </a:p>
         </p:txBody>
@@ -21509,9 +21509,9 @@
           <a:bodyPr/>
           <a:lstStyle/>
           <a:p>
-            <a:fld id="{EF8A4DAB-65B8-6242-AAF7-90687E013CB8}" type="datetime1">
+            <a:fld id="{2E096039-69F6-6842-B223-29CC1C9966C0}" type="datetime1">
               <a:rPr lang="en-US" smtClean="0"/>
-              <a:t>10/28/22</a:t>
+              <a:t>5/29/23</a:t>
             </a:fld>
             <a:endParaRPr lang="en-US"/>
           </a:p>
@@ -21542,7 +21542,7 @@
           <a:p>
             <a:r>
               <a:rPr lang="en-US"/>
-              <a:t>© 2022, FLL Tutorials</a:t>
+              <a:t>© 2023, FLLTutorials.com. Last Edit 5/29/2023</a:t>
             </a:r>
           </a:p>
         </p:txBody>
@@ -21761,9 +21761,9 @@
           <a:bodyPr/>
           <a:lstStyle/>
           <a:p>
-            <a:fld id="{546DDE0D-D90A-D245-8904-9AEF56FF03E3}" type="datetime1">
+            <a:fld id="{E4A763E9-9445-704E-A2A4-22E822C6D24F}" type="datetime1">
               <a:rPr lang="en-US" smtClean="0"/>
-              <a:t>10/28/22</a:t>
+              <a:t>5/29/23</a:t>
             </a:fld>
             <a:endParaRPr lang="en-US"/>
           </a:p>
@@ -21794,7 +21794,7 @@
           <a:p>
             <a:r>
               <a:rPr lang="en-US"/>
-              <a:t>© 2022, FLL Tutorials</a:t>
+              <a:t>© 2023, FLLTutorials.com. Last Edit 5/29/2023</a:t>
             </a:r>
           </a:p>
         </p:txBody>
@@ -22018,9 +22018,9 @@
             </a:lvl1pPr>
           </a:lstStyle>
           <a:p>
-            <a:fld id="{7BDDFA95-D852-0643-956C-309AB9C3EC57}" type="datetime1">
+            <a:fld id="{BB726097-2E82-4A43-862D-EA65A8EE7DBE}" type="datetime1">
               <a:rPr lang="en-US" smtClean="0"/>
-              <a:t>10/28/22</a:t>
+              <a:t>5/29/23</a:t>
             </a:fld>
             <a:endParaRPr lang="en-US"/>
           </a:p>
@@ -22051,7 +22051,7 @@
           <a:p>
             <a:r>
               <a:rPr lang="en-US"/>
-              <a:t>© 2022, FLL Tutorials</a:t>
+              <a:t>© 2023, FLLTutorials.com. Last Edit 5/29/2023</a:t>
             </a:r>
           </a:p>
         </p:txBody>
@@ -22295,9 +22295,9 @@
           <a:bodyPr/>
           <a:lstStyle/>
           <a:p>
-            <a:fld id="{60C699BA-B54F-9946-940B-3465FB03EA99}" type="datetime1">
+            <a:fld id="{7935D431-DF26-DE4D-8C71-0B4890C7AF19}" type="datetime1">
               <a:rPr lang="en-US" smtClean="0"/>
-              <a:t>10/28/22</a:t>
+              <a:t>5/29/23</a:t>
             </a:fld>
             <a:endParaRPr lang="en-US"/>
           </a:p>
@@ -22320,7 +22320,7 @@
           <a:p>
             <a:r>
               <a:rPr lang="en-US"/>
-              <a:t>© 2022, FLL Tutorials</a:t>
+              <a:t>© 2023, FLLTutorials.com. Last Edit 5/29/2023</a:t>
             </a:r>
           </a:p>
         </p:txBody>
@@ -22595,9 +22595,9 @@
           <a:bodyPr/>
           <a:lstStyle/>
           <a:p>
-            <a:fld id="{EB9F5554-4564-994E-A978-81EF633D24C3}" type="datetime1">
+            <a:fld id="{4903E309-C958-6247-BE1B-31FAA99283B2}" type="datetime1">
               <a:rPr lang="en-US" smtClean="0"/>
-              <a:t>10/28/22</a:t>
+              <a:t>5/29/23</a:t>
             </a:fld>
             <a:endParaRPr lang="en-US"/>
           </a:p>
@@ -22620,7 +22620,7 @@
           <a:p>
             <a:r>
               <a:rPr lang="en-US"/>
-              <a:t>© 2022, FLL Tutorials</a:t>
+              <a:t>© 2023, FLLTutorials.com. Last Edit 5/29/2023</a:t>
             </a:r>
           </a:p>
         </p:txBody>
@@ -22896,9 +22896,9 @@
             </a:lvl1pPr>
           </a:lstStyle>
           <a:p>
-            <a:fld id="{5B54EDD6-BD3E-E047-957E-1C5A8EE937DE}" type="datetime1">
+            <a:fld id="{83E004E4-BAFC-CC4B-BB2E-1B05377587F2}" type="datetime1">
               <a:rPr lang="en-US" smtClean="0"/>
-              <a:t>10/28/22</a:t>
+              <a:t>5/29/23</a:t>
             </a:fld>
             <a:endParaRPr lang="en-US"/>
           </a:p>
@@ -22937,7 +22937,7 @@
           <a:p>
             <a:r>
               <a:rPr lang="en-US"/>
-              <a:t>© 2022, FLL Tutorials</a:t>
+              <a:t>© 2023, FLLTutorials.com. Last Edit 5/29/2023</a:t>
             </a:r>
           </a:p>
         </p:txBody>
@@ -23848,9 +23848,9 @@
             </a:lvl1pPr>
           </a:lstStyle>
           <a:p>
-            <a:fld id="{B001C720-3869-4140-94DA-E2E9C1054EDB}" type="datetime1">
+            <a:fld id="{F162CAB5-D594-F846-9F20-44436D0A8FE6}" type="datetime1">
               <a:rPr lang="en-US" smtClean="0"/>
-              <a:t>10/28/22</a:t>
+              <a:t>5/29/23</a:t>
             </a:fld>
             <a:endParaRPr lang="en-US"/>
           </a:p>
@@ -23889,7 +23889,7 @@
           <a:p>
             <a:r>
               <a:rPr lang="en-US"/>
-              <a:t>© 2022, FLL Tutorials</a:t>
+              <a:t>© 2023, FLLTutorials.com. Last Edit 5/29/2023</a:t>
             </a:r>
           </a:p>
         </p:txBody>
@@ -24906,9 +24906,9 @@
             </a:lvl1pPr>
           </a:lstStyle>
           <a:p>
-            <a:fld id="{C015C1FD-F668-8349-904A-EA88263B906F}" type="datetime1">
+            <a:fld id="{55D8A2D9-E4CC-3C44-A3A9-FE73A4D768F0}" type="datetime1">
               <a:rPr lang="en-US" smtClean="0"/>
-              <a:t>10/28/22</a:t>
+              <a:t>5/29/23</a:t>
             </a:fld>
             <a:endParaRPr lang="en-US"/>
           </a:p>
@@ -24949,7 +24949,7 @@
           <a:p>
             <a:r>
               <a:rPr lang="en-US"/>
-              <a:t>© 2022, FLL Tutorials</a:t>
+              <a:t>© 2023, FLLTutorials.com. Last Edit 5/29/2023</a:t>
             </a:r>
           </a:p>
         </p:txBody>
@@ -25448,9 +25448,9 @@
             </a:lvl1pPr>
           </a:lstStyle>
           <a:p>
-            <a:fld id="{D9C4E844-06DA-8D48-9F55-B5044809EBBD}" type="datetime1">
+            <a:fld id="{79311324-1C2F-D743-806C-844A23AB8587}" type="datetime1">
               <a:rPr lang="en-US" smtClean="0"/>
-              <a:t>10/28/22</a:t>
+              <a:t>5/29/23</a:t>
             </a:fld>
             <a:endParaRPr lang="en-US"/>
           </a:p>
@@ -25489,7 +25489,7 @@
           <a:p>
             <a:r>
               <a:rPr lang="en-US"/>
-              <a:t>© 2022, FLL Tutorials</a:t>
+              <a:t>© 2023, FLLTutorials.com. Last Edit 5/29/2023</a:t>
             </a:r>
           </a:p>
         </p:txBody>
@@ -26817,9 +26817,9 @@
             </a:lvl1pPr>
           </a:lstStyle>
           <a:p>
-            <a:fld id="{AC13B329-CB32-3A4E-8B15-C7132F606786}" type="datetime1">
+            <a:fld id="{5E33B84F-C145-DA46-ACD9-DC449D7A3354}" type="datetime1">
               <a:rPr lang="en-US" smtClean="0"/>
-              <a:t>10/28/22</a:t>
+              <a:t>5/29/23</a:t>
             </a:fld>
             <a:endParaRPr lang="en-US"/>
           </a:p>
@@ -26858,7 +26858,7 @@
           <a:p>
             <a:r>
               <a:rPr lang="en-US"/>
-              <a:t>© 2022, FLL Tutorials</a:t>
+              <a:t>© 2023, FLLTutorials.com. Last Edit 5/29/2023</a:t>
             </a:r>
           </a:p>
         </p:txBody>
@@ -27895,9 +27895,9 @@
             </a:lvl1pPr>
           </a:lstStyle>
           <a:p>
-            <a:fld id="{789005E4-48F2-B547-840D-9A6A28EA57D6}" type="datetime1">
+            <a:fld id="{F2108E84-4407-644A-B47D-B29C9C42B6B3}" type="datetime1">
               <a:rPr lang="en-US" smtClean="0"/>
-              <a:t>10/28/22</a:t>
+              <a:t>5/29/23</a:t>
             </a:fld>
             <a:endParaRPr lang="en-US"/>
           </a:p>
@@ -27938,7 +27938,7 @@
           <a:p>
             <a:r>
               <a:rPr lang="en-US"/>
-              <a:t>© 2022, FLL Tutorials</a:t>
+              <a:t>© 2023, FLLTutorials.com. Last Edit 5/29/2023</a:t>
             </a:r>
           </a:p>
         </p:txBody>
@@ -28557,9 +28557,9 @@
             </a:lvl1pPr>
           </a:lstStyle>
           <a:p>
-            <a:fld id="{D78C55D8-E682-DF47-A388-613094F188F5}" type="datetime1">
+            <a:fld id="{710B8F16-D556-674D-BB12-4211B7C16132}" type="datetime1">
               <a:rPr lang="en-US" smtClean="0"/>
-              <a:t>10/28/22</a:t>
+              <a:t>5/29/23</a:t>
             </a:fld>
             <a:endParaRPr lang="en-US"/>
           </a:p>
@@ -28607,7 +28607,7 @@
           <a:p>
             <a:r>
               <a:rPr lang="en-US"/>
-              <a:t>© 2022, FLL Tutorials</a:t>
+              <a:t>© 2023, FLLTutorials.com. Last Edit 5/29/2023</a:t>
             </a:r>
           </a:p>
         </p:txBody>
@@ -29263,7 +29263,7 @@
           <a:p>
             <a:r>
               <a:rPr lang="en-US"/>
-              <a:t>© 2022, FLL Tutorials</a:t>
+              <a:t>© 2023, FLLTutorials.com. Last Edit 5/29/2023</a:t>
             </a:r>
           </a:p>
         </p:txBody>
@@ -29414,7 +29414,7 @@
           <a:p>
             <a:r>
               <a:rPr lang="en-US"/>
-              <a:t>© 2022, FLL Tutorials</a:t>
+              <a:t>© 2023, FLLTutorials.com. Last Edit 5/29/2023</a:t>
             </a:r>
           </a:p>
         </p:txBody>
@@ -29609,7 +29609,7 @@
           <a:p>
             <a:r>
               <a:rPr lang="en-US"/>
-              <a:t>© 2022, FLL Tutorials</a:t>
+              <a:t>© 2023, FLLTutorials.com. Last Edit 5/29/2023</a:t>
             </a:r>
           </a:p>
         </p:txBody>
@@ -29806,7 +29806,7 @@
           <a:p>
             <a:r>
               <a:rPr lang="en-US"/>
-              <a:t>© 2022, FLL Tutorials</a:t>
+              <a:t>© 2023, FLLTutorials.com. Last Edit 5/29/2023</a:t>
             </a:r>
             <a:endParaRPr lang="en-US" dirty="0"/>
           </a:p>
@@ -30029,7 +30029,7 @@
           <a:p>
             <a:r>
               <a:rPr lang="en-US"/>
-              <a:t>© 2022, FLL Tutorials</a:t>
+              <a:t>© 2023, FLLTutorials.com. Last Edit 5/29/2023</a:t>
             </a:r>
             <a:endParaRPr lang="en-US" dirty="0"/>
           </a:p>
@@ -30220,7 +30220,7 @@
           <a:p>
             <a:r>
               <a:rPr lang="en-US"/>
-              <a:t>© 2022, FLL Tutorials</a:t>
+              <a:t>© 2023, FLLTutorials.com. Last Edit 5/29/2023</a:t>
             </a:r>
             <a:endParaRPr lang="en-US" dirty="0"/>
           </a:p>
@@ -30489,11 +30489,25 @@
             </a:r>
             <a:r>
               <a:rPr lang="en-US" sz="2400" dirty="0"/>
-              <a:t> and </a:t>
+              <a:t>, </a:t>
             </a:r>
             <a:r>
               <a:rPr lang="en-US" sz="2400" dirty="0">
                 <a:hlinkClick r:id="rId4"/>
+              </a:rPr>
+              <a:t>www.primelessons.org</a:t>
+            </a:r>
+            <a:r>
+              <a:rPr lang="en-US" sz="2400" dirty="0"/>
+              <a:t> </a:t>
+            </a:r>
+            <a:r>
+              <a:rPr lang="en-US" sz="2400"/>
+              <a:t>and </a:t>
+            </a:r>
+            <a:r>
+              <a:rPr lang="en-US" sz="2400" dirty="0">
+                <a:hlinkClick r:id="rId5"/>
               </a:rPr>
               <a:t>www.flltutorials.com</a:t>
             </a:r>
@@ -30525,7 +30539,7 @@
           <a:p>
             <a:r>
               <a:rPr lang="en-US"/>
-              <a:t>© 2022, FLL Tutorials</a:t>
+              <a:t>© 2023, FLLTutorials.com. Last Edit 5/29/2023</a:t>
             </a:r>
           </a:p>
         </p:txBody>
@@ -30555,7 +30569,7 @@
           <a:effectLst/>
           <a:extLst>
             <a:ext uri="{91240B29-F687-4f45-9708-019B960494DF}">
-              <a14:hiddenLine xmlns:a14="http://schemas.microsoft.com/office/drawing/2010/main" xmlns="" w="9525">
+              <a14:hiddenLine xmlns="" xmlns:a14="http://schemas.microsoft.com/office/drawing/2010/main" w="9525">
                 <a:solidFill>
                   <a:schemeClr val="tx1"/>
                 </a:solidFill>
@@ -30565,7 +30579,7 @@
               </a14:hiddenLine>
             </a:ext>
             <a:ext uri="{AF507438-7753-43e0-B8FC-AC1667EBCBE1}">
-              <a14:hiddenEffects xmlns:a14="http://schemas.microsoft.com/office/drawing/2010/main" xmlns="">
+              <a14:hiddenEffects xmlns="" xmlns:a14="http://schemas.microsoft.com/office/drawing/2010/main">
                 <a:effectLst>
                   <a:outerShdw dist="35921" dir="2700000" algn="ctr" rotWithShape="0">
                     <a:schemeClr val="bg2"/>
@@ -30774,7 +30788,7 @@
                 </a:solidFill>
                 <a:effectLst/>
                 <a:latin typeface="Helvetica Neue"/>
-                <a:hlinkClick r:id="rId5"/>
+                <a:hlinkClick r:id="rId6"/>
               </a:rPr>
               <a:t>Creative Commons Attribution-</a:t>
             </a:r>
@@ -30788,7 +30802,7 @@
                 </a:solidFill>
                 <a:effectLst/>
                 <a:latin typeface="Helvetica Neue"/>
-                <a:hlinkClick r:id="rId5"/>
+                <a:hlinkClick r:id="rId6"/>
               </a:rPr>
               <a:t>NonCommercial</a:t>
             </a:r>
@@ -30802,7 +30816,7 @@
                 </a:solidFill>
                 <a:effectLst/>
                 <a:latin typeface="Helvetica Neue"/>
-                <a:hlinkClick r:id="rId5"/>
+                <a:hlinkClick r:id="rId6"/>
               </a:rPr>
               <a:t>-</a:t>
             </a:r>
@@ -30816,7 +30830,7 @@
                 </a:solidFill>
                 <a:effectLst/>
                 <a:latin typeface="Helvetica Neue"/>
-                <a:hlinkClick r:id="rId5"/>
+                <a:hlinkClick r:id="rId6"/>
               </a:rPr>
               <a:t>ShareAlike</a:t>
             </a:r>
@@ -30830,7 +30844,7 @@
                 </a:solidFill>
                 <a:effectLst/>
                 <a:latin typeface="Helvetica Neue"/>
-                <a:hlinkClick r:id="rId5"/>
+                <a:hlinkClick r:id="rId6"/>
               </a:rPr>
               <a:t> 4.0 International License</a:t>
             </a:r>
@@ -30875,7 +30889,7 @@
       <p:pic>
         <p:nvPicPr>
           <p:cNvPr id="6" name="Picture 2" descr="Creative Commons License">
-            <a:hlinkClick r:id="rId5"/>
+            <a:hlinkClick r:id="rId6"/>
           </p:cNvPr>
           <p:cNvPicPr>
             <a:picLocks noChangeAspect="1" noChangeArrowheads="1"/>
@@ -30883,7 +30897,7 @@
           <p:nvPr/>
         </p:nvPicPr>
         <p:blipFill>
-          <a:blip r:embed="rId6">
+          <a:blip r:embed="rId7">
             <a:extLst>
               <a:ext uri="{28A0092B-C50C-407E-A947-70E740481C1C}">
                 <a14:useLocalDpi xmlns:a14="http://schemas.microsoft.com/office/drawing/2010/main"/>
@@ -30906,7 +30920,7 @@
           <a:noFill/>
           <a:extLst>
             <a:ext uri="{909E8E84-426E-40dd-AFC4-6F175D3DCCD1}">
-              <a14:hiddenFill xmlns:a14="http://schemas.microsoft.com/office/drawing/2010/main" xmlns="">
+              <a14:hiddenFill xmlns="" xmlns:a14="http://schemas.microsoft.com/office/drawing/2010/main">
                 <a:solidFill>
                   <a:srgbClr val="FFFFFF"/>
                 </a:solidFill>
